--- a/docs/nginx-serverless-examples.pptx
+++ b/docs/nginx-serverless-examples.pptx
@@ -11,7 +11,9 @@
     <p:sldId id="260" r:id="rId5"/>
     <p:sldId id="261" r:id="rId6"/>
     <p:sldId id="262" r:id="rId7"/>
-    <p:sldId id="259" r:id="rId8"/>
+    <p:sldId id="264" r:id="rId8"/>
+    <p:sldId id="263" r:id="rId9"/>
+    <p:sldId id="259" r:id="rId10"/>
   </p:sldIdLst>
   <p:sldSz cx="12192000" cy="6858000"/>
   <p:notesSz cx="6858000" cy="9144000"/>
@@ -24526,13 +24528,11 @@
             <a:avLst/>
           </a:prstGeom>
           <a:noFill/>
-          <a:ln w="3175" cap="flat" cmpd="sng" algn="ctr">
+          <a:ln w="25400" cap="flat" cmpd="sng" algn="ctr">
             <a:solidFill>
-              <a:schemeClr val="bg1">
-                <a:lumMod val="85000"/>
-              </a:schemeClr>
+              <a:schemeClr val="accent6"/>
             </a:solidFill>
-            <a:prstDash val="dash"/>
+            <a:prstDash val="solid"/>
             <a:miter lim="800000"/>
           </a:ln>
           <a:effectLst/>
@@ -27446,13 +27446,11 @@
             <a:avLst/>
           </a:prstGeom>
           <a:noFill/>
-          <a:ln w="3175" cap="flat" cmpd="sng" algn="ctr">
+          <a:ln w="25400" cap="flat" cmpd="sng" algn="ctr">
             <a:solidFill>
-              <a:schemeClr val="bg1">
-                <a:lumMod val="85000"/>
-              </a:schemeClr>
+              <a:schemeClr val="accent6"/>
             </a:solidFill>
-            <a:prstDash val="dash"/>
+            <a:prstDash val="solid"/>
             <a:miter lim="800000"/>
           </a:ln>
           <a:effectLst/>
@@ -29865,6 +29863,5416 @@
 </file>
 
 <file path=ppt/slides/slide7.xml><?xml version="1.0" encoding="utf-8"?>
+<p:sld xmlns:a="http://schemas.openxmlformats.org/drawingml/2006/main" xmlns:r="http://schemas.openxmlformats.org/officeDocument/2006/relationships" xmlns:p="http://schemas.openxmlformats.org/presentationml/2006/main">
+  <p:cSld>
+    <p:spTree>
+      <p:nvGrpSpPr>
+        <p:cNvPr id="1" name=""/>
+        <p:cNvGrpSpPr/>
+        <p:nvPr/>
+      </p:nvGrpSpPr>
+      <p:grpSpPr>
+        <a:xfrm>
+          <a:off x="0" y="0"/>
+          <a:ext cx="0" cy="0"/>
+          <a:chOff x="0" y="0"/>
+          <a:chExt cx="0" cy="0"/>
+        </a:xfrm>
+      </p:grpSpPr>
+      <p:grpSp>
+        <p:nvGrpSpPr>
+          <p:cNvPr id="140" name="Group 68">
+            <a:extLst>
+              <a:ext uri="{FF2B5EF4-FFF2-40B4-BE49-F238E27FC236}">
+                <a16:creationId xmlns:a16="http://schemas.microsoft.com/office/drawing/2014/main" id="{E6E9EB85-5F50-A247-8D51-A8AEC36C513A}"/>
+              </a:ext>
+            </a:extLst>
+          </p:cNvPr>
+          <p:cNvGrpSpPr>
+            <a:grpSpLocks/>
+          </p:cNvGrpSpPr>
+          <p:nvPr/>
+        </p:nvGrpSpPr>
+        <p:grpSpPr bwMode="auto">
+          <a:xfrm>
+            <a:off x="335323" y="289684"/>
+            <a:ext cx="11300844" cy="341313"/>
+            <a:chOff x="4147" y="1705"/>
+            <a:chExt cx="5009" cy="215"/>
+          </a:xfrm>
+        </p:grpSpPr>
+        <p:grpSp>
+          <p:nvGrpSpPr>
+            <p:cNvPr id="141" name="Group 69">
+              <a:extLst>
+                <a:ext uri="{FF2B5EF4-FFF2-40B4-BE49-F238E27FC236}">
+                  <a16:creationId xmlns:a16="http://schemas.microsoft.com/office/drawing/2014/main" id="{11871302-BCEA-FE09-774C-DE56B323E1D3}"/>
+                </a:ext>
+              </a:extLst>
+            </p:cNvPr>
+            <p:cNvGrpSpPr>
+              <a:grpSpLocks/>
+            </p:cNvGrpSpPr>
+            <p:nvPr/>
+          </p:nvGrpSpPr>
+          <p:grpSpPr bwMode="auto">
+            <a:xfrm rot="10800000">
+              <a:off x="4228" y="1775"/>
+              <a:ext cx="84" cy="78"/>
+              <a:chOff x="1241" y="1874"/>
+              <a:chExt cx="193" cy="126"/>
+            </a:xfrm>
+          </p:grpSpPr>
+          <p:pic>
+            <p:nvPicPr>
+              <p:cNvPr id="147" name="Picture 70" descr="화살표-3_1">
+                <a:extLst>
+                  <a:ext uri="{FF2B5EF4-FFF2-40B4-BE49-F238E27FC236}">
+                    <a16:creationId xmlns:a16="http://schemas.microsoft.com/office/drawing/2014/main" id="{A58EB7F9-B211-017F-6618-39DFEF130574}"/>
+                  </a:ext>
+                </a:extLst>
+              </p:cNvPr>
+              <p:cNvPicPr>
+                <a:picLocks noChangeAspect="1" noChangeArrowheads="1"/>
+              </p:cNvPicPr>
+              <p:nvPr/>
+            </p:nvPicPr>
+            <p:blipFill>
+              <a:blip r:embed="rId2" cstate="print">
+                <a:extLst>
+                  <a:ext uri="{28A0092B-C50C-407E-A947-70E740481C1C}">
+                    <a14:useLocalDpi xmlns:a14="http://schemas.microsoft.com/office/drawing/2010/main" val="0"/>
+                  </a:ext>
+                </a:extLst>
+              </a:blip>
+              <a:srcRect/>
+              <a:stretch>
+                <a:fillRect/>
+              </a:stretch>
+            </p:blipFill>
+            <p:spPr bwMode="auto">
+              <a:xfrm>
+                <a:off x="1332" y="1874"/>
+                <a:ext cx="102" cy="126"/>
+              </a:xfrm>
+              <a:prstGeom prst="rect">
+                <a:avLst/>
+              </a:prstGeom>
+              <a:noFill/>
+              <a:extLst>
+                <a:ext uri="{909E8E84-426E-40DD-AFC4-6F175D3DCCD1}">
+                  <a14:hiddenFill xmlns:a14="http://schemas.microsoft.com/office/drawing/2010/main">
+                    <a:solidFill>
+                      <a:srgbClr val="FFFFFF"/>
+                    </a:solidFill>
+                  </a14:hiddenFill>
+                </a:ext>
+              </a:extLst>
+            </p:spPr>
+          </p:pic>
+          <p:pic>
+            <p:nvPicPr>
+              <p:cNvPr id="148" name="Picture 71" descr="화살표-3_1">
+                <a:extLst>
+                  <a:ext uri="{FF2B5EF4-FFF2-40B4-BE49-F238E27FC236}">
+                    <a16:creationId xmlns:a16="http://schemas.microsoft.com/office/drawing/2014/main" id="{74DA49ED-7E0C-2914-7AF6-AE95069A2C39}"/>
+                  </a:ext>
+                </a:extLst>
+              </p:cNvPr>
+              <p:cNvPicPr>
+                <a:picLocks noChangeAspect="1" noChangeArrowheads="1"/>
+              </p:cNvPicPr>
+              <p:nvPr/>
+            </p:nvPicPr>
+            <p:blipFill>
+              <a:blip r:embed="rId2" cstate="print">
+                <a:extLst>
+                  <a:ext uri="{28A0092B-C50C-407E-A947-70E740481C1C}">
+                    <a14:useLocalDpi xmlns:a14="http://schemas.microsoft.com/office/drawing/2010/main" val="0"/>
+                  </a:ext>
+                </a:extLst>
+              </a:blip>
+              <a:srcRect/>
+              <a:stretch>
+                <a:fillRect/>
+              </a:stretch>
+            </p:blipFill>
+            <p:spPr bwMode="auto">
+              <a:xfrm>
+                <a:off x="1241" y="1874"/>
+                <a:ext cx="102" cy="126"/>
+              </a:xfrm>
+              <a:prstGeom prst="rect">
+                <a:avLst/>
+              </a:prstGeom>
+              <a:noFill/>
+              <a:extLst>
+                <a:ext uri="{909E8E84-426E-40DD-AFC4-6F175D3DCCD1}">
+                  <a14:hiddenFill xmlns:a14="http://schemas.microsoft.com/office/drawing/2010/main">
+                    <a:solidFill>
+                      <a:srgbClr val="FFFFFF"/>
+                    </a:solidFill>
+                  </a14:hiddenFill>
+                </a:ext>
+              </a:extLst>
+            </p:spPr>
+          </p:pic>
+        </p:grpSp>
+        <p:sp>
+          <p:nvSpPr>
+            <p:cNvPr id="142" name="AutoShape 72">
+              <a:extLst>
+                <a:ext uri="{FF2B5EF4-FFF2-40B4-BE49-F238E27FC236}">
+                  <a16:creationId xmlns:a16="http://schemas.microsoft.com/office/drawing/2014/main" id="{F54513D9-430F-D4F4-DDA1-1D0B3ED6BDC7}"/>
+                </a:ext>
+              </a:extLst>
+            </p:cNvPr>
+            <p:cNvSpPr>
+              <a:spLocks noChangeArrowheads="1"/>
+            </p:cNvSpPr>
+            <p:nvPr/>
+          </p:nvSpPr>
+          <p:spPr bwMode="auto">
+            <a:xfrm>
+              <a:off x="4147" y="1705"/>
+              <a:ext cx="5009" cy="215"/>
+            </a:xfrm>
+            <a:prstGeom prst="roundRect">
+              <a:avLst>
+                <a:gd name="adj" fmla="val 0"/>
+              </a:avLst>
+            </a:prstGeom>
+            <a:gradFill rotWithShape="1">
+              <a:gsLst>
+                <a:gs pos="0">
+                  <a:srgbClr val="99D2EF"/>
+                </a:gs>
+                <a:gs pos="100000">
+                  <a:srgbClr val="99D2EF">
+                    <a:gamma/>
+                    <a:tint val="10588"/>
+                    <a:invGamma/>
+                  </a:srgbClr>
+                </a:gs>
+              </a:gsLst>
+              <a:lin ang="0" scaled="1"/>
+            </a:gradFill>
+            <a:ln>
+              <a:noFill/>
+            </a:ln>
+            <a:effectLst/>
+            <a:extLst>
+              <a:ext uri="{91240B29-F687-4F45-9708-019B960494DF}">
+                <a14:hiddenLine xmlns:a14="http://schemas.microsoft.com/office/drawing/2010/main" w="9525">
+                  <a:solidFill>
+                    <a:srgbClr val="000000"/>
+                  </a:solidFill>
+                  <a:round/>
+                  <a:headEnd/>
+                  <a:tailEnd/>
+                </a14:hiddenLine>
+              </a:ext>
+              <a:ext uri="{AF507438-7753-43E0-B8FC-AC1667EBCBE1}">
+                <a14:hiddenEffects xmlns:a14="http://schemas.microsoft.com/office/drawing/2010/main">
+                  <a:effectLst>
+                    <a:outerShdw dist="35921" dir="2700000" algn="ctr" rotWithShape="0">
+                      <a:schemeClr val="bg2"/>
+                    </a:outerShdw>
+                  </a:effectLst>
+                </a14:hiddenEffects>
+              </a:ext>
+            </a:extLst>
+          </p:spPr>
+          <p:txBody>
+            <a:bodyPr wrap="square" lIns="288000" tIns="46800" rIns="252000" bIns="46800" anchor="ctr">
+              <a:spAutoFit/>
+            </a:bodyPr>
+            <a:lstStyle/>
+            <a:p>
+              <a:pPr fontAlgn="base" latinLnBrk="0">
+                <a:spcBef>
+                  <a:spcPct val="0"/>
+                </a:spcBef>
+                <a:spcAft>
+                  <a:spcPct val="0"/>
+                </a:spcAft>
+              </a:pPr>
+              <a:r>
+                <a:rPr kumimoji="1" lang="en-US" altLang="ko-KR" sz="1600">
+                  <a:solidFill>
+                    <a:srgbClr val="000000"/>
+                  </a:solidFill>
+                  <a:effectLst>
+                    <a:outerShdw blurRad="38100" dist="38100" dir="2700000" algn="tl">
+                      <a:srgbClr val="FFFFFF"/>
+                    </a:outerShdw>
+                  </a:effectLst>
+                  <a:latin typeface="Verdana" panose="020B0604030504040204" pitchFamily="34" charset="0"/>
+                  <a:ea typeface="Verdana" panose="020B0604030504040204" pitchFamily="34" charset="0"/>
+                  <a:cs typeface="Verdana" panose="020B0604030504040204" pitchFamily="34" charset="0"/>
+                </a:rPr>
+                <a:t> </a:t>
+              </a:r>
+              <a:endParaRPr kumimoji="1" lang="en-US" altLang="ko-KR" sz="1600" b="1">
+                <a:solidFill>
+                  <a:srgbClr val="000000"/>
+                </a:solidFill>
+                <a:effectLst>
+                  <a:outerShdw blurRad="38100" dist="38100" dir="2700000" algn="tl">
+                    <a:srgbClr val="FFFFFF"/>
+                  </a:outerShdw>
+                </a:effectLst>
+                <a:latin typeface="Verdana" panose="020B0604030504040204" pitchFamily="34" charset="0"/>
+                <a:ea typeface="Verdana" panose="020B0604030504040204" pitchFamily="34" charset="0"/>
+                <a:cs typeface="Verdana" panose="020B0604030504040204" pitchFamily="34" charset="0"/>
+              </a:endParaRPr>
+            </a:p>
+          </p:txBody>
+        </p:sp>
+        <p:grpSp>
+          <p:nvGrpSpPr>
+            <p:cNvPr id="143" name="Group 73">
+              <a:extLst>
+                <a:ext uri="{FF2B5EF4-FFF2-40B4-BE49-F238E27FC236}">
+                  <a16:creationId xmlns:a16="http://schemas.microsoft.com/office/drawing/2014/main" id="{92CC5844-5E14-0FED-186F-2FB370A46784}"/>
+                </a:ext>
+              </a:extLst>
+            </p:cNvPr>
+            <p:cNvGrpSpPr>
+              <a:grpSpLocks/>
+            </p:cNvGrpSpPr>
+            <p:nvPr/>
+          </p:nvGrpSpPr>
+          <p:grpSpPr bwMode="auto">
+            <a:xfrm>
+              <a:off x="4206" y="1771"/>
+              <a:ext cx="87" cy="78"/>
+              <a:chOff x="1236" y="1874"/>
+              <a:chExt cx="182" cy="126"/>
+            </a:xfrm>
+          </p:grpSpPr>
+          <p:pic>
+            <p:nvPicPr>
+              <p:cNvPr id="145" name="Picture 74" descr="화살표-3_1">
+                <a:extLst>
+                  <a:ext uri="{FF2B5EF4-FFF2-40B4-BE49-F238E27FC236}">
+                    <a16:creationId xmlns:a16="http://schemas.microsoft.com/office/drawing/2014/main" id="{95F45DC2-4A8D-A1AE-E794-218E0D18FB3A}"/>
+                  </a:ext>
+                </a:extLst>
+              </p:cNvPr>
+              <p:cNvPicPr>
+                <a:picLocks noChangeAspect="1" noChangeArrowheads="1"/>
+              </p:cNvPicPr>
+              <p:nvPr/>
+            </p:nvPicPr>
+            <p:blipFill>
+              <a:blip r:embed="rId3" cstate="print">
+                <a:extLst>
+                  <a:ext uri="{28A0092B-C50C-407E-A947-70E740481C1C}">
+                    <a14:useLocalDpi xmlns:a14="http://schemas.microsoft.com/office/drawing/2010/main" val="0"/>
+                  </a:ext>
+                </a:extLst>
+              </a:blip>
+              <a:srcRect/>
+              <a:stretch>
+                <a:fillRect/>
+              </a:stretch>
+            </p:blipFill>
+            <p:spPr bwMode="auto">
+              <a:xfrm>
+                <a:off x="1316" y="1874"/>
+                <a:ext cx="102" cy="126"/>
+              </a:xfrm>
+              <a:prstGeom prst="rect">
+                <a:avLst/>
+              </a:prstGeom>
+              <a:noFill/>
+              <a:extLst>
+                <a:ext uri="{909E8E84-426E-40DD-AFC4-6F175D3DCCD1}">
+                  <a14:hiddenFill xmlns:a14="http://schemas.microsoft.com/office/drawing/2010/main">
+                    <a:solidFill>
+                      <a:srgbClr val="FFFFFF"/>
+                    </a:solidFill>
+                  </a14:hiddenFill>
+                </a:ext>
+              </a:extLst>
+            </p:spPr>
+          </p:pic>
+          <p:pic>
+            <p:nvPicPr>
+              <p:cNvPr id="146" name="Picture 75" descr="화살표-3_1">
+                <a:extLst>
+                  <a:ext uri="{FF2B5EF4-FFF2-40B4-BE49-F238E27FC236}">
+                    <a16:creationId xmlns:a16="http://schemas.microsoft.com/office/drawing/2014/main" id="{B727DBD6-573B-16F2-CC19-017ECA57CCC8}"/>
+                  </a:ext>
+                </a:extLst>
+              </p:cNvPr>
+              <p:cNvPicPr>
+                <a:picLocks noChangeAspect="1" noChangeArrowheads="1"/>
+              </p:cNvPicPr>
+              <p:nvPr/>
+            </p:nvPicPr>
+            <p:blipFill>
+              <a:blip r:embed="rId3" cstate="print">
+                <a:extLst>
+                  <a:ext uri="{28A0092B-C50C-407E-A947-70E740481C1C}">
+                    <a14:useLocalDpi xmlns:a14="http://schemas.microsoft.com/office/drawing/2010/main" val="0"/>
+                  </a:ext>
+                </a:extLst>
+              </a:blip>
+              <a:srcRect/>
+              <a:stretch>
+                <a:fillRect/>
+              </a:stretch>
+            </p:blipFill>
+            <p:spPr bwMode="auto">
+              <a:xfrm>
+                <a:off x="1236" y="1874"/>
+                <a:ext cx="102" cy="126"/>
+              </a:xfrm>
+              <a:prstGeom prst="rect">
+                <a:avLst/>
+              </a:prstGeom>
+              <a:noFill/>
+              <a:extLst>
+                <a:ext uri="{909E8E84-426E-40DD-AFC4-6F175D3DCCD1}">
+                  <a14:hiddenFill xmlns:a14="http://schemas.microsoft.com/office/drawing/2010/main">
+                    <a:solidFill>
+                      <a:srgbClr val="FFFFFF"/>
+                    </a:solidFill>
+                  </a14:hiddenFill>
+                </a:ext>
+              </a:extLst>
+            </p:spPr>
+          </p:pic>
+        </p:grpSp>
+        <p:sp>
+          <p:nvSpPr>
+            <p:cNvPr id="144" name="Rectangle 76">
+              <a:extLst>
+                <a:ext uri="{FF2B5EF4-FFF2-40B4-BE49-F238E27FC236}">
+                  <a16:creationId xmlns:a16="http://schemas.microsoft.com/office/drawing/2014/main" id="{F4E990B3-1FE9-8080-FAEE-0A636F44BFE9}"/>
+                </a:ext>
+              </a:extLst>
+            </p:cNvPr>
+            <p:cNvSpPr>
+              <a:spLocks noChangeArrowheads="1"/>
+            </p:cNvSpPr>
+            <p:nvPr/>
+          </p:nvSpPr>
+          <p:spPr bwMode="auto">
+            <a:xfrm>
+              <a:off x="4376" y="1726"/>
+              <a:ext cx="981" cy="155"/>
+            </a:xfrm>
+            <a:prstGeom prst="rect">
+              <a:avLst/>
+            </a:prstGeom>
+            <a:noFill/>
+            <a:ln>
+              <a:noFill/>
+            </a:ln>
+            <a:effectLst>
+              <a:prstShdw prst="shdw17" dist="52363" dir="842175">
+                <a:srgbClr val="FF0000"/>
+              </a:prstShdw>
+            </a:effectLst>
+            <a:extLst>
+              <a:ext uri="{909E8E84-426E-40DD-AFC4-6F175D3DCCD1}">
+                <a14:hiddenFill xmlns:a14="http://schemas.microsoft.com/office/drawing/2010/main">
+                  <a:solidFill>
+                    <a:srgbClr val="EAEAEA"/>
+                  </a:solidFill>
+                </a14:hiddenFill>
+              </a:ext>
+              <a:ext uri="{91240B29-F687-4F45-9708-019B960494DF}">
+                <a14:hiddenLine xmlns:a14="http://schemas.microsoft.com/office/drawing/2010/main" w="9525" algn="ctr">
+                  <a:solidFill>
+                    <a:srgbClr val="C0C0C0"/>
+                  </a:solidFill>
+                  <a:miter lim="800000"/>
+                  <a:headEnd/>
+                  <a:tailEnd/>
+                </a14:hiddenLine>
+              </a:ext>
+            </a:extLst>
+          </p:spPr>
+          <p:txBody>
+            <a:bodyPr wrap="none" lIns="0" tIns="0" rIns="0" bIns="0">
+              <a:spAutoFit/>
+            </a:bodyPr>
+            <a:lstStyle>
+              <a:lvl1pPr marL="342900" indent="-342900" algn="l">
+                <a:spcBef>
+                  <a:spcPct val="0"/>
+                </a:spcBef>
+                <a:defRPr kumimoji="1">
+                  <a:solidFill>
+                    <a:schemeClr val="tx1"/>
+                  </a:solidFill>
+                  <a:latin typeface="굴림" charset="-127"/>
+                  <a:ea typeface="굴림" charset="-127"/>
+                </a:defRPr>
+              </a:lvl1pPr>
+              <a:lvl2pPr algn="l">
+                <a:spcBef>
+                  <a:spcPct val="0"/>
+                </a:spcBef>
+                <a:defRPr kumimoji="1">
+                  <a:solidFill>
+                    <a:schemeClr val="tx1"/>
+                  </a:solidFill>
+                  <a:latin typeface="굴림" charset="-127"/>
+                  <a:ea typeface="굴림" charset="-127"/>
+                </a:defRPr>
+              </a:lvl2pPr>
+              <a:lvl3pPr algn="l">
+                <a:spcBef>
+                  <a:spcPct val="0"/>
+                </a:spcBef>
+                <a:defRPr kumimoji="1">
+                  <a:solidFill>
+                    <a:schemeClr val="tx1"/>
+                  </a:solidFill>
+                  <a:latin typeface="굴림" charset="-127"/>
+                  <a:ea typeface="굴림" charset="-127"/>
+                </a:defRPr>
+              </a:lvl3pPr>
+              <a:lvl4pPr algn="l">
+                <a:spcBef>
+                  <a:spcPct val="0"/>
+                </a:spcBef>
+                <a:defRPr kumimoji="1">
+                  <a:solidFill>
+                    <a:schemeClr val="tx1"/>
+                  </a:solidFill>
+                  <a:latin typeface="굴림" charset="-127"/>
+                  <a:ea typeface="굴림" charset="-127"/>
+                </a:defRPr>
+              </a:lvl4pPr>
+              <a:lvl5pPr algn="l">
+                <a:spcBef>
+                  <a:spcPct val="0"/>
+                </a:spcBef>
+                <a:defRPr kumimoji="1">
+                  <a:solidFill>
+                    <a:schemeClr val="tx1"/>
+                  </a:solidFill>
+                  <a:latin typeface="굴림" charset="-127"/>
+                  <a:ea typeface="굴림" charset="-127"/>
+                </a:defRPr>
+              </a:lvl5pPr>
+              <a:lvl6pPr fontAlgn="base" latinLnBrk="1">
+                <a:spcBef>
+                  <a:spcPct val="0"/>
+                </a:spcBef>
+                <a:spcAft>
+                  <a:spcPct val="0"/>
+                </a:spcAft>
+                <a:defRPr kumimoji="1">
+                  <a:solidFill>
+                    <a:schemeClr val="tx1"/>
+                  </a:solidFill>
+                  <a:latin typeface="굴림" charset="-127"/>
+                  <a:ea typeface="굴림" charset="-127"/>
+                </a:defRPr>
+              </a:lvl6pPr>
+              <a:lvl7pPr fontAlgn="base" latinLnBrk="1">
+                <a:spcBef>
+                  <a:spcPct val="0"/>
+                </a:spcBef>
+                <a:spcAft>
+                  <a:spcPct val="0"/>
+                </a:spcAft>
+                <a:defRPr kumimoji="1">
+                  <a:solidFill>
+                    <a:schemeClr val="tx1"/>
+                  </a:solidFill>
+                  <a:latin typeface="굴림" charset="-127"/>
+                  <a:ea typeface="굴림" charset="-127"/>
+                </a:defRPr>
+              </a:lvl7pPr>
+              <a:lvl8pPr fontAlgn="base" latinLnBrk="1">
+                <a:spcBef>
+                  <a:spcPct val="0"/>
+                </a:spcBef>
+                <a:spcAft>
+                  <a:spcPct val="0"/>
+                </a:spcAft>
+                <a:defRPr kumimoji="1">
+                  <a:solidFill>
+                    <a:schemeClr val="tx1"/>
+                  </a:solidFill>
+                  <a:latin typeface="굴림" charset="-127"/>
+                  <a:ea typeface="굴림" charset="-127"/>
+                </a:defRPr>
+              </a:lvl8pPr>
+              <a:lvl9pPr fontAlgn="base" latinLnBrk="1">
+                <a:spcBef>
+                  <a:spcPct val="0"/>
+                </a:spcBef>
+                <a:spcAft>
+                  <a:spcPct val="0"/>
+                </a:spcAft>
+                <a:defRPr kumimoji="1">
+                  <a:solidFill>
+                    <a:schemeClr val="tx1"/>
+                  </a:solidFill>
+                  <a:latin typeface="굴림" charset="-127"/>
+                  <a:ea typeface="굴림" charset="-127"/>
+                </a:defRPr>
+              </a:lvl9pPr>
+            </a:lstStyle>
+            <a:p>
+              <a:pPr fontAlgn="base">
+                <a:spcBef>
+                  <a:spcPct val="50000"/>
+                </a:spcBef>
+                <a:spcAft>
+                  <a:spcPct val="0"/>
+                </a:spcAft>
+                <a:buFont typeface="Wingdings" pitchFamily="2" charset="2"/>
+                <a:buNone/>
+              </a:pPr>
+              <a:r>
+                <a:rPr lang="en-US" altLang="ko-KR" sz="1600" dirty="0">
+                  <a:solidFill>
+                    <a:srgbClr val="000000"/>
+                  </a:solidFill>
+                  <a:effectLst>
+                    <a:outerShdw blurRad="38100" dist="38100" dir="2700000" algn="tl">
+                      <a:srgbClr val="C0C0C0"/>
+                    </a:outerShdw>
+                  </a:effectLst>
+                  <a:latin typeface="Verdana" panose="020B0604030504040204" pitchFamily="34" charset="0"/>
+                  <a:ea typeface="Verdana" panose="020B0604030504040204" pitchFamily="34" charset="0"/>
+                  <a:cs typeface="Verdana" panose="020B0604030504040204" pitchFamily="34" charset="0"/>
+                </a:rPr>
+                <a:t>Serverless UI Service</a:t>
+              </a:r>
+              <a:endParaRPr lang="ko-KR" altLang="en-US" sz="1600" dirty="0">
+                <a:solidFill>
+                  <a:srgbClr val="000000"/>
+                </a:solidFill>
+                <a:effectLst>
+                  <a:outerShdw blurRad="38100" dist="38100" dir="2700000" algn="tl">
+                    <a:srgbClr val="C0C0C0"/>
+                  </a:outerShdw>
+                </a:effectLst>
+                <a:latin typeface="Verdana" panose="020B0604030504040204" pitchFamily="34" charset="0"/>
+                <a:ea typeface="HY견고딕" pitchFamily="18" charset="-127"/>
+                <a:cs typeface="Verdana" panose="020B0604030504040204" pitchFamily="34" charset="0"/>
+              </a:endParaRPr>
+            </a:p>
+          </p:txBody>
+        </p:sp>
+      </p:grpSp>
+      <p:sp>
+        <p:nvSpPr>
+          <p:cNvPr id="2" name="직사각형 363">
+            <a:extLst>
+              <a:ext uri="{FF2B5EF4-FFF2-40B4-BE49-F238E27FC236}">
+                <a16:creationId xmlns:a16="http://schemas.microsoft.com/office/drawing/2014/main" id="{83B48DC8-E7FD-1B40-CB89-15D5762B1B60}"/>
+              </a:ext>
+            </a:extLst>
+          </p:cNvPr>
+          <p:cNvSpPr/>
+          <p:nvPr/>
+        </p:nvSpPr>
+        <p:spPr>
+          <a:xfrm rot="16200000">
+            <a:off x="4881420" y="1508963"/>
+            <a:ext cx="341314" cy="1760433"/>
+          </a:xfrm>
+          <a:prstGeom prst="rect">
+            <a:avLst/>
+          </a:prstGeom>
+          <a:noFill/>
+          <a:ln w="3175" cap="flat" cmpd="sng" algn="ctr">
+            <a:solidFill>
+              <a:schemeClr val="tx1">
+                <a:lumMod val="50000"/>
+                <a:lumOff val="50000"/>
+              </a:schemeClr>
+            </a:solidFill>
+            <a:prstDash val="dash"/>
+            <a:miter lim="800000"/>
+          </a:ln>
+          <a:effectLst/>
+        </p:spPr>
+        <p:txBody>
+          <a:bodyPr vert="vert" lIns="0" tIns="0" rIns="0" bIns="0" rtlCol="0" anchor="ctr"/>
+          <a:lstStyle/>
+          <a:p>
+            <a:pPr algn="ctr">
+              <a:lnSpc>
+                <a:spcPct val="80000"/>
+              </a:lnSpc>
+            </a:pPr>
+            <a:r>
+              <a:rPr lang="en-US" altLang="ko-KR" sz="1200" kern="0" dirty="0">
+                <a:latin typeface="Calibri" panose="020F0502020204030204" pitchFamily="34" charset="0"/>
+                <a:ea typeface="맑은 고딕"/>
+              </a:rPr>
+              <a:t>Domain</a:t>
+            </a:r>
+            <a:endParaRPr lang="ko-KR" altLang="en-US" sz="1200" kern="0" dirty="0">
+              <a:latin typeface="Calibri" panose="020F0502020204030204" pitchFamily="34" charset="0"/>
+              <a:ea typeface="맑은 고딕"/>
+            </a:endParaRPr>
+          </a:p>
+        </p:txBody>
+      </p:sp>
+      <p:sp>
+        <p:nvSpPr>
+          <p:cNvPr id="3" name="직사각형 363">
+            <a:extLst>
+              <a:ext uri="{FF2B5EF4-FFF2-40B4-BE49-F238E27FC236}">
+                <a16:creationId xmlns:a16="http://schemas.microsoft.com/office/drawing/2014/main" id="{35B8564C-DBD7-7A8F-5F0D-0B474A211CB4}"/>
+              </a:ext>
+            </a:extLst>
+          </p:cNvPr>
+          <p:cNvSpPr/>
+          <p:nvPr/>
+        </p:nvSpPr>
+        <p:spPr>
+          <a:xfrm rot="16200000">
+            <a:off x="2989712" y="2370209"/>
+            <a:ext cx="4109978" cy="2464229"/>
+          </a:xfrm>
+          <a:prstGeom prst="rect">
+            <a:avLst/>
+          </a:prstGeom>
+          <a:noFill/>
+          <a:ln w="25400" cap="flat" cmpd="sng" algn="ctr">
+            <a:solidFill>
+              <a:schemeClr val="accent6"/>
+            </a:solidFill>
+            <a:prstDash val="solid"/>
+            <a:miter lim="800000"/>
+          </a:ln>
+          <a:effectLst/>
+        </p:spPr>
+        <p:txBody>
+          <a:bodyPr vert="vert" lIns="0" tIns="0" rIns="0" bIns="0" rtlCol="0" anchor="t" anchorCtr="0"/>
+          <a:lstStyle/>
+          <a:p>
+            <a:pPr algn="ctr">
+              <a:lnSpc>
+                <a:spcPct val="80000"/>
+              </a:lnSpc>
+            </a:pPr>
+            <a:endParaRPr lang="en-US" altLang="ko-KR" sz="1200" kern="0" dirty="0">
+              <a:solidFill>
+                <a:schemeClr val="bg1">
+                  <a:lumMod val="65000"/>
+                </a:schemeClr>
+              </a:solidFill>
+              <a:latin typeface="Calibri" panose="020F0502020204030204" pitchFamily="34" charset="0"/>
+              <a:ea typeface="맑은 고딕"/>
+            </a:endParaRPr>
+          </a:p>
+          <a:p>
+            <a:pPr algn="ctr">
+              <a:lnSpc>
+                <a:spcPct val="80000"/>
+              </a:lnSpc>
+            </a:pPr>
+            <a:r>
+              <a:rPr lang="en-US" altLang="ko-KR" sz="1200" kern="0" dirty="0">
+                <a:latin typeface="Calibri" panose="020F0502020204030204" pitchFamily="34" charset="0"/>
+                <a:ea typeface="맑은 고딕"/>
+              </a:rPr>
+              <a:t>UI Service</a:t>
+            </a:r>
+            <a:endParaRPr lang="ko-KR" altLang="en-US" sz="1200" kern="0" dirty="0">
+              <a:latin typeface="Calibri" panose="020F0502020204030204" pitchFamily="34" charset="0"/>
+              <a:ea typeface="맑은 고딕"/>
+            </a:endParaRPr>
+          </a:p>
+        </p:txBody>
+      </p:sp>
+      <p:sp>
+        <p:nvSpPr>
+          <p:cNvPr id="4" name="직사각형 363">
+            <a:extLst>
+              <a:ext uri="{FF2B5EF4-FFF2-40B4-BE49-F238E27FC236}">
+                <a16:creationId xmlns:a16="http://schemas.microsoft.com/office/drawing/2014/main" id="{A29F8B6D-AE58-D3FB-32A2-0AC2306262E8}"/>
+              </a:ext>
+            </a:extLst>
+          </p:cNvPr>
+          <p:cNvSpPr/>
+          <p:nvPr/>
+        </p:nvSpPr>
+        <p:spPr>
+          <a:xfrm rot="16200000">
+            <a:off x="4881420" y="2151896"/>
+            <a:ext cx="341314" cy="1760433"/>
+          </a:xfrm>
+          <a:prstGeom prst="rect">
+            <a:avLst/>
+          </a:prstGeom>
+          <a:noFill/>
+          <a:ln w="3175" cap="flat" cmpd="sng" algn="ctr">
+            <a:solidFill>
+              <a:schemeClr val="tx1">
+                <a:lumMod val="50000"/>
+                <a:lumOff val="50000"/>
+              </a:schemeClr>
+            </a:solidFill>
+            <a:prstDash val="dash"/>
+            <a:miter lim="800000"/>
+          </a:ln>
+          <a:effectLst/>
+        </p:spPr>
+        <p:txBody>
+          <a:bodyPr vert="vert" lIns="0" tIns="0" rIns="0" bIns="0" rtlCol="0" anchor="ctr"/>
+          <a:lstStyle/>
+          <a:p>
+            <a:pPr algn="ctr">
+              <a:lnSpc>
+                <a:spcPct val="80000"/>
+              </a:lnSpc>
+            </a:pPr>
+            <a:r>
+              <a:rPr lang="en-US" altLang="ko-KR" sz="1200" kern="0" dirty="0">
+                <a:latin typeface="Calibri" panose="020F0502020204030204" pitchFamily="34" charset="0"/>
+                <a:ea typeface="맑은 고딕"/>
+              </a:rPr>
+              <a:t>Read image URL</a:t>
+            </a:r>
+            <a:endParaRPr lang="ko-KR" altLang="en-US" sz="1200" kern="0" dirty="0">
+              <a:latin typeface="Calibri" panose="020F0502020204030204" pitchFamily="34" charset="0"/>
+              <a:ea typeface="맑은 고딕"/>
+            </a:endParaRPr>
+          </a:p>
+        </p:txBody>
+      </p:sp>
+      <p:sp>
+        <p:nvSpPr>
+          <p:cNvPr id="5" name="직사각형 363">
+            <a:extLst>
+              <a:ext uri="{FF2B5EF4-FFF2-40B4-BE49-F238E27FC236}">
+                <a16:creationId xmlns:a16="http://schemas.microsoft.com/office/drawing/2014/main" id="{79D0BA44-C93A-FCA8-9C7D-D949BB1F4CA9}"/>
+              </a:ext>
+            </a:extLst>
+          </p:cNvPr>
+          <p:cNvSpPr/>
+          <p:nvPr/>
+        </p:nvSpPr>
+        <p:spPr>
+          <a:xfrm rot="16200000">
+            <a:off x="4881421" y="2797616"/>
+            <a:ext cx="341314" cy="1760433"/>
+          </a:xfrm>
+          <a:prstGeom prst="rect">
+            <a:avLst/>
+          </a:prstGeom>
+          <a:noFill/>
+          <a:ln w="3175" cap="flat" cmpd="sng" algn="ctr">
+            <a:solidFill>
+              <a:schemeClr val="tx1">
+                <a:lumMod val="50000"/>
+                <a:lumOff val="50000"/>
+              </a:schemeClr>
+            </a:solidFill>
+            <a:prstDash val="dash"/>
+            <a:miter lim="800000"/>
+          </a:ln>
+          <a:effectLst/>
+        </p:spPr>
+        <p:txBody>
+          <a:bodyPr vert="vert" lIns="0" tIns="0" rIns="0" bIns="0" rtlCol="0" anchor="ctr"/>
+          <a:lstStyle/>
+          <a:p>
+            <a:pPr algn="ctr">
+              <a:lnSpc>
+                <a:spcPct val="80000"/>
+              </a:lnSpc>
+            </a:pPr>
+            <a:r>
+              <a:rPr lang="en-US" altLang="ko-KR" sz="1200" kern="0" dirty="0">
+                <a:latin typeface="Calibri" panose="020F0502020204030204" pitchFamily="34" charset="0"/>
+                <a:ea typeface="맑은 고딕"/>
+              </a:rPr>
+              <a:t>Call Rekognition</a:t>
+            </a:r>
+            <a:endParaRPr lang="ko-KR" altLang="en-US" sz="1200" kern="0" dirty="0">
+              <a:latin typeface="Calibri" panose="020F0502020204030204" pitchFamily="34" charset="0"/>
+              <a:ea typeface="맑은 고딕"/>
+            </a:endParaRPr>
+          </a:p>
+        </p:txBody>
+      </p:sp>
+      <p:sp>
+        <p:nvSpPr>
+          <p:cNvPr id="6" name="직사각형 363">
+            <a:extLst>
+              <a:ext uri="{FF2B5EF4-FFF2-40B4-BE49-F238E27FC236}">
+                <a16:creationId xmlns:a16="http://schemas.microsoft.com/office/drawing/2014/main" id="{78B719C6-D015-DE7E-F39B-41417932C52A}"/>
+              </a:ext>
+            </a:extLst>
+          </p:cNvPr>
+          <p:cNvSpPr/>
+          <p:nvPr/>
+        </p:nvSpPr>
+        <p:spPr>
+          <a:xfrm rot="16200000">
+            <a:off x="4881421" y="3453092"/>
+            <a:ext cx="341314" cy="1760433"/>
+          </a:xfrm>
+          <a:prstGeom prst="rect">
+            <a:avLst/>
+          </a:prstGeom>
+          <a:noFill/>
+          <a:ln w="3175" cap="flat" cmpd="sng" algn="ctr">
+            <a:solidFill>
+              <a:schemeClr val="tx1">
+                <a:lumMod val="50000"/>
+                <a:lumOff val="50000"/>
+              </a:schemeClr>
+            </a:solidFill>
+            <a:prstDash val="dash"/>
+            <a:miter lim="800000"/>
+          </a:ln>
+          <a:effectLst/>
+        </p:spPr>
+        <p:txBody>
+          <a:bodyPr vert="vert" lIns="0" tIns="0" rIns="0" bIns="0" rtlCol="0" anchor="ctr"/>
+          <a:lstStyle/>
+          <a:p>
+            <a:pPr algn="ctr">
+              <a:lnSpc>
+                <a:spcPct val="80000"/>
+              </a:lnSpc>
+            </a:pPr>
+            <a:r>
+              <a:rPr lang="en-US" altLang="ko-KR" sz="1200" kern="0" dirty="0">
+                <a:latin typeface="Calibri" panose="020F0502020204030204" pitchFamily="34" charset="0"/>
+                <a:ea typeface="맑은 고딕"/>
+              </a:rPr>
+              <a:t>Store Analysis Result</a:t>
+            </a:r>
+            <a:endParaRPr lang="ko-KR" altLang="en-US" sz="1200" kern="0" dirty="0">
+              <a:latin typeface="Calibri" panose="020F0502020204030204" pitchFamily="34" charset="0"/>
+              <a:ea typeface="맑은 고딕"/>
+            </a:endParaRPr>
+          </a:p>
+        </p:txBody>
+      </p:sp>
+      <p:sp>
+        <p:nvSpPr>
+          <p:cNvPr id="7" name="직사각형 363">
+            <a:extLst>
+              <a:ext uri="{FF2B5EF4-FFF2-40B4-BE49-F238E27FC236}">
+                <a16:creationId xmlns:a16="http://schemas.microsoft.com/office/drawing/2014/main" id="{1C17A0C4-633C-AB41-DCFE-6652C9137A67}"/>
+              </a:ext>
+            </a:extLst>
+          </p:cNvPr>
+          <p:cNvSpPr/>
+          <p:nvPr/>
+        </p:nvSpPr>
+        <p:spPr>
+          <a:xfrm rot="16200000">
+            <a:off x="4881421" y="4098810"/>
+            <a:ext cx="341314" cy="1760433"/>
+          </a:xfrm>
+          <a:prstGeom prst="rect">
+            <a:avLst/>
+          </a:prstGeom>
+          <a:noFill/>
+          <a:ln w="3175" cap="flat" cmpd="sng" algn="ctr">
+            <a:solidFill>
+              <a:schemeClr val="tx1">
+                <a:lumMod val="50000"/>
+                <a:lumOff val="50000"/>
+              </a:schemeClr>
+            </a:solidFill>
+            <a:prstDash val="dash"/>
+            <a:miter lim="800000"/>
+          </a:ln>
+          <a:effectLst/>
+        </p:spPr>
+        <p:txBody>
+          <a:bodyPr vert="vert" lIns="0" tIns="0" rIns="0" bIns="0" rtlCol="0" anchor="ctr"/>
+          <a:lstStyle/>
+          <a:p>
+            <a:pPr algn="ctr">
+              <a:lnSpc>
+                <a:spcPct val="80000"/>
+              </a:lnSpc>
+            </a:pPr>
+            <a:r>
+              <a:rPr lang="en-US" altLang="ko-KR" sz="1200" kern="0" dirty="0">
+                <a:latin typeface="Calibri" panose="020F0502020204030204" pitchFamily="34" charset="0"/>
+                <a:ea typeface="맑은 고딕"/>
+              </a:rPr>
+              <a:t>Create work cloud</a:t>
+            </a:r>
+            <a:endParaRPr lang="ko-KR" altLang="en-US" sz="1200" kern="0" dirty="0">
+              <a:latin typeface="Calibri" panose="020F0502020204030204" pitchFamily="34" charset="0"/>
+              <a:ea typeface="맑은 고딕"/>
+            </a:endParaRPr>
+          </a:p>
+        </p:txBody>
+      </p:sp>
+      <p:cxnSp>
+        <p:nvCxnSpPr>
+          <p:cNvPr id="11" name="Straight Arrow Connector 10">
+            <a:extLst>
+              <a:ext uri="{FF2B5EF4-FFF2-40B4-BE49-F238E27FC236}">
+                <a16:creationId xmlns:a16="http://schemas.microsoft.com/office/drawing/2014/main" id="{B6FD98FD-C05A-37EC-95DF-BCE0893E1F49}"/>
+              </a:ext>
+            </a:extLst>
+          </p:cNvPr>
+          <p:cNvCxnSpPr>
+            <a:cxnSpLocks/>
+            <a:stCxn id="2" idx="1"/>
+            <a:endCxn id="4" idx="3"/>
+          </p:cNvCxnSpPr>
+          <p:nvPr/>
+        </p:nvCxnSpPr>
+        <p:spPr>
+          <a:xfrm>
+            <a:off x="5052078" y="2559837"/>
+            <a:ext cx="0" cy="301619"/>
+          </a:xfrm>
+          <a:prstGeom prst="straightConnector1">
+            <a:avLst/>
+          </a:prstGeom>
+          <a:ln>
+            <a:solidFill>
+              <a:schemeClr val="tx1">
+                <a:lumMod val="50000"/>
+                <a:lumOff val="50000"/>
+              </a:schemeClr>
+            </a:solidFill>
+            <a:prstDash val="dash"/>
+            <a:headEnd type="none" w="sm" len="sm"/>
+            <a:tailEnd type="triangle" w="sm" len="sm"/>
+          </a:ln>
+        </p:spPr>
+        <p:style>
+          <a:lnRef idx="1">
+            <a:schemeClr val="accent1"/>
+          </a:lnRef>
+          <a:fillRef idx="0">
+            <a:schemeClr val="accent1"/>
+          </a:fillRef>
+          <a:effectRef idx="0">
+            <a:schemeClr val="accent1"/>
+          </a:effectRef>
+          <a:fontRef idx="minor">
+            <a:schemeClr val="tx1"/>
+          </a:fontRef>
+        </p:style>
+      </p:cxnSp>
+      <p:cxnSp>
+        <p:nvCxnSpPr>
+          <p:cNvPr id="14" name="Straight Arrow Connector 13">
+            <a:extLst>
+              <a:ext uri="{FF2B5EF4-FFF2-40B4-BE49-F238E27FC236}">
+                <a16:creationId xmlns:a16="http://schemas.microsoft.com/office/drawing/2014/main" id="{79A20B16-B134-587F-1291-3DDB6B543513}"/>
+              </a:ext>
+            </a:extLst>
+          </p:cNvPr>
+          <p:cNvCxnSpPr>
+            <a:cxnSpLocks/>
+            <a:stCxn id="4" idx="1"/>
+            <a:endCxn id="5" idx="3"/>
+          </p:cNvCxnSpPr>
+          <p:nvPr/>
+        </p:nvCxnSpPr>
+        <p:spPr>
+          <a:xfrm>
+            <a:off x="5052078" y="3202770"/>
+            <a:ext cx="1" cy="304406"/>
+          </a:xfrm>
+          <a:prstGeom prst="straightConnector1">
+            <a:avLst/>
+          </a:prstGeom>
+          <a:ln>
+            <a:solidFill>
+              <a:schemeClr val="tx1">
+                <a:lumMod val="50000"/>
+                <a:lumOff val="50000"/>
+              </a:schemeClr>
+            </a:solidFill>
+            <a:prstDash val="dash"/>
+            <a:headEnd type="none" w="sm" len="sm"/>
+            <a:tailEnd type="triangle" w="sm" len="sm"/>
+          </a:ln>
+        </p:spPr>
+        <p:style>
+          <a:lnRef idx="1">
+            <a:schemeClr val="accent1"/>
+          </a:lnRef>
+          <a:fillRef idx="0">
+            <a:schemeClr val="accent1"/>
+          </a:fillRef>
+          <a:effectRef idx="0">
+            <a:schemeClr val="accent1"/>
+          </a:effectRef>
+          <a:fontRef idx="minor">
+            <a:schemeClr val="tx1"/>
+          </a:fontRef>
+        </p:style>
+      </p:cxnSp>
+      <p:cxnSp>
+        <p:nvCxnSpPr>
+          <p:cNvPr id="17" name="Straight Arrow Connector 16">
+            <a:extLst>
+              <a:ext uri="{FF2B5EF4-FFF2-40B4-BE49-F238E27FC236}">
+                <a16:creationId xmlns:a16="http://schemas.microsoft.com/office/drawing/2014/main" id="{8DCC6E1D-C4F0-9B12-1536-7AF0EB687A48}"/>
+              </a:ext>
+            </a:extLst>
+          </p:cNvPr>
+          <p:cNvCxnSpPr>
+            <a:cxnSpLocks/>
+            <a:stCxn id="5" idx="1"/>
+            <a:endCxn id="6" idx="3"/>
+          </p:cNvCxnSpPr>
+          <p:nvPr/>
+        </p:nvCxnSpPr>
+        <p:spPr>
+          <a:xfrm>
+            <a:off x="5052079" y="3848490"/>
+            <a:ext cx="0" cy="314162"/>
+          </a:xfrm>
+          <a:prstGeom prst="straightConnector1">
+            <a:avLst/>
+          </a:prstGeom>
+          <a:ln>
+            <a:solidFill>
+              <a:schemeClr val="tx1">
+                <a:lumMod val="50000"/>
+                <a:lumOff val="50000"/>
+              </a:schemeClr>
+            </a:solidFill>
+            <a:prstDash val="dash"/>
+            <a:headEnd type="none" w="sm" len="sm"/>
+            <a:tailEnd type="triangle" w="sm" len="sm"/>
+          </a:ln>
+        </p:spPr>
+        <p:style>
+          <a:lnRef idx="1">
+            <a:schemeClr val="accent1"/>
+          </a:lnRef>
+          <a:fillRef idx="0">
+            <a:schemeClr val="accent1"/>
+          </a:fillRef>
+          <a:effectRef idx="0">
+            <a:schemeClr val="accent1"/>
+          </a:effectRef>
+          <a:fontRef idx="minor">
+            <a:schemeClr val="tx1"/>
+          </a:fontRef>
+        </p:style>
+      </p:cxnSp>
+      <p:sp>
+        <p:nvSpPr>
+          <p:cNvPr id="20" name="직사각형 363">
+            <a:extLst>
+              <a:ext uri="{FF2B5EF4-FFF2-40B4-BE49-F238E27FC236}">
+                <a16:creationId xmlns:a16="http://schemas.microsoft.com/office/drawing/2014/main" id="{37A555C6-8DB2-337B-B1EA-3DC2D5557B00}"/>
+              </a:ext>
+            </a:extLst>
+          </p:cNvPr>
+          <p:cNvSpPr/>
+          <p:nvPr/>
+        </p:nvSpPr>
+        <p:spPr>
+          <a:xfrm rot="16200000">
+            <a:off x="1116719" y="2129629"/>
+            <a:ext cx="2319494" cy="1154907"/>
+          </a:xfrm>
+          <a:prstGeom prst="rect">
+            <a:avLst/>
+          </a:prstGeom>
+          <a:noFill/>
+          <a:ln w="3175" cap="flat" cmpd="sng" algn="ctr">
+            <a:solidFill>
+              <a:schemeClr val="bg1">
+                <a:lumMod val="85000"/>
+              </a:schemeClr>
+            </a:solidFill>
+            <a:prstDash val="dash"/>
+            <a:miter lim="800000"/>
+          </a:ln>
+          <a:effectLst/>
+        </p:spPr>
+        <p:txBody>
+          <a:bodyPr vert="vert" lIns="0" tIns="0" rIns="0" bIns="0" rtlCol="0" anchor="t" anchorCtr="0"/>
+          <a:lstStyle/>
+          <a:p>
+            <a:pPr algn="ctr">
+              <a:lnSpc>
+                <a:spcPct val="80000"/>
+              </a:lnSpc>
+            </a:pPr>
+            <a:endParaRPr lang="en-US" altLang="ko-KR" sz="1000" kern="0" dirty="0">
+              <a:solidFill>
+                <a:schemeClr val="bg1">
+                  <a:lumMod val="65000"/>
+                </a:schemeClr>
+              </a:solidFill>
+              <a:latin typeface="Calibri" panose="020F0502020204030204" pitchFamily="34" charset="0"/>
+              <a:ea typeface="맑은 고딕"/>
+            </a:endParaRPr>
+          </a:p>
+          <a:p>
+            <a:pPr algn="ctr">
+              <a:lnSpc>
+                <a:spcPct val="80000"/>
+              </a:lnSpc>
+            </a:pPr>
+            <a:r>
+              <a:rPr lang="en-US" altLang="ko-KR" sz="1000" kern="0" dirty="0">
+                <a:solidFill>
+                  <a:schemeClr val="bg1">
+                    <a:lumMod val="65000"/>
+                  </a:schemeClr>
+                </a:solidFill>
+                <a:latin typeface="Calibri" panose="020F0502020204030204" pitchFamily="34" charset="0"/>
+                <a:ea typeface="맑은 고딕"/>
+              </a:rPr>
+              <a:t>Communication </a:t>
+            </a:r>
+          </a:p>
+          <a:p>
+            <a:pPr algn="ctr">
+              <a:lnSpc>
+                <a:spcPct val="80000"/>
+              </a:lnSpc>
+            </a:pPr>
+            <a:r>
+              <a:rPr lang="en-US" altLang="ko-KR" sz="1000" kern="0" dirty="0">
+                <a:solidFill>
+                  <a:schemeClr val="bg1">
+                    <a:lumMod val="65000"/>
+                  </a:schemeClr>
+                </a:solidFill>
+                <a:latin typeface="Calibri" panose="020F0502020204030204" pitchFamily="34" charset="0"/>
+                <a:ea typeface="맑은 고딕"/>
+              </a:rPr>
+              <a:t>Service</a:t>
+            </a:r>
+            <a:endParaRPr lang="ko-KR" altLang="en-US" sz="1000" kern="0" dirty="0">
+              <a:solidFill>
+                <a:schemeClr val="bg1">
+                  <a:lumMod val="65000"/>
+                </a:schemeClr>
+              </a:solidFill>
+              <a:latin typeface="Calibri" panose="020F0502020204030204" pitchFamily="34" charset="0"/>
+              <a:ea typeface="맑은 고딕"/>
+            </a:endParaRPr>
+          </a:p>
+        </p:txBody>
+      </p:sp>
+      <p:pic>
+        <p:nvPicPr>
+          <p:cNvPr id="21" name="Picture 20">
+            <a:extLst>
+              <a:ext uri="{FF2B5EF4-FFF2-40B4-BE49-F238E27FC236}">
+                <a16:creationId xmlns:a16="http://schemas.microsoft.com/office/drawing/2014/main" id="{B27BB598-A141-A24C-51CF-263468AC4997}"/>
+              </a:ext>
+            </a:extLst>
+          </p:cNvPr>
+          <p:cNvPicPr>
+            <a:picLocks noChangeAspect="1"/>
+          </p:cNvPicPr>
+          <p:nvPr/>
+        </p:nvPicPr>
+        <p:blipFill>
+          <a:blip r:embed="rId4">
+            <a:duotone>
+              <a:schemeClr val="accent4">
+                <a:shade val="45000"/>
+                <a:satMod val="135000"/>
+              </a:schemeClr>
+              <a:prstClr val="white"/>
+            </a:duotone>
+          </a:blip>
+          <a:stretch>
+            <a:fillRect/>
+          </a:stretch>
+        </p:blipFill>
+        <p:spPr>
+          <a:xfrm>
+            <a:off x="2228103" y="2953239"/>
+            <a:ext cx="502860" cy="210464"/>
+          </a:xfrm>
+          <a:prstGeom prst="rect">
+            <a:avLst/>
+          </a:prstGeom>
+        </p:spPr>
+      </p:pic>
+      <p:pic>
+        <p:nvPicPr>
+          <p:cNvPr id="22" name="Picture 6" descr="Amazon SQS | Slack App Directory">
+            <a:extLst>
+              <a:ext uri="{FF2B5EF4-FFF2-40B4-BE49-F238E27FC236}">
+                <a16:creationId xmlns:a16="http://schemas.microsoft.com/office/drawing/2014/main" id="{8DA784DE-1172-2761-4F0A-EB92638279A2}"/>
+              </a:ext>
+            </a:extLst>
+          </p:cNvPr>
+          <p:cNvPicPr>
+            <a:picLocks noChangeAspect="1" noChangeArrowheads="1"/>
+          </p:cNvPicPr>
+          <p:nvPr/>
+        </p:nvPicPr>
+        <p:blipFill>
+          <a:blip r:embed="rId5">
+            <a:duotone>
+              <a:schemeClr val="accent4">
+                <a:shade val="45000"/>
+                <a:satMod val="135000"/>
+              </a:schemeClr>
+              <a:prstClr val="white"/>
+            </a:duotone>
+            <a:extLst>
+              <a:ext uri="{28A0092B-C50C-407E-A947-70E740481C1C}">
+                <a14:useLocalDpi xmlns:a14="http://schemas.microsoft.com/office/drawing/2010/main" val="0"/>
+              </a:ext>
+            </a:extLst>
+          </a:blip>
+          <a:srcRect/>
+          <a:stretch>
+            <a:fillRect/>
+          </a:stretch>
+        </p:blipFill>
+        <p:spPr bwMode="auto">
+          <a:xfrm>
+            <a:off x="1924374" y="2009231"/>
+            <a:ext cx="594334" cy="594334"/>
+          </a:xfrm>
+          <a:prstGeom prst="rect">
+            <a:avLst/>
+          </a:prstGeom>
+          <a:noFill/>
+          <a:extLst>
+            <a:ext uri="{909E8E84-426E-40DD-AFC4-6F175D3DCCD1}">
+              <a14:hiddenFill xmlns:a14="http://schemas.microsoft.com/office/drawing/2010/main">
+                <a:solidFill>
+                  <a:srgbClr val="FFFFFF"/>
+                </a:solidFill>
+              </a14:hiddenFill>
+            </a:ext>
+          </a:extLst>
+        </p:spPr>
+      </p:pic>
+      <p:pic>
+        <p:nvPicPr>
+          <p:cNvPr id="23" name="Picture 22">
+            <a:extLst>
+              <a:ext uri="{FF2B5EF4-FFF2-40B4-BE49-F238E27FC236}">
+                <a16:creationId xmlns:a16="http://schemas.microsoft.com/office/drawing/2014/main" id="{E2DF83EB-91EF-F975-A513-A1EFC2B2D0B5}"/>
+              </a:ext>
+            </a:extLst>
+          </p:cNvPr>
+          <p:cNvPicPr>
+            <a:picLocks noChangeAspect="1"/>
+          </p:cNvPicPr>
+          <p:nvPr/>
+        </p:nvPicPr>
+        <p:blipFill>
+          <a:blip r:embed="rId4">
+            <a:duotone>
+              <a:schemeClr val="accent4">
+                <a:shade val="45000"/>
+                <a:satMod val="135000"/>
+              </a:schemeClr>
+              <a:prstClr val="white"/>
+            </a:duotone>
+          </a:blip>
+          <a:stretch>
+            <a:fillRect/>
+          </a:stretch>
+        </p:blipFill>
+        <p:spPr>
+          <a:xfrm>
+            <a:off x="2228103" y="3232854"/>
+            <a:ext cx="502860" cy="210464"/>
+          </a:xfrm>
+          <a:prstGeom prst="rect">
+            <a:avLst/>
+          </a:prstGeom>
+        </p:spPr>
+      </p:pic>
+      <p:pic>
+        <p:nvPicPr>
+          <p:cNvPr id="24" name="Picture 23">
+            <a:extLst>
+              <a:ext uri="{FF2B5EF4-FFF2-40B4-BE49-F238E27FC236}">
+                <a16:creationId xmlns:a16="http://schemas.microsoft.com/office/drawing/2014/main" id="{8DCAF015-3D3C-2B06-5F97-50E5266DE00C}"/>
+              </a:ext>
+            </a:extLst>
+          </p:cNvPr>
+          <p:cNvPicPr>
+            <a:picLocks noChangeAspect="1"/>
+          </p:cNvPicPr>
+          <p:nvPr/>
+        </p:nvPicPr>
+        <p:blipFill>
+          <a:blip r:embed="rId4">
+            <a:duotone>
+              <a:schemeClr val="accent4">
+                <a:shade val="45000"/>
+                <a:satMod val="135000"/>
+              </a:schemeClr>
+              <a:prstClr val="white"/>
+            </a:duotone>
+          </a:blip>
+          <a:stretch>
+            <a:fillRect/>
+          </a:stretch>
+        </p:blipFill>
+        <p:spPr>
+          <a:xfrm>
+            <a:off x="2228103" y="3514958"/>
+            <a:ext cx="502860" cy="210464"/>
+          </a:xfrm>
+          <a:prstGeom prst="rect">
+            <a:avLst/>
+          </a:prstGeom>
+        </p:spPr>
+      </p:pic>
+      <p:cxnSp>
+        <p:nvCxnSpPr>
+          <p:cNvPr id="25" name="Elbow Connector 24">
+            <a:extLst>
+              <a:ext uri="{FF2B5EF4-FFF2-40B4-BE49-F238E27FC236}">
+                <a16:creationId xmlns:a16="http://schemas.microsoft.com/office/drawing/2014/main" id="{099843A1-0265-20F6-DA61-91A78FFC7C62}"/>
+              </a:ext>
+            </a:extLst>
+          </p:cNvPr>
+          <p:cNvCxnSpPr>
+            <a:cxnSpLocks/>
+            <a:stCxn id="21" idx="3"/>
+          </p:cNvCxnSpPr>
+          <p:nvPr/>
+        </p:nvCxnSpPr>
+        <p:spPr>
+          <a:xfrm flipV="1">
+            <a:off x="2730963" y="2003088"/>
+            <a:ext cx="1081622" cy="1055383"/>
+          </a:xfrm>
+          <a:prstGeom prst="bentConnector3">
+            <a:avLst>
+              <a:gd name="adj1" fmla="val 50000"/>
+            </a:avLst>
+          </a:prstGeom>
+          <a:ln w="3175">
+            <a:solidFill>
+              <a:schemeClr val="accent2"/>
+            </a:solidFill>
+            <a:prstDash val="solid"/>
+            <a:tailEnd type="triangle" w="sm" len="sm"/>
+          </a:ln>
+        </p:spPr>
+        <p:style>
+          <a:lnRef idx="1">
+            <a:schemeClr val="accent1"/>
+          </a:lnRef>
+          <a:fillRef idx="0">
+            <a:schemeClr val="accent1"/>
+          </a:fillRef>
+          <a:effectRef idx="0">
+            <a:schemeClr val="accent1"/>
+          </a:effectRef>
+          <a:fontRef idx="minor">
+            <a:schemeClr val="tx1"/>
+          </a:fontRef>
+        </p:style>
+      </p:cxnSp>
+      <p:sp>
+        <p:nvSpPr>
+          <p:cNvPr id="44" name="직사각형 256">
+            <a:extLst>
+              <a:ext uri="{FF2B5EF4-FFF2-40B4-BE49-F238E27FC236}">
+                <a16:creationId xmlns:a16="http://schemas.microsoft.com/office/drawing/2014/main" id="{5E5D6EA5-4451-39C2-DB07-831C37ECEA0E}"/>
+              </a:ext>
+            </a:extLst>
+          </p:cNvPr>
+          <p:cNvSpPr/>
+          <p:nvPr/>
+        </p:nvSpPr>
+        <p:spPr>
+          <a:xfrm>
+            <a:off x="1773218" y="2603565"/>
+            <a:ext cx="1006494" cy="299121"/>
+          </a:xfrm>
+          <a:prstGeom prst="rect">
+            <a:avLst/>
+          </a:prstGeom>
+        </p:spPr>
+        <p:txBody>
+          <a:bodyPr wrap="none" lIns="0" tIns="0" rIns="0" bIns="0">
+            <a:spAutoFit/>
+          </a:bodyPr>
+          <a:lstStyle/>
+          <a:p>
+            <a:pPr algn="ctr">
+              <a:lnSpc>
+                <a:spcPct val="80000"/>
+              </a:lnSpc>
+            </a:pPr>
+            <a:r>
+              <a:rPr lang="en-US" altLang="ko-KR" sz="1200" dirty="0">
+                <a:solidFill>
+                  <a:prstClr val="black"/>
+                </a:solidFill>
+                <a:latin typeface="Calibri" panose="020F0502020204030204" pitchFamily="34" charset="0"/>
+              </a:rPr>
+              <a:t>SQS</a:t>
+            </a:r>
+          </a:p>
+          <a:p>
+            <a:pPr algn="ctr">
+              <a:lnSpc>
+                <a:spcPct val="80000"/>
+              </a:lnSpc>
+            </a:pPr>
+            <a:r>
+              <a:rPr lang="en-US" altLang="ko-KR" sz="1200" dirty="0">
+                <a:solidFill>
+                  <a:prstClr val="black"/>
+                </a:solidFill>
+                <a:latin typeface="Calibri" panose="020F0502020204030204" pitchFamily="34" charset="0"/>
+              </a:rPr>
+              <a:t>(Worker Queue)</a:t>
+            </a:r>
+            <a:endParaRPr lang="ko-KR" altLang="en-US" sz="1200" dirty="0">
+              <a:solidFill>
+                <a:prstClr val="black"/>
+              </a:solidFill>
+              <a:latin typeface="Calibri" panose="020F0502020204030204" pitchFamily="34" charset="0"/>
+            </a:endParaRPr>
+          </a:p>
+        </p:txBody>
+      </p:sp>
+      <p:sp>
+        <p:nvSpPr>
+          <p:cNvPr id="45" name="직사각형 256">
+            <a:extLst>
+              <a:ext uri="{FF2B5EF4-FFF2-40B4-BE49-F238E27FC236}">
+                <a16:creationId xmlns:a16="http://schemas.microsoft.com/office/drawing/2014/main" id="{AD003F84-0CDD-6EDC-7678-46E18D286A45}"/>
+              </a:ext>
+            </a:extLst>
+          </p:cNvPr>
+          <p:cNvSpPr/>
+          <p:nvPr/>
+        </p:nvSpPr>
+        <p:spPr>
+          <a:xfrm>
+            <a:off x="3337595" y="2044869"/>
+            <a:ext cx="450444" cy="495520"/>
+          </a:xfrm>
+          <a:prstGeom prst="rect">
+            <a:avLst/>
+          </a:prstGeom>
+        </p:spPr>
+        <p:txBody>
+          <a:bodyPr wrap="none" lIns="0" tIns="0" rIns="0" bIns="0">
+            <a:spAutoFit/>
+          </a:bodyPr>
+          <a:lstStyle/>
+          <a:p>
+            <a:pPr>
+              <a:lnSpc>
+                <a:spcPct val="80000"/>
+              </a:lnSpc>
+            </a:pPr>
+            <a:r>
+              <a:rPr lang="en-US" altLang="ko-KR" sz="1000" i="1" dirty="0">
+                <a:solidFill>
+                  <a:schemeClr val="bg1">
+                    <a:lumMod val="65000"/>
+                  </a:schemeClr>
+                </a:solidFill>
+                <a:latin typeface="Calibri" panose="020F0502020204030204" pitchFamily="34" charset="0"/>
+              </a:rPr>
+              <a:t>Execute </a:t>
+            </a:r>
+          </a:p>
+          <a:p>
+            <a:pPr>
+              <a:lnSpc>
+                <a:spcPct val="80000"/>
+              </a:lnSpc>
+            </a:pPr>
+            <a:r>
+              <a:rPr lang="en-US" altLang="ko-KR" sz="1000" i="1" dirty="0">
+                <a:solidFill>
+                  <a:schemeClr val="bg1">
+                    <a:lumMod val="65000"/>
+                  </a:schemeClr>
+                </a:solidFill>
+                <a:latin typeface="Calibri" panose="020F0502020204030204" pitchFamily="34" charset="0"/>
+              </a:rPr>
+              <a:t>jobs</a:t>
+            </a:r>
+          </a:p>
+          <a:p>
+            <a:pPr>
+              <a:lnSpc>
+                <a:spcPct val="80000"/>
+              </a:lnSpc>
+            </a:pPr>
+            <a:r>
+              <a:rPr lang="en-US" altLang="ko-KR" sz="1000" i="1" dirty="0">
+                <a:solidFill>
+                  <a:schemeClr val="bg1">
+                    <a:lumMod val="65000"/>
+                  </a:schemeClr>
+                </a:solidFill>
+                <a:latin typeface="Calibri" panose="020F0502020204030204" pitchFamily="34" charset="0"/>
+              </a:rPr>
+              <a:t>(Trigger </a:t>
+            </a:r>
+          </a:p>
+          <a:p>
+            <a:pPr>
+              <a:lnSpc>
+                <a:spcPct val="80000"/>
+              </a:lnSpc>
+            </a:pPr>
+            <a:r>
+              <a:rPr lang="en-US" altLang="ko-KR" sz="1000" i="1" dirty="0">
+                <a:solidFill>
+                  <a:schemeClr val="bg1">
+                    <a:lumMod val="65000"/>
+                  </a:schemeClr>
+                </a:solidFill>
+                <a:latin typeface="Calibri" panose="020F0502020204030204" pitchFamily="34" charset="0"/>
+              </a:rPr>
+              <a:t>analysis)</a:t>
+            </a:r>
+            <a:endParaRPr lang="ko-KR" altLang="en-US" sz="1000" i="1" dirty="0">
+              <a:solidFill>
+                <a:schemeClr val="bg1">
+                  <a:lumMod val="65000"/>
+                </a:schemeClr>
+              </a:solidFill>
+              <a:latin typeface="Calibri" panose="020F0502020204030204" pitchFamily="34" charset="0"/>
+            </a:endParaRPr>
+          </a:p>
+        </p:txBody>
+      </p:sp>
+      <p:sp>
+        <p:nvSpPr>
+          <p:cNvPr id="130" name="Oval 129">
+            <a:extLst>
+              <a:ext uri="{FF2B5EF4-FFF2-40B4-BE49-F238E27FC236}">
+                <a16:creationId xmlns:a16="http://schemas.microsoft.com/office/drawing/2014/main" id="{3B1BFE2C-811E-5343-0D07-1C33BCEDF68B}"/>
+              </a:ext>
+            </a:extLst>
+          </p:cNvPr>
+          <p:cNvSpPr/>
+          <p:nvPr/>
+        </p:nvSpPr>
+        <p:spPr>
+          <a:xfrm>
+            <a:off x="3222058" y="2051499"/>
+            <a:ext cx="83127" cy="91440"/>
+          </a:xfrm>
+          <a:prstGeom prst="ellipse">
+            <a:avLst/>
+          </a:prstGeom>
+          <a:solidFill>
+            <a:schemeClr val="accent6">
+              <a:lumMod val="75000"/>
+            </a:schemeClr>
+          </a:solidFill>
+          <a:ln>
+            <a:solidFill>
+              <a:schemeClr val="accent6">
+                <a:lumMod val="50000"/>
+              </a:schemeClr>
+            </a:solidFill>
+          </a:ln>
+        </p:spPr>
+        <p:style>
+          <a:lnRef idx="2">
+            <a:schemeClr val="accent1">
+              <a:shade val="50000"/>
+            </a:schemeClr>
+          </a:lnRef>
+          <a:fillRef idx="1">
+            <a:schemeClr val="accent1"/>
+          </a:fillRef>
+          <a:effectRef idx="0">
+            <a:schemeClr val="accent1"/>
+          </a:effectRef>
+          <a:fontRef idx="minor">
+            <a:schemeClr val="lt1"/>
+          </a:fontRef>
+        </p:style>
+        <p:txBody>
+          <a:bodyPr lIns="0" tIns="0" rIns="0" bIns="0" rtlCol="0" anchor="ctr"/>
+          <a:lstStyle/>
+          <a:p>
+            <a:pPr algn="ctr"/>
+            <a:r>
+              <a:rPr lang="en-US" sz="800" dirty="0">
+                <a:solidFill>
+                  <a:schemeClr val="bg1"/>
+                </a:solidFill>
+              </a:rPr>
+              <a:t>1</a:t>
+            </a:r>
+          </a:p>
+        </p:txBody>
+      </p:sp>
+      <p:cxnSp>
+        <p:nvCxnSpPr>
+          <p:cNvPr id="289" name="Straight Arrow Connector 288">
+            <a:extLst>
+              <a:ext uri="{FF2B5EF4-FFF2-40B4-BE49-F238E27FC236}">
+                <a16:creationId xmlns:a16="http://schemas.microsoft.com/office/drawing/2014/main" id="{10D5AEF7-4B39-7ECC-4ACA-A820860B6788}"/>
+              </a:ext>
+            </a:extLst>
+          </p:cNvPr>
+          <p:cNvCxnSpPr>
+            <a:cxnSpLocks/>
+            <a:stCxn id="6" idx="1"/>
+            <a:endCxn id="7" idx="3"/>
+          </p:cNvCxnSpPr>
+          <p:nvPr/>
+        </p:nvCxnSpPr>
+        <p:spPr>
+          <a:xfrm>
+            <a:off x="5052079" y="4503966"/>
+            <a:ext cx="0" cy="304404"/>
+          </a:xfrm>
+          <a:prstGeom prst="straightConnector1">
+            <a:avLst/>
+          </a:prstGeom>
+          <a:ln>
+            <a:solidFill>
+              <a:schemeClr val="tx1">
+                <a:lumMod val="50000"/>
+                <a:lumOff val="50000"/>
+              </a:schemeClr>
+            </a:solidFill>
+            <a:prstDash val="dash"/>
+            <a:headEnd type="none" w="sm" len="sm"/>
+            <a:tailEnd type="triangle" w="sm" len="sm"/>
+          </a:ln>
+        </p:spPr>
+        <p:style>
+          <a:lnRef idx="1">
+            <a:schemeClr val="accent1"/>
+          </a:lnRef>
+          <a:fillRef idx="0">
+            <a:schemeClr val="accent1"/>
+          </a:fillRef>
+          <a:effectRef idx="0">
+            <a:schemeClr val="accent1"/>
+          </a:effectRef>
+          <a:fontRef idx="minor">
+            <a:schemeClr val="tx1"/>
+          </a:fontRef>
+        </p:style>
+      </p:cxnSp>
+      <p:pic>
+        <p:nvPicPr>
+          <p:cNvPr id="305" name="Picture 304" descr="Image result for AWS Lambda">
+            <a:extLst>
+              <a:ext uri="{FF2B5EF4-FFF2-40B4-BE49-F238E27FC236}">
+                <a16:creationId xmlns:a16="http://schemas.microsoft.com/office/drawing/2014/main" id="{A9615E2F-B3A0-A486-1493-C6911DBE7104}"/>
+              </a:ext>
+            </a:extLst>
+          </p:cNvPr>
+          <p:cNvPicPr>
+            <a:picLocks noChangeAspect="1" noChangeArrowheads="1"/>
+          </p:cNvPicPr>
+          <p:nvPr/>
+        </p:nvPicPr>
+        <p:blipFill>
+          <a:blip r:embed="rId6">
+            <a:duotone>
+              <a:schemeClr val="accent2">
+                <a:shade val="45000"/>
+                <a:satMod val="135000"/>
+              </a:schemeClr>
+              <a:prstClr val="white"/>
+            </a:duotone>
+            <a:extLst>
+              <a:ext uri="{28A0092B-C50C-407E-A947-70E740481C1C}">
+                <a14:useLocalDpi xmlns:a14="http://schemas.microsoft.com/office/drawing/2010/main" val="0"/>
+              </a:ext>
+            </a:extLst>
+          </a:blip>
+          <a:srcRect/>
+          <a:stretch>
+            <a:fillRect/>
+          </a:stretch>
+        </p:blipFill>
+        <p:spPr bwMode="auto">
+          <a:xfrm>
+            <a:off x="3914212" y="1659841"/>
+            <a:ext cx="257648" cy="257648"/>
+          </a:xfrm>
+          <a:prstGeom prst="roundRect">
+            <a:avLst>
+              <a:gd name="adj" fmla="val 8594"/>
+            </a:avLst>
+          </a:prstGeom>
+          <a:solidFill>
+            <a:srgbClr val="FFFFFF">
+              <a:shade val="85000"/>
+            </a:srgbClr>
+          </a:solidFill>
+          <a:ln>
+            <a:noFill/>
+          </a:ln>
+          <a:effectLst>
+            <a:reflection blurRad="12700" stA="38000" endPos="28000" dist="5000" dir="5400000" sy="-100000" algn="bl" rotWithShape="0"/>
+          </a:effectLst>
+        </p:spPr>
+      </p:pic>
+      <p:sp>
+        <p:nvSpPr>
+          <p:cNvPr id="9" name="직사각형 363">
+            <a:extLst>
+              <a:ext uri="{FF2B5EF4-FFF2-40B4-BE49-F238E27FC236}">
+                <a16:creationId xmlns:a16="http://schemas.microsoft.com/office/drawing/2014/main" id="{F7BD61AA-10C8-6581-605E-2E0EE439FE0C}"/>
+              </a:ext>
+            </a:extLst>
+          </p:cNvPr>
+          <p:cNvSpPr/>
+          <p:nvPr/>
+        </p:nvSpPr>
+        <p:spPr>
+          <a:xfrm rot="16200000">
+            <a:off x="6700110" y="4275054"/>
+            <a:ext cx="1494662" cy="1269856"/>
+          </a:xfrm>
+          <a:prstGeom prst="rect">
+            <a:avLst/>
+          </a:prstGeom>
+          <a:noFill/>
+          <a:ln w="3175" cap="flat" cmpd="sng" algn="ctr">
+            <a:solidFill>
+              <a:schemeClr val="bg1">
+                <a:lumMod val="85000"/>
+              </a:schemeClr>
+            </a:solidFill>
+            <a:prstDash val="dash"/>
+            <a:miter lim="800000"/>
+          </a:ln>
+          <a:effectLst/>
+        </p:spPr>
+        <p:txBody>
+          <a:bodyPr vert="vert" lIns="0" tIns="0" rIns="0" bIns="0" rtlCol="0" anchor="t" anchorCtr="0"/>
+          <a:lstStyle/>
+          <a:p>
+            <a:pPr algn="ctr">
+              <a:lnSpc>
+                <a:spcPct val="80000"/>
+              </a:lnSpc>
+            </a:pPr>
+            <a:endParaRPr lang="en-US" altLang="ko-KR" sz="900" kern="0" dirty="0">
+              <a:solidFill>
+                <a:schemeClr val="bg1">
+                  <a:lumMod val="65000"/>
+                </a:schemeClr>
+              </a:solidFill>
+              <a:latin typeface="Calibri" panose="020F0502020204030204" pitchFamily="34" charset="0"/>
+              <a:ea typeface="맑은 고딕"/>
+            </a:endParaRPr>
+          </a:p>
+          <a:p>
+            <a:pPr algn="ctr">
+              <a:lnSpc>
+                <a:spcPct val="80000"/>
+              </a:lnSpc>
+            </a:pPr>
+            <a:r>
+              <a:rPr lang="en-US" altLang="ko-KR" sz="900" kern="0" dirty="0">
+                <a:solidFill>
+                  <a:schemeClr val="bg1">
+                    <a:lumMod val="65000"/>
+                  </a:schemeClr>
+                </a:solidFill>
+                <a:latin typeface="Calibri" panose="020F0502020204030204" pitchFamily="34" charset="0"/>
+                <a:ea typeface="맑은 고딕"/>
+              </a:rPr>
+              <a:t>AI Service</a:t>
+            </a:r>
+            <a:endParaRPr lang="ko-KR" altLang="en-US" sz="900" kern="0" dirty="0">
+              <a:solidFill>
+                <a:schemeClr val="bg1">
+                  <a:lumMod val="65000"/>
+                </a:schemeClr>
+              </a:solidFill>
+              <a:latin typeface="Calibri" panose="020F0502020204030204" pitchFamily="34" charset="0"/>
+              <a:ea typeface="맑은 고딕"/>
+            </a:endParaRPr>
+          </a:p>
+        </p:txBody>
+      </p:sp>
+      <p:pic>
+        <p:nvPicPr>
+          <p:cNvPr id="10" name="Picture 8" descr="Amazon Rekognition Pricing, Reviews and Features (November 2022) -  SaaSworthy.com">
+            <a:extLst>
+              <a:ext uri="{FF2B5EF4-FFF2-40B4-BE49-F238E27FC236}">
+                <a16:creationId xmlns:a16="http://schemas.microsoft.com/office/drawing/2014/main" id="{181AD1F5-1EFA-2B03-4908-727DA788FBB1}"/>
+              </a:ext>
+            </a:extLst>
+          </p:cNvPr>
+          <p:cNvPicPr>
+            <a:picLocks noChangeAspect="1" noChangeArrowheads="1"/>
+          </p:cNvPicPr>
+          <p:nvPr/>
+        </p:nvPicPr>
+        <p:blipFill>
+          <a:blip r:embed="rId7">
+            <a:duotone>
+              <a:schemeClr val="accent5">
+                <a:shade val="45000"/>
+                <a:satMod val="135000"/>
+              </a:schemeClr>
+              <a:prstClr val="white"/>
+            </a:duotone>
+            <a:extLst>
+              <a:ext uri="{28A0092B-C50C-407E-A947-70E740481C1C}">
+                <a14:useLocalDpi xmlns:a14="http://schemas.microsoft.com/office/drawing/2010/main" val="0"/>
+              </a:ext>
+            </a:extLst>
+          </a:blip>
+          <a:srcRect/>
+          <a:stretch>
+            <a:fillRect/>
+          </a:stretch>
+        </p:blipFill>
+        <p:spPr bwMode="auto">
+          <a:xfrm>
+            <a:off x="7237120" y="4593966"/>
+            <a:ext cx="420641" cy="507244"/>
+          </a:xfrm>
+          <a:prstGeom prst="rect">
+            <a:avLst/>
+          </a:prstGeom>
+          <a:noFill/>
+          <a:extLst>
+            <a:ext uri="{909E8E84-426E-40DD-AFC4-6F175D3DCCD1}">
+              <a14:hiddenFill xmlns:a14="http://schemas.microsoft.com/office/drawing/2010/main">
+                <a:solidFill>
+                  <a:srgbClr val="FFFFFF"/>
+                </a:solidFill>
+              </a14:hiddenFill>
+            </a:ext>
+          </a:extLst>
+        </p:spPr>
+      </p:pic>
+      <p:sp>
+        <p:nvSpPr>
+          <p:cNvPr id="12" name="직사각형 256">
+            <a:extLst>
+              <a:ext uri="{FF2B5EF4-FFF2-40B4-BE49-F238E27FC236}">
+                <a16:creationId xmlns:a16="http://schemas.microsoft.com/office/drawing/2014/main" id="{76B3D8C8-D445-ABE5-59F9-452CE28DFDD4}"/>
+              </a:ext>
+            </a:extLst>
+          </p:cNvPr>
+          <p:cNvSpPr/>
+          <p:nvPr/>
+        </p:nvSpPr>
+        <p:spPr>
+          <a:xfrm>
+            <a:off x="6970077" y="5153318"/>
+            <a:ext cx="1015214" cy="299121"/>
+          </a:xfrm>
+          <a:prstGeom prst="rect">
+            <a:avLst/>
+          </a:prstGeom>
+        </p:spPr>
+        <p:txBody>
+          <a:bodyPr wrap="none" lIns="0" tIns="0" rIns="0" bIns="0">
+            <a:spAutoFit/>
+          </a:bodyPr>
+          <a:lstStyle/>
+          <a:p>
+            <a:pPr algn="ctr">
+              <a:lnSpc>
+                <a:spcPct val="80000"/>
+              </a:lnSpc>
+            </a:pPr>
+            <a:r>
+              <a:rPr lang="en-US" altLang="ko-KR" sz="1200" dirty="0">
+                <a:solidFill>
+                  <a:prstClr val="black"/>
+                </a:solidFill>
+                <a:latin typeface="Calibri" panose="020F0502020204030204" pitchFamily="34" charset="0"/>
+              </a:rPr>
+              <a:t>Rekognition</a:t>
+            </a:r>
+          </a:p>
+          <a:p>
+            <a:pPr algn="ctr">
+              <a:lnSpc>
+                <a:spcPct val="80000"/>
+              </a:lnSpc>
+            </a:pPr>
+            <a:r>
+              <a:rPr lang="en-US" altLang="ko-KR" sz="1200" dirty="0">
+                <a:solidFill>
+                  <a:prstClr val="black"/>
+                </a:solidFill>
+                <a:latin typeface="Calibri" panose="020F0502020204030204" pitchFamily="34" charset="0"/>
+              </a:rPr>
+              <a:t>(Image Analysis)</a:t>
+            </a:r>
+            <a:endParaRPr lang="ko-KR" altLang="en-US" sz="1200" dirty="0">
+              <a:solidFill>
+                <a:prstClr val="black"/>
+              </a:solidFill>
+              <a:latin typeface="Calibri" panose="020F0502020204030204" pitchFamily="34" charset="0"/>
+            </a:endParaRPr>
+          </a:p>
+        </p:txBody>
+      </p:sp>
+      <p:sp>
+        <p:nvSpPr>
+          <p:cNvPr id="15" name="직사각형 363">
+            <a:extLst>
+              <a:ext uri="{FF2B5EF4-FFF2-40B4-BE49-F238E27FC236}">
+                <a16:creationId xmlns:a16="http://schemas.microsoft.com/office/drawing/2014/main" id="{3CE53723-CE75-2CEA-B349-18D7E496FAE0}"/>
+              </a:ext>
+            </a:extLst>
+          </p:cNvPr>
+          <p:cNvSpPr/>
+          <p:nvPr/>
+        </p:nvSpPr>
+        <p:spPr>
+          <a:xfrm rot="16200000">
+            <a:off x="1680674" y="4484067"/>
+            <a:ext cx="1191584" cy="1154908"/>
+          </a:xfrm>
+          <a:prstGeom prst="rect">
+            <a:avLst/>
+          </a:prstGeom>
+          <a:noFill/>
+          <a:ln w="3175" cap="flat" cmpd="sng" algn="ctr">
+            <a:solidFill>
+              <a:schemeClr val="bg1">
+                <a:lumMod val="85000"/>
+              </a:schemeClr>
+            </a:solidFill>
+            <a:prstDash val="dash"/>
+            <a:miter lim="800000"/>
+          </a:ln>
+          <a:effectLst/>
+        </p:spPr>
+        <p:txBody>
+          <a:bodyPr vert="vert" lIns="0" tIns="0" rIns="0" bIns="0" rtlCol="0" anchor="t" anchorCtr="0"/>
+          <a:lstStyle/>
+          <a:p>
+            <a:pPr algn="ctr">
+              <a:lnSpc>
+                <a:spcPct val="80000"/>
+              </a:lnSpc>
+            </a:pPr>
+            <a:endParaRPr lang="en-US" altLang="ko-KR" sz="1000" kern="0" dirty="0">
+              <a:solidFill>
+                <a:schemeClr val="bg1">
+                  <a:lumMod val="65000"/>
+                </a:schemeClr>
+              </a:solidFill>
+              <a:latin typeface="Calibri" panose="020F0502020204030204" pitchFamily="34" charset="0"/>
+              <a:ea typeface="맑은 고딕"/>
+            </a:endParaRPr>
+          </a:p>
+          <a:p>
+            <a:pPr algn="ctr">
+              <a:lnSpc>
+                <a:spcPct val="80000"/>
+              </a:lnSpc>
+            </a:pPr>
+            <a:r>
+              <a:rPr lang="en-US" altLang="ko-KR" sz="1000" kern="0" dirty="0">
+                <a:solidFill>
+                  <a:schemeClr val="bg1">
+                    <a:lumMod val="65000"/>
+                  </a:schemeClr>
+                </a:solidFill>
+                <a:latin typeface="Calibri" panose="020F0502020204030204" pitchFamily="34" charset="0"/>
+                <a:ea typeface="맑은 고딕"/>
+              </a:rPr>
+              <a:t>Data Service</a:t>
+            </a:r>
+            <a:endParaRPr lang="ko-KR" altLang="en-US" sz="1000" kern="0" dirty="0">
+              <a:solidFill>
+                <a:schemeClr val="bg1">
+                  <a:lumMod val="65000"/>
+                </a:schemeClr>
+              </a:solidFill>
+              <a:latin typeface="Calibri" panose="020F0502020204030204" pitchFamily="34" charset="0"/>
+              <a:ea typeface="맑은 고딕"/>
+            </a:endParaRPr>
+          </a:p>
+        </p:txBody>
+      </p:sp>
+      <p:pic>
+        <p:nvPicPr>
+          <p:cNvPr id="16" name="Picture 10" descr="S3 Bucket with Objects | AWS Storage">
+            <a:extLst>
+              <a:ext uri="{FF2B5EF4-FFF2-40B4-BE49-F238E27FC236}">
+                <a16:creationId xmlns:a16="http://schemas.microsoft.com/office/drawing/2014/main" id="{4D1A57FF-5A88-347E-E5D5-CB4B1F3F26B4}"/>
+              </a:ext>
+            </a:extLst>
+          </p:cNvPr>
+          <p:cNvPicPr>
+            <a:picLocks noChangeAspect="1" noChangeArrowheads="1"/>
+          </p:cNvPicPr>
+          <p:nvPr/>
+        </p:nvPicPr>
+        <p:blipFill>
+          <a:blip r:embed="rId8">
+            <a:duotone>
+              <a:schemeClr val="accent2">
+                <a:shade val="45000"/>
+                <a:satMod val="135000"/>
+              </a:schemeClr>
+              <a:prstClr val="white"/>
+            </a:duotone>
+            <a:extLst>
+              <a:ext uri="{28A0092B-C50C-407E-A947-70E740481C1C}">
+                <a14:useLocalDpi xmlns:a14="http://schemas.microsoft.com/office/drawing/2010/main" val="0"/>
+              </a:ext>
+            </a:extLst>
+          </a:blip>
+          <a:srcRect/>
+          <a:stretch>
+            <a:fillRect/>
+          </a:stretch>
+        </p:blipFill>
+        <p:spPr bwMode="auto">
+          <a:xfrm>
+            <a:off x="2094694" y="4912408"/>
+            <a:ext cx="377604" cy="377604"/>
+          </a:xfrm>
+          <a:prstGeom prst="rect">
+            <a:avLst/>
+          </a:prstGeom>
+          <a:noFill/>
+          <a:extLst>
+            <a:ext uri="{909E8E84-426E-40DD-AFC4-6F175D3DCCD1}">
+              <a14:hiddenFill xmlns:a14="http://schemas.microsoft.com/office/drawing/2010/main">
+                <a:solidFill>
+                  <a:srgbClr val="FFFFFF"/>
+                </a:solidFill>
+              </a14:hiddenFill>
+            </a:ext>
+          </a:extLst>
+        </p:spPr>
+      </p:pic>
+      <p:sp>
+        <p:nvSpPr>
+          <p:cNvPr id="18" name="직사각형 256">
+            <a:extLst>
+              <a:ext uri="{FF2B5EF4-FFF2-40B4-BE49-F238E27FC236}">
+                <a16:creationId xmlns:a16="http://schemas.microsoft.com/office/drawing/2014/main" id="{E7650985-4D61-A684-6C19-CCFFB2359342}"/>
+              </a:ext>
+            </a:extLst>
+          </p:cNvPr>
+          <p:cNvSpPr/>
+          <p:nvPr/>
+        </p:nvSpPr>
+        <p:spPr>
+          <a:xfrm>
+            <a:off x="1981203" y="5297128"/>
+            <a:ext cx="660758" cy="151388"/>
+          </a:xfrm>
+          <a:prstGeom prst="rect">
+            <a:avLst/>
+          </a:prstGeom>
+          <a:solidFill>
+            <a:schemeClr val="bg1"/>
+          </a:solidFill>
+        </p:spPr>
+        <p:txBody>
+          <a:bodyPr wrap="none" lIns="0" tIns="0" rIns="0" bIns="0">
+            <a:spAutoFit/>
+          </a:bodyPr>
+          <a:lstStyle/>
+          <a:p>
+            <a:pPr algn="ctr">
+              <a:lnSpc>
+                <a:spcPct val="80000"/>
+              </a:lnSpc>
+            </a:pPr>
+            <a:r>
+              <a:rPr lang="en-US" altLang="ko-KR" sz="1200" dirty="0">
+                <a:solidFill>
+                  <a:prstClr val="black"/>
+                </a:solidFill>
+                <a:latin typeface="Calibri" panose="020F0502020204030204" pitchFamily="34" charset="0"/>
+              </a:rPr>
+              <a:t>S3 (Image)</a:t>
+            </a:r>
+            <a:endParaRPr lang="ko-KR" altLang="en-US" sz="1200" dirty="0">
+              <a:solidFill>
+                <a:prstClr val="black"/>
+              </a:solidFill>
+              <a:latin typeface="Calibri" panose="020F0502020204030204" pitchFamily="34" charset="0"/>
+            </a:endParaRPr>
+          </a:p>
+        </p:txBody>
+      </p:sp>
+      <p:cxnSp>
+        <p:nvCxnSpPr>
+          <p:cNvPr id="19" name="Elbow Connector 18">
+            <a:extLst>
+              <a:ext uri="{FF2B5EF4-FFF2-40B4-BE49-F238E27FC236}">
+                <a16:creationId xmlns:a16="http://schemas.microsoft.com/office/drawing/2014/main" id="{3C7F7878-69E9-6B37-88D2-8B4E40C89C3C}"/>
+              </a:ext>
+            </a:extLst>
+          </p:cNvPr>
+          <p:cNvCxnSpPr>
+            <a:cxnSpLocks/>
+            <a:stCxn id="31" idx="2"/>
+            <a:endCxn id="4" idx="0"/>
+          </p:cNvCxnSpPr>
+          <p:nvPr/>
+        </p:nvCxnSpPr>
+        <p:spPr>
+          <a:xfrm flipV="1">
+            <a:off x="2848977" y="3032113"/>
+            <a:ext cx="1322884" cy="1517965"/>
+          </a:xfrm>
+          <a:prstGeom prst="bentConnector3">
+            <a:avLst>
+              <a:gd name="adj1" fmla="val 50000"/>
+            </a:avLst>
+          </a:prstGeom>
+          <a:ln w="3175">
+            <a:solidFill>
+              <a:schemeClr val="accent2"/>
+            </a:solidFill>
+            <a:prstDash val="solid"/>
+            <a:tailEnd type="triangle" w="sm" len="sm"/>
+          </a:ln>
+        </p:spPr>
+        <p:style>
+          <a:lnRef idx="1">
+            <a:schemeClr val="accent1"/>
+          </a:lnRef>
+          <a:fillRef idx="0">
+            <a:schemeClr val="accent1"/>
+          </a:fillRef>
+          <a:effectRef idx="0">
+            <a:schemeClr val="accent1"/>
+          </a:effectRef>
+          <a:fontRef idx="minor">
+            <a:schemeClr val="tx1"/>
+          </a:fontRef>
+        </p:style>
+      </p:cxnSp>
+      <p:sp>
+        <p:nvSpPr>
+          <p:cNvPr id="31" name="직사각형 363">
+            <a:extLst>
+              <a:ext uri="{FF2B5EF4-FFF2-40B4-BE49-F238E27FC236}">
+                <a16:creationId xmlns:a16="http://schemas.microsoft.com/office/drawing/2014/main" id="{27CBB7CB-D232-A07B-1C62-A4FD800AD00A}"/>
+              </a:ext>
+            </a:extLst>
+          </p:cNvPr>
+          <p:cNvSpPr/>
+          <p:nvPr/>
+        </p:nvSpPr>
+        <p:spPr>
+          <a:xfrm rot="16200000">
+            <a:off x="2797678" y="4527219"/>
+            <a:ext cx="56879" cy="45719"/>
+          </a:xfrm>
+          <a:prstGeom prst="rect">
+            <a:avLst/>
+          </a:prstGeom>
+          <a:noFill/>
+          <a:ln w="3175" cap="flat" cmpd="sng" algn="ctr">
+            <a:solidFill>
+              <a:schemeClr val="tx1">
+                <a:lumMod val="50000"/>
+                <a:lumOff val="50000"/>
+              </a:schemeClr>
+            </a:solidFill>
+            <a:prstDash val="dash"/>
+            <a:miter lim="800000"/>
+          </a:ln>
+          <a:effectLst/>
+        </p:spPr>
+        <p:txBody>
+          <a:bodyPr vert="vert" lIns="0" tIns="0" rIns="0" bIns="0" rtlCol="0" anchor="ctr"/>
+          <a:lstStyle/>
+          <a:p>
+            <a:pPr algn="ctr">
+              <a:lnSpc>
+                <a:spcPct val="80000"/>
+              </a:lnSpc>
+            </a:pPr>
+            <a:endParaRPr lang="ko-KR" altLang="en-US" sz="1200" kern="0" dirty="0">
+              <a:latin typeface="Calibri" panose="020F0502020204030204" pitchFamily="34" charset="0"/>
+              <a:ea typeface="맑은 고딕"/>
+            </a:endParaRPr>
+          </a:p>
+        </p:txBody>
+      </p:sp>
+      <p:sp>
+        <p:nvSpPr>
+          <p:cNvPr id="33" name="직사각형 363">
+            <a:extLst>
+              <a:ext uri="{FF2B5EF4-FFF2-40B4-BE49-F238E27FC236}">
+                <a16:creationId xmlns:a16="http://schemas.microsoft.com/office/drawing/2014/main" id="{5D8BBAD9-CA81-FC5B-CC19-19B8E76B2860}"/>
+              </a:ext>
+            </a:extLst>
+          </p:cNvPr>
+          <p:cNvSpPr/>
+          <p:nvPr/>
+        </p:nvSpPr>
+        <p:spPr>
+          <a:xfrm rot="16200000">
+            <a:off x="2802847" y="5028331"/>
+            <a:ext cx="56879" cy="45719"/>
+          </a:xfrm>
+          <a:prstGeom prst="rect">
+            <a:avLst/>
+          </a:prstGeom>
+          <a:noFill/>
+          <a:ln w="3175" cap="flat" cmpd="sng" algn="ctr">
+            <a:solidFill>
+              <a:schemeClr val="tx1">
+                <a:lumMod val="50000"/>
+                <a:lumOff val="50000"/>
+              </a:schemeClr>
+            </a:solidFill>
+            <a:prstDash val="dash"/>
+            <a:miter lim="800000"/>
+          </a:ln>
+          <a:effectLst/>
+        </p:spPr>
+        <p:txBody>
+          <a:bodyPr vert="vert" lIns="0" tIns="0" rIns="0" bIns="0" rtlCol="0" anchor="ctr"/>
+          <a:lstStyle/>
+          <a:p>
+            <a:pPr algn="ctr">
+              <a:lnSpc>
+                <a:spcPct val="80000"/>
+              </a:lnSpc>
+            </a:pPr>
+            <a:endParaRPr lang="ko-KR" altLang="en-US" sz="1200" kern="0" dirty="0">
+              <a:latin typeface="Calibri" panose="020F0502020204030204" pitchFamily="34" charset="0"/>
+              <a:ea typeface="맑은 고딕"/>
+            </a:endParaRPr>
+          </a:p>
+        </p:txBody>
+      </p:sp>
+      <p:cxnSp>
+        <p:nvCxnSpPr>
+          <p:cNvPr id="34" name="Elbow Connector 33">
+            <a:extLst>
+              <a:ext uri="{FF2B5EF4-FFF2-40B4-BE49-F238E27FC236}">
+                <a16:creationId xmlns:a16="http://schemas.microsoft.com/office/drawing/2014/main" id="{4155C7F6-D947-2BD0-D806-2B022C511BC5}"/>
+              </a:ext>
+            </a:extLst>
+          </p:cNvPr>
+          <p:cNvCxnSpPr>
+            <a:cxnSpLocks/>
+            <a:stCxn id="6" idx="0"/>
+            <a:endCxn id="33" idx="2"/>
+          </p:cNvCxnSpPr>
+          <p:nvPr/>
+        </p:nvCxnSpPr>
+        <p:spPr>
+          <a:xfrm rot="10800000" flipV="1">
+            <a:off x="2854146" y="4333308"/>
+            <a:ext cx="1317716" cy="717881"/>
+          </a:xfrm>
+          <a:prstGeom prst="bentConnector3">
+            <a:avLst>
+              <a:gd name="adj1" fmla="val 38827"/>
+            </a:avLst>
+          </a:prstGeom>
+          <a:ln w="3175">
+            <a:solidFill>
+              <a:schemeClr val="accent2"/>
+            </a:solidFill>
+            <a:prstDash val="solid"/>
+            <a:tailEnd type="triangle" w="sm" len="sm"/>
+          </a:ln>
+        </p:spPr>
+        <p:style>
+          <a:lnRef idx="1">
+            <a:schemeClr val="accent1"/>
+          </a:lnRef>
+          <a:fillRef idx="0">
+            <a:schemeClr val="accent1"/>
+          </a:fillRef>
+          <a:effectRef idx="0">
+            <a:schemeClr val="accent1"/>
+          </a:effectRef>
+          <a:fontRef idx="minor">
+            <a:schemeClr val="tx1"/>
+          </a:fontRef>
+        </p:style>
+      </p:cxnSp>
+      <p:cxnSp>
+        <p:nvCxnSpPr>
+          <p:cNvPr id="46" name="Elbow Connector 45">
+            <a:extLst>
+              <a:ext uri="{FF2B5EF4-FFF2-40B4-BE49-F238E27FC236}">
+                <a16:creationId xmlns:a16="http://schemas.microsoft.com/office/drawing/2014/main" id="{886706FB-E7E4-40F5-EC90-B5DAB59A864A}"/>
+              </a:ext>
+            </a:extLst>
+          </p:cNvPr>
+          <p:cNvCxnSpPr>
+            <a:cxnSpLocks/>
+            <a:stCxn id="5" idx="2"/>
+            <a:endCxn id="9" idx="3"/>
+          </p:cNvCxnSpPr>
+          <p:nvPr/>
+        </p:nvCxnSpPr>
+        <p:spPr>
+          <a:xfrm>
+            <a:off x="5932295" y="3677832"/>
+            <a:ext cx="1515146" cy="484819"/>
+          </a:xfrm>
+          <a:prstGeom prst="bentConnector2">
+            <a:avLst/>
+          </a:prstGeom>
+          <a:ln w="3175">
+            <a:solidFill>
+              <a:schemeClr val="accent2"/>
+            </a:solidFill>
+            <a:prstDash val="solid"/>
+            <a:tailEnd type="triangle" w="sm" len="sm"/>
+          </a:ln>
+        </p:spPr>
+        <p:style>
+          <a:lnRef idx="1">
+            <a:schemeClr val="accent1"/>
+          </a:lnRef>
+          <a:fillRef idx="0">
+            <a:schemeClr val="accent1"/>
+          </a:fillRef>
+          <a:effectRef idx="0">
+            <a:schemeClr val="accent1"/>
+          </a:effectRef>
+          <a:fontRef idx="minor">
+            <a:schemeClr val="tx1"/>
+          </a:fontRef>
+        </p:style>
+      </p:cxnSp>
+      <p:sp>
+        <p:nvSpPr>
+          <p:cNvPr id="55" name="직사각형 363">
+            <a:extLst>
+              <a:ext uri="{FF2B5EF4-FFF2-40B4-BE49-F238E27FC236}">
+                <a16:creationId xmlns:a16="http://schemas.microsoft.com/office/drawing/2014/main" id="{76AB3794-DC40-BA31-D3AF-42842ECD3EBC}"/>
+              </a:ext>
+            </a:extLst>
+          </p:cNvPr>
+          <p:cNvSpPr/>
+          <p:nvPr/>
+        </p:nvSpPr>
+        <p:spPr>
+          <a:xfrm rot="16200000">
+            <a:off x="2800263" y="5529439"/>
+            <a:ext cx="56879" cy="45719"/>
+          </a:xfrm>
+          <a:prstGeom prst="rect">
+            <a:avLst/>
+          </a:prstGeom>
+          <a:noFill/>
+          <a:ln w="3175" cap="flat" cmpd="sng" algn="ctr">
+            <a:solidFill>
+              <a:schemeClr val="tx1">
+                <a:lumMod val="50000"/>
+                <a:lumOff val="50000"/>
+              </a:schemeClr>
+            </a:solidFill>
+            <a:prstDash val="dash"/>
+            <a:miter lim="800000"/>
+          </a:ln>
+          <a:effectLst/>
+        </p:spPr>
+        <p:txBody>
+          <a:bodyPr vert="vert" lIns="0" tIns="0" rIns="0" bIns="0" rtlCol="0" anchor="ctr"/>
+          <a:lstStyle/>
+          <a:p>
+            <a:pPr algn="ctr">
+              <a:lnSpc>
+                <a:spcPct val="80000"/>
+              </a:lnSpc>
+            </a:pPr>
+            <a:endParaRPr lang="ko-KR" altLang="en-US" sz="1200" kern="0" dirty="0">
+              <a:latin typeface="Calibri" panose="020F0502020204030204" pitchFamily="34" charset="0"/>
+              <a:ea typeface="맑은 고딕"/>
+            </a:endParaRPr>
+          </a:p>
+        </p:txBody>
+      </p:sp>
+      <p:cxnSp>
+        <p:nvCxnSpPr>
+          <p:cNvPr id="59" name="Elbow Connector 58">
+            <a:extLst>
+              <a:ext uri="{FF2B5EF4-FFF2-40B4-BE49-F238E27FC236}">
+                <a16:creationId xmlns:a16="http://schemas.microsoft.com/office/drawing/2014/main" id="{9CFD7398-D1EC-F7A3-30B7-C3D1730E6425}"/>
+              </a:ext>
+            </a:extLst>
+          </p:cNvPr>
+          <p:cNvCxnSpPr>
+            <a:cxnSpLocks/>
+            <a:stCxn id="7" idx="1"/>
+            <a:endCxn id="55" idx="2"/>
+          </p:cNvCxnSpPr>
+          <p:nvPr/>
+        </p:nvCxnSpPr>
+        <p:spPr>
+          <a:xfrm rot="5400000">
+            <a:off x="3750514" y="4250733"/>
+            <a:ext cx="402614" cy="2200517"/>
+          </a:xfrm>
+          <a:prstGeom prst="bentConnector4">
+            <a:avLst>
+              <a:gd name="adj1" fmla="val 101047"/>
+              <a:gd name="adj2" fmla="val 53751"/>
+            </a:avLst>
+          </a:prstGeom>
+          <a:ln w="3175">
+            <a:solidFill>
+              <a:schemeClr val="accent2"/>
+            </a:solidFill>
+            <a:prstDash val="solid"/>
+            <a:tailEnd type="triangle" w="sm" len="sm"/>
+          </a:ln>
+        </p:spPr>
+        <p:style>
+          <a:lnRef idx="1">
+            <a:schemeClr val="accent1"/>
+          </a:lnRef>
+          <a:fillRef idx="0">
+            <a:schemeClr val="accent1"/>
+          </a:fillRef>
+          <a:effectRef idx="0">
+            <a:schemeClr val="accent1"/>
+          </a:effectRef>
+          <a:fontRef idx="minor">
+            <a:schemeClr val="tx1"/>
+          </a:fontRef>
+        </p:style>
+      </p:cxnSp>
+      <p:sp>
+        <p:nvSpPr>
+          <p:cNvPr id="128" name="직사각형 256">
+            <a:extLst>
+              <a:ext uri="{FF2B5EF4-FFF2-40B4-BE49-F238E27FC236}">
+                <a16:creationId xmlns:a16="http://schemas.microsoft.com/office/drawing/2014/main" id="{8CFFB3B6-6B38-4F9F-19A5-001B1E5B3815}"/>
+              </a:ext>
+            </a:extLst>
+          </p:cNvPr>
+          <p:cNvSpPr/>
+          <p:nvPr/>
+        </p:nvSpPr>
+        <p:spPr>
+          <a:xfrm>
+            <a:off x="2872861" y="3607474"/>
+            <a:ext cx="498534" cy="495520"/>
+          </a:xfrm>
+          <a:prstGeom prst="rect">
+            <a:avLst/>
+          </a:prstGeom>
+        </p:spPr>
+        <p:txBody>
+          <a:bodyPr wrap="none" lIns="0" tIns="0" rIns="0" bIns="0">
+            <a:spAutoFit/>
+          </a:bodyPr>
+          <a:lstStyle/>
+          <a:p>
+            <a:pPr algn="r">
+              <a:lnSpc>
+                <a:spcPct val="80000"/>
+              </a:lnSpc>
+            </a:pPr>
+            <a:r>
+              <a:rPr lang="en-US" altLang="ko-KR" sz="1000" i="1" dirty="0">
+                <a:solidFill>
+                  <a:schemeClr val="bg1">
+                    <a:lumMod val="65000"/>
+                  </a:schemeClr>
+                </a:solidFill>
+                <a:latin typeface="Calibri" panose="020F0502020204030204" pitchFamily="34" charset="0"/>
+              </a:rPr>
+              <a:t>Read</a:t>
+            </a:r>
+          </a:p>
+          <a:p>
+            <a:pPr algn="r">
+              <a:lnSpc>
+                <a:spcPct val="80000"/>
+              </a:lnSpc>
+            </a:pPr>
+            <a:r>
+              <a:rPr lang="en-US" altLang="ko-KR" sz="1000" i="1" dirty="0">
+                <a:solidFill>
+                  <a:schemeClr val="bg1">
+                    <a:lumMod val="65000"/>
+                  </a:schemeClr>
+                </a:solidFill>
+                <a:latin typeface="Calibri" panose="020F0502020204030204" pitchFamily="34" charset="0"/>
+              </a:rPr>
+              <a:t>image</a:t>
+            </a:r>
+          </a:p>
+          <a:p>
+            <a:pPr algn="r">
+              <a:lnSpc>
+                <a:spcPct val="80000"/>
+              </a:lnSpc>
+            </a:pPr>
+            <a:r>
+              <a:rPr lang="en-US" altLang="ko-KR" sz="1000" i="1" dirty="0">
+                <a:solidFill>
+                  <a:schemeClr val="bg1">
+                    <a:lumMod val="65000"/>
+                  </a:schemeClr>
+                </a:solidFill>
+                <a:latin typeface="Calibri" panose="020F0502020204030204" pitchFamily="34" charset="0"/>
+              </a:rPr>
+              <a:t>from</a:t>
+            </a:r>
+          </a:p>
+          <a:p>
+            <a:pPr algn="r">
+              <a:lnSpc>
+                <a:spcPct val="80000"/>
+              </a:lnSpc>
+            </a:pPr>
+            <a:r>
+              <a:rPr lang="en-US" altLang="ko-KR" sz="1000" i="1" dirty="0">
+                <a:solidFill>
+                  <a:schemeClr val="bg1">
+                    <a:lumMod val="65000"/>
+                  </a:schemeClr>
+                </a:solidFill>
+                <a:latin typeface="Calibri" panose="020F0502020204030204" pitchFamily="34" charset="0"/>
+              </a:rPr>
+              <a:t>S3 bucket</a:t>
+            </a:r>
+            <a:endParaRPr lang="ko-KR" altLang="en-US" sz="1000" i="1" dirty="0">
+              <a:solidFill>
+                <a:schemeClr val="bg1">
+                  <a:lumMod val="65000"/>
+                </a:schemeClr>
+              </a:solidFill>
+              <a:latin typeface="Calibri" panose="020F0502020204030204" pitchFamily="34" charset="0"/>
+            </a:endParaRPr>
+          </a:p>
+        </p:txBody>
+      </p:sp>
+      <p:sp>
+        <p:nvSpPr>
+          <p:cNvPr id="129" name="Oval 128">
+            <a:extLst>
+              <a:ext uri="{FF2B5EF4-FFF2-40B4-BE49-F238E27FC236}">
+                <a16:creationId xmlns:a16="http://schemas.microsoft.com/office/drawing/2014/main" id="{492BC2B7-C148-279D-4F82-03639719B5BD}"/>
+              </a:ext>
+            </a:extLst>
+          </p:cNvPr>
+          <p:cNvSpPr/>
+          <p:nvPr/>
+        </p:nvSpPr>
+        <p:spPr>
+          <a:xfrm>
+            <a:off x="3397705" y="3621989"/>
+            <a:ext cx="83127" cy="91440"/>
+          </a:xfrm>
+          <a:prstGeom prst="ellipse">
+            <a:avLst/>
+          </a:prstGeom>
+          <a:solidFill>
+            <a:schemeClr val="accent6">
+              <a:lumMod val="75000"/>
+            </a:schemeClr>
+          </a:solidFill>
+          <a:ln>
+            <a:solidFill>
+              <a:schemeClr val="accent6">
+                <a:lumMod val="50000"/>
+              </a:schemeClr>
+            </a:solidFill>
+          </a:ln>
+        </p:spPr>
+        <p:style>
+          <a:lnRef idx="2">
+            <a:schemeClr val="accent1">
+              <a:shade val="50000"/>
+            </a:schemeClr>
+          </a:lnRef>
+          <a:fillRef idx="1">
+            <a:schemeClr val="accent1"/>
+          </a:fillRef>
+          <a:effectRef idx="0">
+            <a:schemeClr val="accent1"/>
+          </a:effectRef>
+          <a:fontRef idx="minor">
+            <a:schemeClr val="lt1"/>
+          </a:fontRef>
+        </p:style>
+        <p:txBody>
+          <a:bodyPr lIns="0" tIns="0" rIns="0" bIns="0" rtlCol="0" anchor="ctr"/>
+          <a:lstStyle/>
+          <a:p>
+            <a:pPr algn="ctr"/>
+            <a:r>
+              <a:rPr lang="en-US" sz="800" dirty="0">
+                <a:solidFill>
+                  <a:schemeClr val="bg1"/>
+                </a:solidFill>
+              </a:rPr>
+              <a:t>2</a:t>
+            </a:r>
+          </a:p>
+        </p:txBody>
+      </p:sp>
+      <p:sp>
+        <p:nvSpPr>
+          <p:cNvPr id="133" name="직사각형 256">
+            <a:extLst>
+              <a:ext uri="{FF2B5EF4-FFF2-40B4-BE49-F238E27FC236}">
+                <a16:creationId xmlns:a16="http://schemas.microsoft.com/office/drawing/2014/main" id="{D3482826-939D-53E5-835B-A05BF8EE18C6}"/>
+              </a:ext>
+            </a:extLst>
+          </p:cNvPr>
+          <p:cNvSpPr/>
+          <p:nvPr/>
+        </p:nvSpPr>
+        <p:spPr>
+          <a:xfrm>
+            <a:off x="6096000" y="3552657"/>
+            <a:ext cx="2002151" cy="126188"/>
+          </a:xfrm>
+          <a:prstGeom prst="rect">
+            <a:avLst/>
+          </a:prstGeom>
+        </p:spPr>
+        <p:txBody>
+          <a:bodyPr wrap="none" lIns="0" tIns="0" rIns="0" bIns="0">
+            <a:spAutoFit/>
+          </a:bodyPr>
+          <a:lstStyle/>
+          <a:p>
+            <a:pPr>
+              <a:lnSpc>
+                <a:spcPct val="80000"/>
+              </a:lnSpc>
+            </a:pPr>
+            <a:r>
+              <a:rPr lang="en-US" altLang="ko-KR" sz="1000" i="1" dirty="0">
+                <a:solidFill>
+                  <a:schemeClr val="bg1">
+                    <a:lumMod val="65000"/>
+                  </a:schemeClr>
+                </a:solidFill>
+                <a:latin typeface="Calibri" panose="020F0502020204030204" pitchFamily="34" charset="0"/>
+              </a:rPr>
+              <a:t>Send image for analysis to Rekognition</a:t>
+            </a:r>
+            <a:endParaRPr lang="ko-KR" altLang="en-US" sz="1000" i="1" dirty="0">
+              <a:solidFill>
+                <a:schemeClr val="bg1">
+                  <a:lumMod val="65000"/>
+                </a:schemeClr>
+              </a:solidFill>
+              <a:latin typeface="Calibri" panose="020F0502020204030204" pitchFamily="34" charset="0"/>
+            </a:endParaRPr>
+          </a:p>
+        </p:txBody>
+      </p:sp>
+      <p:sp>
+        <p:nvSpPr>
+          <p:cNvPr id="134" name="Oval 133">
+            <a:extLst>
+              <a:ext uri="{FF2B5EF4-FFF2-40B4-BE49-F238E27FC236}">
+                <a16:creationId xmlns:a16="http://schemas.microsoft.com/office/drawing/2014/main" id="{ECD4F48E-EFEB-5C25-9C56-9D0CD2CAF996}"/>
+              </a:ext>
+            </a:extLst>
+          </p:cNvPr>
+          <p:cNvSpPr/>
+          <p:nvPr/>
+        </p:nvSpPr>
+        <p:spPr>
+          <a:xfrm>
+            <a:off x="5980463" y="3559287"/>
+            <a:ext cx="83127" cy="91440"/>
+          </a:xfrm>
+          <a:prstGeom prst="ellipse">
+            <a:avLst/>
+          </a:prstGeom>
+          <a:solidFill>
+            <a:schemeClr val="accent6">
+              <a:lumMod val="75000"/>
+            </a:schemeClr>
+          </a:solidFill>
+          <a:ln>
+            <a:solidFill>
+              <a:schemeClr val="accent6">
+                <a:lumMod val="50000"/>
+              </a:schemeClr>
+            </a:solidFill>
+          </a:ln>
+        </p:spPr>
+        <p:style>
+          <a:lnRef idx="2">
+            <a:schemeClr val="accent1">
+              <a:shade val="50000"/>
+            </a:schemeClr>
+          </a:lnRef>
+          <a:fillRef idx="1">
+            <a:schemeClr val="accent1"/>
+          </a:fillRef>
+          <a:effectRef idx="0">
+            <a:schemeClr val="accent1"/>
+          </a:effectRef>
+          <a:fontRef idx="minor">
+            <a:schemeClr val="lt1"/>
+          </a:fontRef>
+        </p:style>
+        <p:txBody>
+          <a:bodyPr lIns="0" tIns="0" rIns="0" bIns="0" rtlCol="0" anchor="ctr"/>
+          <a:lstStyle/>
+          <a:p>
+            <a:pPr algn="ctr"/>
+            <a:r>
+              <a:rPr lang="en-US" sz="800" dirty="0">
+                <a:solidFill>
+                  <a:schemeClr val="bg1"/>
+                </a:solidFill>
+              </a:rPr>
+              <a:t>3</a:t>
+            </a:r>
+          </a:p>
+        </p:txBody>
+      </p:sp>
+      <p:sp>
+        <p:nvSpPr>
+          <p:cNvPr id="135" name="직사각형 256">
+            <a:extLst>
+              <a:ext uri="{FF2B5EF4-FFF2-40B4-BE49-F238E27FC236}">
+                <a16:creationId xmlns:a16="http://schemas.microsoft.com/office/drawing/2014/main" id="{848E9CC4-C05C-B0BD-5ADC-99C5F45DF963}"/>
+              </a:ext>
+            </a:extLst>
+          </p:cNvPr>
+          <p:cNvSpPr/>
+          <p:nvPr/>
+        </p:nvSpPr>
+        <p:spPr>
+          <a:xfrm>
+            <a:off x="2867981" y="4696124"/>
+            <a:ext cx="732572" cy="372410"/>
+          </a:xfrm>
+          <a:prstGeom prst="rect">
+            <a:avLst/>
+          </a:prstGeom>
+        </p:spPr>
+        <p:txBody>
+          <a:bodyPr wrap="none" lIns="0" tIns="0" rIns="0" bIns="0">
+            <a:spAutoFit/>
+          </a:bodyPr>
+          <a:lstStyle/>
+          <a:p>
+            <a:pPr algn="r">
+              <a:lnSpc>
+                <a:spcPct val="80000"/>
+              </a:lnSpc>
+            </a:pPr>
+            <a:r>
+              <a:rPr lang="en-US" altLang="ko-KR" sz="1000" i="1" dirty="0">
+                <a:solidFill>
+                  <a:schemeClr val="bg1">
+                    <a:lumMod val="65000"/>
+                  </a:schemeClr>
+                </a:solidFill>
+                <a:latin typeface="Calibri" panose="020F0502020204030204" pitchFamily="34" charset="0"/>
+              </a:rPr>
+              <a:t>Store </a:t>
+            </a:r>
+          </a:p>
+          <a:p>
+            <a:pPr algn="r">
+              <a:lnSpc>
+                <a:spcPct val="80000"/>
+              </a:lnSpc>
+            </a:pPr>
+            <a:r>
+              <a:rPr lang="en-US" altLang="ko-KR" sz="1000" i="1" dirty="0">
+                <a:solidFill>
+                  <a:schemeClr val="bg1">
+                    <a:lumMod val="65000"/>
+                  </a:schemeClr>
+                </a:solidFill>
+                <a:latin typeface="Calibri" panose="020F0502020204030204" pitchFamily="34" charset="0"/>
+              </a:rPr>
+              <a:t>analysis result</a:t>
+            </a:r>
+          </a:p>
+          <a:p>
+            <a:pPr algn="r">
+              <a:lnSpc>
+                <a:spcPct val="80000"/>
+              </a:lnSpc>
+            </a:pPr>
+            <a:r>
+              <a:rPr lang="en-US" altLang="ko-KR" sz="1000" i="1" dirty="0">
+                <a:solidFill>
+                  <a:schemeClr val="bg1">
+                    <a:lumMod val="65000"/>
+                  </a:schemeClr>
+                </a:solidFill>
+                <a:latin typeface="Calibri" panose="020F0502020204030204" pitchFamily="34" charset="0"/>
+              </a:rPr>
+              <a:t>in JSON of S3</a:t>
+            </a:r>
+            <a:endParaRPr lang="ko-KR" altLang="en-US" sz="1000" i="1" dirty="0">
+              <a:solidFill>
+                <a:schemeClr val="bg1">
+                  <a:lumMod val="65000"/>
+                </a:schemeClr>
+              </a:solidFill>
+              <a:latin typeface="Calibri" panose="020F0502020204030204" pitchFamily="34" charset="0"/>
+            </a:endParaRPr>
+          </a:p>
+        </p:txBody>
+      </p:sp>
+      <p:sp>
+        <p:nvSpPr>
+          <p:cNvPr id="136" name="Oval 135">
+            <a:extLst>
+              <a:ext uri="{FF2B5EF4-FFF2-40B4-BE49-F238E27FC236}">
+                <a16:creationId xmlns:a16="http://schemas.microsoft.com/office/drawing/2014/main" id="{ACF740DA-265B-6F3F-8AEA-3CF2BF0D786F}"/>
+              </a:ext>
+            </a:extLst>
+          </p:cNvPr>
+          <p:cNvSpPr/>
+          <p:nvPr/>
+        </p:nvSpPr>
+        <p:spPr>
+          <a:xfrm>
+            <a:off x="3588850" y="5022003"/>
+            <a:ext cx="83127" cy="91440"/>
+          </a:xfrm>
+          <a:prstGeom prst="ellipse">
+            <a:avLst/>
+          </a:prstGeom>
+          <a:solidFill>
+            <a:schemeClr val="accent6">
+              <a:lumMod val="75000"/>
+            </a:schemeClr>
+          </a:solidFill>
+          <a:ln>
+            <a:solidFill>
+              <a:schemeClr val="accent6">
+                <a:lumMod val="50000"/>
+              </a:schemeClr>
+            </a:solidFill>
+          </a:ln>
+        </p:spPr>
+        <p:style>
+          <a:lnRef idx="2">
+            <a:schemeClr val="accent1">
+              <a:shade val="50000"/>
+            </a:schemeClr>
+          </a:lnRef>
+          <a:fillRef idx="1">
+            <a:schemeClr val="accent1"/>
+          </a:fillRef>
+          <a:effectRef idx="0">
+            <a:schemeClr val="accent1"/>
+          </a:effectRef>
+          <a:fontRef idx="minor">
+            <a:schemeClr val="lt1"/>
+          </a:fontRef>
+        </p:style>
+        <p:txBody>
+          <a:bodyPr lIns="0" tIns="0" rIns="0" bIns="0" rtlCol="0" anchor="ctr"/>
+          <a:lstStyle/>
+          <a:p>
+            <a:pPr algn="ctr"/>
+            <a:r>
+              <a:rPr lang="en-US" sz="800" dirty="0">
+                <a:solidFill>
+                  <a:schemeClr val="bg1"/>
+                </a:solidFill>
+              </a:rPr>
+              <a:t>4</a:t>
+            </a:r>
+          </a:p>
+        </p:txBody>
+      </p:sp>
+      <p:sp>
+        <p:nvSpPr>
+          <p:cNvPr id="137" name="Oval 136">
+            <a:extLst>
+              <a:ext uri="{FF2B5EF4-FFF2-40B4-BE49-F238E27FC236}">
+                <a16:creationId xmlns:a16="http://schemas.microsoft.com/office/drawing/2014/main" id="{926CA22C-BC29-12E0-F603-436CB8041B57}"/>
+              </a:ext>
+            </a:extLst>
+          </p:cNvPr>
+          <p:cNvSpPr/>
+          <p:nvPr/>
+        </p:nvSpPr>
+        <p:spPr>
+          <a:xfrm>
+            <a:off x="5017491" y="5298417"/>
+            <a:ext cx="83127" cy="91440"/>
+          </a:xfrm>
+          <a:prstGeom prst="ellipse">
+            <a:avLst/>
+          </a:prstGeom>
+          <a:solidFill>
+            <a:schemeClr val="accent6">
+              <a:lumMod val="75000"/>
+            </a:schemeClr>
+          </a:solidFill>
+          <a:ln>
+            <a:solidFill>
+              <a:schemeClr val="accent6">
+                <a:lumMod val="50000"/>
+              </a:schemeClr>
+            </a:solidFill>
+          </a:ln>
+        </p:spPr>
+        <p:style>
+          <a:lnRef idx="2">
+            <a:schemeClr val="accent1">
+              <a:shade val="50000"/>
+            </a:schemeClr>
+          </a:lnRef>
+          <a:fillRef idx="1">
+            <a:schemeClr val="accent1"/>
+          </a:fillRef>
+          <a:effectRef idx="0">
+            <a:schemeClr val="accent1"/>
+          </a:effectRef>
+          <a:fontRef idx="minor">
+            <a:schemeClr val="lt1"/>
+          </a:fontRef>
+        </p:style>
+        <p:txBody>
+          <a:bodyPr lIns="0" tIns="0" rIns="0" bIns="0" rtlCol="0" anchor="ctr"/>
+          <a:lstStyle/>
+          <a:p>
+            <a:pPr algn="ctr"/>
+            <a:r>
+              <a:rPr lang="en-US" sz="800" dirty="0">
+                <a:solidFill>
+                  <a:schemeClr val="bg1"/>
+                </a:solidFill>
+              </a:rPr>
+              <a:t>5</a:t>
+            </a:r>
+          </a:p>
+        </p:txBody>
+      </p:sp>
+      <p:sp>
+        <p:nvSpPr>
+          <p:cNvPr id="139" name="직사각형 256">
+            <a:extLst>
+              <a:ext uri="{FF2B5EF4-FFF2-40B4-BE49-F238E27FC236}">
+                <a16:creationId xmlns:a16="http://schemas.microsoft.com/office/drawing/2014/main" id="{07B33140-14B8-02DB-6CD5-5441979CE2DC}"/>
+              </a:ext>
+            </a:extLst>
+          </p:cNvPr>
+          <p:cNvSpPr/>
+          <p:nvPr/>
+        </p:nvSpPr>
+        <p:spPr>
+          <a:xfrm>
+            <a:off x="3909786" y="5281314"/>
+            <a:ext cx="1082026" cy="249299"/>
+          </a:xfrm>
+          <a:prstGeom prst="rect">
+            <a:avLst/>
+          </a:prstGeom>
+        </p:spPr>
+        <p:txBody>
+          <a:bodyPr wrap="none" lIns="0" tIns="0" rIns="0" bIns="0">
+            <a:spAutoFit/>
+          </a:bodyPr>
+          <a:lstStyle/>
+          <a:p>
+            <a:pPr algn="r">
+              <a:lnSpc>
+                <a:spcPct val="80000"/>
+              </a:lnSpc>
+            </a:pPr>
+            <a:r>
+              <a:rPr lang="en-US" altLang="ko-KR" sz="1000" i="1" dirty="0">
+                <a:solidFill>
+                  <a:schemeClr val="bg1">
+                    <a:lumMod val="65000"/>
+                  </a:schemeClr>
+                </a:solidFill>
+                <a:latin typeface="Calibri" panose="020F0502020204030204" pitchFamily="34" charset="0"/>
+              </a:rPr>
+              <a:t>Store word cloud list </a:t>
+            </a:r>
+          </a:p>
+          <a:p>
+            <a:pPr algn="r">
+              <a:lnSpc>
+                <a:spcPct val="80000"/>
+              </a:lnSpc>
+            </a:pPr>
+            <a:r>
+              <a:rPr lang="en-US" altLang="ko-KR" sz="1000" i="1" dirty="0">
+                <a:solidFill>
+                  <a:schemeClr val="bg1">
+                    <a:lumMod val="65000"/>
+                  </a:schemeClr>
+                </a:solidFill>
+                <a:latin typeface="Calibri" panose="020F0502020204030204" pitchFamily="34" charset="0"/>
+              </a:rPr>
+              <a:t>in JSON of S3</a:t>
+            </a:r>
+            <a:endParaRPr lang="ko-KR" altLang="en-US" sz="1000" i="1" dirty="0">
+              <a:solidFill>
+                <a:schemeClr val="bg1">
+                  <a:lumMod val="65000"/>
+                </a:schemeClr>
+              </a:solidFill>
+              <a:latin typeface="Calibri" panose="020F0502020204030204" pitchFamily="34" charset="0"/>
+            </a:endParaRPr>
+          </a:p>
+        </p:txBody>
+      </p:sp>
+    </p:spTree>
+    <p:extLst>
+      <p:ext uri="{BB962C8B-B14F-4D97-AF65-F5344CB8AC3E}">
+        <p14:creationId xmlns:p14="http://schemas.microsoft.com/office/powerpoint/2010/main" val="4045809526"/>
+      </p:ext>
+    </p:extLst>
+  </p:cSld>
+  <p:clrMapOvr>
+    <a:masterClrMapping/>
+  </p:clrMapOvr>
+</p:sld>
+</file>
+
+<file path=ppt/slides/slide8.xml><?xml version="1.0" encoding="utf-8"?>
+<p:sld xmlns:a="http://schemas.openxmlformats.org/drawingml/2006/main" xmlns:r="http://schemas.openxmlformats.org/officeDocument/2006/relationships" xmlns:p="http://schemas.openxmlformats.org/presentationml/2006/main">
+  <p:cSld>
+    <p:spTree>
+      <p:nvGrpSpPr>
+        <p:cNvPr id="1" name=""/>
+        <p:cNvGrpSpPr/>
+        <p:nvPr/>
+      </p:nvGrpSpPr>
+      <p:grpSpPr>
+        <a:xfrm>
+          <a:off x="0" y="0"/>
+          <a:ext cx="0" cy="0"/>
+          <a:chOff x="0" y="0"/>
+          <a:chExt cx="0" cy="0"/>
+        </a:xfrm>
+      </p:grpSpPr>
+      <p:grpSp>
+        <p:nvGrpSpPr>
+          <p:cNvPr id="140" name="Group 68">
+            <a:extLst>
+              <a:ext uri="{FF2B5EF4-FFF2-40B4-BE49-F238E27FC236}">
+                <a16:creationId xmlns:a16="http://schemas.microsoft.com/office/drawing/2014/main" id="{E6E9EB85-5F50-A247-8D51-A8AEC36C513A}"/>
+              </a:ext>
+            </a:extLst>
+          </p:cNvPr>
+          <p:cNvGrpSpPr>
+            <a:grpSpLocks/>
+          </p:cNvGrpSpPr>
+          <p:nvPr/>
+        </p:nvGrpSpPr>
+        <p:grpSpPr bwMode="auto">
+          <a:xfrm>
+            <a:off x="335323" y="289684"/>
+            <a:ext cx="11300844" cy="341313"/>
+            <a:chOff x="4147" y="1705"/>
+            <a:chExt cx="5009" cy="215"/>
+          </a:xfrm>
+        </p:grpSpPr>
+        <p:grpSp>
+          <p:nvGrpSpPr>
+            <p:cNvPr id="141" name="Group 69">
+              <a:extLst>
+                <a:ext uri="{FF2B5EF4-FFF2-40B4-BE49-F238E27FC236}">
+                  <a16:creationId xmlns:a16="http://schemas.microsoft.com/office/drawing/2014/main" id="{11871302-BCEA-FE09-774C-DE56B323E1D3}"/>
+                </a:ext>
+              </a:extLst>
+            </p:cNvPr>
+            <p:cNvGrpSpPr>
+              <a:grpSpLocks/>
+            </p:cNvGrpSpPr>
+            <p:nvPr/>
+          </p:nvGrpSpPr>
+          <p:grpSpPr bwMode="auto">
+            <a:xfrm rot="10800000">
+              <a:off x="4228" y="1775"/>
+              <a:ext cx="84" cy="78"/>
+              <a:chOff x="1241" y="1874"/>
+              <a:chExt cx="193" cy="126"/>
+            </a:xfrm>
+          </p:grpSpPr>
+          <p:pic>
+            <p:nvPicPr>
+              <p:cNvPr id="147" name="Picture 70" descr="화살표-3_1">
+                <a:extLst>
+                  <a:ext uri="{FF2B5EF4-FFF2-40B4-BE49-F238E27FC236}">
+                    <a16:creationId xmlns:a16="http://schemas.microsoft.com/office/drawing/2014/main" id="{A58EB7F9-B211-017F-6618-39DFEF130574}"/>
+                  </a:ext>
+                </a:extLst>
+              </p:cNvPr>
+              <p:cNvPicPr>
+                <a:picLocks noChangeAspect="1" noChangeArrowheads="1"/>
+              </p:cNvPicPr>
+              <p:nvPr/>
+            </p:nvPicPr>
+            <p:blipFill>
+              <a:blip r:embed="rId2" cstate="print">
+                <a:extLst>
+                  <a:ext uri="{28A0092B-C50C-407E-A947-70E740481C1C}">
+                    <a14:useLocalDpi xmlns:a14="http://schemas.microsoft.com/office/drawing/2010/main" val="0"/>
+                  </a:ext>
+                </a:extLst>
+              </a:blip>
+              <a:srcRect/>
+              <a:stretch>
+                <a:fillRect/>
+              </a:stretch>
+            </p:blipFill>
+            <p:spPr bwMode="auto">
+              <a:xfrm>
+                <a:off x="1332" y="1874"/>
+                <a:ext cx="102" cy="126"/>
+              </a:xfrm>
+              <a:prstGeom prst="rect">
+                <a:avLst/>
+              </a:prstGeom>
+              <a:noFill/>
+              <a:extLst>
+                <a:ext uri="{909E8E84-426E-40DD-AFC4-6F175D3DCCD1}">
+                  <a14:hiddenFill xmlns:a14="http://schemas.microsoft.com/office/drawing/2010/main">
+                    <a:solidFill>
+                      <a:srgbClr val="FFFFFF"/>
+                    </a:solidFill>
+                  </a14:hiddenFill>
+                </a:ext>
+              </a:extLst>
+            </p:spPr>
+          </p:pic>
+          <p:pic>
+            <p:nvPicPr>
+              <p:cNvPr id="148" name="Picture 71" descr="화살표-3_1">
+                <a:extLst>
+                  <a:ext uri="{FF2B5EF4-FFF2-40B4-BE49-F238E27FC236}">
+                    <a16:creationId xmlns:a16="http://schemas.microsoft.com/office/drawing/2014/main" id="{74DA49ED-7E0C-2914-7AF6-AE95069A2C39}"/>
+                  </a:ext>
+                </a:extLst>
+              </p:cNvPr>
+              <p:cNvPicPr>
+                <a:picLocks noChangeAspect="1" noChangeArrowheads="1"/>
+              </p:cNvPicPr>
+              <p:nvPr/>
+            </p:nvPicPr>
+            <p:blipFill>
+              <a:blip r:embed="rId2" cstate="print">
+                <a:extLst>
+                  <a:ext uri="{28A0092B-C50C-407E-A947-70E740481C1C}">
+                    <a14:useLocalDpi xmlns:a14="http://schemas.microsoft.com/office/drawing/2010/main" val="0"/>
+                  </a:ext>
+                </a:extLst>
+              </a:blip>
+              <a:srcRect/>
+              <a:stretch>
+                <a:fillRect/>
+              </a:stretch>
+            </p:blipFill>
+            <p:spPr bwMode="auto">
+              <a:xfrm>
+                <a:off x="1241" y="1874"/>
+                <a:ext cx="102" cy="126"/>
+              </a:xfrm>
+              <a:prstGeom prst="rect">
+                <a:avLst/>
+              </a:prstGeom>
+              <a:noFill/>
+              <a:extLst>
+                <a:ext uri="{909E8E84-426E-40DD-AFC4-6F175D3DCCD1}">
+                  <a14:hiddenFill xmlns:a14="http://schemas.microsoft.com/office/drawing/2010/main">
+                    <a:solidFill>
+                      <a:srgbClr val="FFFFFF"/>
+                    </a:solidFill>
+                  </a14:hiddenFill>
+                </a:ext>
+              </a:extLst>
+            </p:spPr>
+          </p:pic>
+        </p:grpSp>
+        <p:sp>
+          <p:nvSpPr>
+            <p:cNvPr id="142" name="AutoShape 72">
+              <a:extLst>
+                <a:ext uri="{FF2B5EF4-FFF2-40B4-BE49-F238E27FC236}">
+                  <a16:creationId xmlns:a16="http://schemas.microsoft.com/office/drawing/2014/main" id="{F54513D9-430F-D4F4-DDA1-1D0B3ED6BDC7}"/>
+                </a:ext>
+              </a:extLst>
+            </p:cNvPr>
+            <p:cNvSpPr>
+              <a:spLocks noChangeArrowheads="1"/>
+            </p:cNvSpPr>
+            <p:nvPr/>
+          </p:nvSpPr>
+          <p:spPr bwMode="auto">
+            <a:xfrm>
+              <a:off x="4147" y="1705"/>
+              <a:ext cx="5009" cy="215"/>
+            </a:xfrm>
+            <a:prstGeom prst="roundRect">
+              <a:avLst>
+                <a:gd name="adj" fmla="val 0"/>
+              </a:avLst>
+            </a:prstGeom>
+            <a:gradFill rotWithShape="1">
+              <a:gsLst>
+                <a:gs pos="0">
+                  <a:srgbClr val="99D2EF"/>
+                </a:gs>
+                <a:gs pos="100000">
+                  <a:srgbClr val="99D2EF">
+                    <a:gamma/>
+                    <a:tint val="10588"/>
+                    <a:invGamma/>
+                  </a:srgbClr>
+                </a:gs>
+              </a:gsLst>
+              <a:lin ang="0" scaled="1"/>
+            </a:gradFill>
+            <a:ln>
+              <a:noFill/>
+            </a:ln>
+            <a:effectLst/>
+            <a:extLst>
+              <a:ext uri="{91240B29-F687-4F45-9708-019B960494DF}">
+                <a14:hiddenLine xmlns:a14="http://schemas.microsoft.com/office/drawing/2010/main" w="9525">
+                  <a:solidFill>
+                    <a:srgbClr val="000000"/>
+                  </a:solidFill>
+                  <a:round/>
+                  <a:headEnd/>
+                  <a:tailEnd/>
+                </a14:hiddenLine>
+              </a:ext>
+              <a:ext uri="{AF507438-7753-43E0-B8FC-AC1667EBCBE1}">
+                <a14:hiddenEffects xmlns:a14="http://schemas.microsoft.com/office/drawing/2010/main">
+                  <a:effectLst>
+                    <a:outerShdw dist="35921" dir="2700000" algn="ctr" rotWithShape="0">
+                      <a:schemeClr val="bg2"/>
+                    </a:outerShdw>
+                  </a:effectLst>
+                </a14:hiddenEffects>
+              </a:ext>
+            </a:extLst>
+          </p:spPr>
+          <p:txBody>
+            <a:bodyPr wrap="square" lIns="288000" tIns="46800" rIns="252000" bIns="46800" anchor="ctr">
+              <a:spAutoFit/>
+            </a:bodyPr>
+            <a:lstStyle/>
+            <a:p>
+              <a:pPr fontAlgn="base" latinLnBrk="0">
+                <a:spcBef>
+                  <a:spcPct val="0"/>
+                </a:spcBef>
+                <a:spcAft>
+                  <a:spcPct val="0"/>
+                </a:spcAft>
+              </a:pPr>
+              <a:r>
+                <a:rPr kumimoji="1" lang="en-US" altLang="ko-KR" sz="1600">
+                  <a:solidFill>
+                    <a:srgbClr val="000000"/>
+                  </a:solidFill>
+                  <a:effectLst>
+                    <a:outerShdw blurRad="38100" dist="38100" dir="2700000" algn="tl">
+                      <a:srgbClr val="FFFFFF"/>
+                    </a:outerShdw>
+                  </a:effectLst>
+                  <a:latin typeface="Verdana" panose="020B0604030504040204" pitchFamily="34" charset="0"/>
+                  <a:ea typeface="Verdana" panose="020B0604030504040204" pitchFamily="34" charset="0"/>
+                  <a:cs typeface="Verdana" panose="020B0604030504040204" pitchFamily="34" charset="0"/>
+                </a:rPr>
+                <a:t> </a:t>
+              </a:r>
+              <a:endParaRPr kumimoji="1" lang="en-US" altLang="ko-KR" sz="1600" b="1">
+                <a:solidFill>
+                  <a:srgbClr val="000000"/>
+                </a:solidFill>
+                <a:effectLst>
+                  <a:outerShdw blurRad="38100" dist="38100" dir="2700000" algn="tl">
+                    <a:srgbClr val="FFFFFF"/>
+                  </a:outerShdw>
+                </a:effectLst>
+                <a:latin typeface="Verdana" panose="020B0604030504040204" pitchFamily="34" charset="0"/>
+                <a:ea typeface="Verdana" panose="020B0604030504040204" pitchFamily="34" charset="0"/>
+                <a:cs typeface="Verdana" panose="020B0604030504040204" pitchFamily="34" charset="0"/>
+              </a:endParaRPr>
+            </a:p>
+          </p:txBody>
+        </p:sp>
+        <p:grpSp>
+          <p:nvGrpSpPr>
+            <p:cNvPr id="143" name="Group 73">
+              <a:extLst>
+                <a:ext uri="{FF2B5EF4-FFF2-40B4-BE49-F238E27FC236}">
+                  <a16:creationId xmlns:a16="http://schemas.microsoft.com/office/drawing/2014/main" id="{92CC5844-5E14-0FED-186F-2FB370A46784}"/>
+                </a:ext>
+              </a:extLst>
+            </p:cNvPr>
+            <p:cNvGrpSpPr>
+              <a:grpSpLocks/>
+            </p:cNvGrpSpPr>
+            <p:nvPr/>
+          </p:nvGrpSpPr>
+          <p:grpSpPr bwMode="auto">
+            <a:xfrm>
+              <a:off x="4206" y="1771"/>
+              <a:ext cx="87" cy="78"/>
+              <a:chOff x="1236" y="1874"/>
+              <a:chExt cx="182" cy="126"/>
+            </a:xfrm>
+          </p:grpSpPr>
+          <p:pic>
+            <p:nvPicPr>
+              <p:cNvPr id="145" name="Picture 74" descr="화살표-3_1">
+                <a:extLst>
+                  <a:ext uri="{FF2B5EF4-FFF2-40B4-BE49-F238E27FC236}">
+                    <a16:creationId xmlns:a16="http://schemas.microsoft.com/office/drawing/2014/main" id="{95F45DC2-4A8D-A1AE-E794-218E0D18FB3A}"/>
+                  </a:ext>
+                </a:extLst>
+              </p:cNvPr>
+              <p:cNvPicPr>
+                <a:picLocks noChangeAspect="1" noChangeArrowheads="1"/>
+              </p:cNvPicPr>
+              <p:nvPr/>
+            </p:nvPicPr>
+            <p:blipFill>
+              <a:blip r:embed="rId3" cstate="print">
+                <a:extLst>
+                  <a:ext uri="{28A0092B-C50C-407E-A947-70E740481C1C}">
+                    <a14:useLocalDpi xmlns:a14="http://schemas.microsoft.com/office/drawing/2010/main" val="0"/>
+                  </a:ext>
+                </a:extLst>
+              </a:blip>
+              <a:srcRect/>
+              <a:stretch>
+                <a:fillRect/>
+              </a:stretch>
+            </p:blipFill>
+            <p:spPr bwMode="auto">
+              <a:xfrm>
+                <a:off x="1316" y="1874"/>
+                <a:ext cx="102" cy="126"/>
+              </a:xfrm>
+              <a:prstGeom prst="rect">
+                <a:avLst/>
+              </a:prstGeom>
+              <a:noFill/>
+              <a:extLst>
+                <a:ext uri="{909E8E84-426E-40DD-AFC4-6F175D3DCCD1}">
+                  <a14:hiddenFill xmlns:a14="http://schemas.microsoft.com/office/drawing/2010/main">
+                    <a:solidFill>
+                      <a:srgbClr val="FFFFFF"/>
+                    </a:solidFill>
+                  </a14:hiddenFill>
+                </a:ext>
+              </a:extLst>
+            </p:spPr>
+          </p:pic>
+          <p:pic>
+            <p:nvPicPr>
+              <p:cNvPr id="146" name="Picture 75" descr="화살표-3_1">
+                <a:extLst>
+                  <a:ext uri="{FF2B5EF4-FFF2-40B4-BE49-F238E27FC236}">
+                    <a16:creationId xmlns:a16="http://schemas.microsoft.com/office/drawing/2014/main" id="{B727DBD6-573B-16F2-CC19-017ECA57CCC8}"/>
+                  </a:ext>
+                </a:extLst>
+              </p:cNvPr>
+              <p:cNvPicPr>
+                <a:picLocks noChangeAspect="1" noChangeArrowheads="1"/>
+              </p:cNvPicPr>
+              <p:nvPr/>
+            </p:nvPicPr>
+            <p:blipFill>
+              <a:blip r:embed="rId3" cstate="print">
+                <a:extLst>
+                  <a:ext uri="{28A0092B-C50C-407E-A947-70E740481C1C}">
+                    <a14:useLocalDpi xmlns:a14="http://schemas.microsoft.com/office/drawing/2010/main" val="0"/>
+                  </a:ext>
+                </a:extLst>
+              </a:blip>
+              <a:srcRect/>
+              <a:stretch>
+                <a:fillRect/>
+              </a:stretch>
+            </p:blipFill>
+            <p:spPr bwMode="auto">
+              <a:xfrm>
+                <a:off x="1236" y="1874"/>
+                <a:ext cx="102" cy="126"/>
+              </a:xfrm>
+              <a:prstGeom prst="rect">
+                <a:avLst/>
+              </a:prstGeom>
+              <a:noFill/>
+              <a:extLst>
+                <a:ext uri="{909E8E84-426E-40DD-AFC4-6F175D3DCCD1}">
+                  <a14:hiddenFill xmlns:a14="http://schemas.microsoft.com/office/drawing/2010/main">
+                    <a:solidFill>
+                      <a:srgbClr val="FFFFFF"/>
+                    </a:solidFill>
+                  </a14:hiddenFill>
+                </a:ext>
+              </a:extLst>
+            </p:spPr>
+          </p:pic>
+        </p:grpSp>
+        <p:sp>
+          <p:nvSpPr>
+            <p:cNvPr id="144" name="Rectangle 76">
+              <a:extLst>
+                <a:ext uri="{FF2B5EF4-FFF2-40B4-BE49-F238E27FC236}">
+                  <a16:creationId xmlns:a16="http://schemas.microsoft.com/office/drawing/2014/main" id="{F4E990B3-1FE9-8080-FAEE-0A636F44BFE9}"/>
+                </a:ext>
+              </a:extLst>
+            </p:cNvPr>
+            <p:cNvSpPr>
+              <a:spLocks noChangeArrowheads="1"/>
+            </p:cNvSpPr>
+            <p:nvPr/>
+          </p:nvSpPr>
+          <p:spPr bwMode="auto">
+            <a:xfrm>
+              <a:off x="4376" y="1726"/>
+              <a:ext cx="981" cy="155"/>
+            </a:xfrm>
+            <a:prstGeom prst="rect">
+              <a:avLst/>
+            </a:prstGeom>
+            <a:noFill/>
+            <a:ln>
+              <a:noFill/>
+            </a:ln>
+            <a:effectLst>
+              <a:prstShdw prst="shdw17" dist="52363" dir="842175">
+                <a:srgbClr val="FF0000"/>
+              </a:prstShdw>
+            </a:effectLst>
+            <a:extLst>
+              <a:ext uri="{909E8E84-426E-40DD-AFC4-6F175D3DCCD1}">
+                <a14:hiddenFill xmlns:a14="http://schemas.microsoft.com/office/drawing/2010/main">
+                  <a:solidFill>
+                    <a:srgbClr val="EAEAEA"/>
+                  </a:solidFill>
+                </a14:hiddenFill>
+              </a:ext>
+              <a:ext uri="{91240B29-F687-4F45-9708-019B960494DF}">
+                <a14:hiddenLine xmlns:a14="http://schemas.microsoft.com/office/drawing/2010/main" w="9525" algn="ctr">
+                  <a:solidFill>
+                    <a:srgbClr val="C0C0C0"/>
+                  </a:solidFill>
+                  <a:miter lim="800000"/>
+                  <a:headEnd/>
+                  <a:tailEnd/>
+                </a14:hiddenLine>
+              </a:ext>
+            </a:extLst>
+          </p:spPr>
+          <p:txBody>
+            <a:bodyPr wrap="none" lIns="0" tIns="0" rIns="0" bIns="0">
+              <a:spAutoFit/>
+            </a:bodyPr>
+            <a:lstStyle>
+              <a:lvl1pPr marL="342900" indent="-342900" algn="l">
+                <a:spcBef>
+                  <a:spcPct val="0"/>
+                </a:spcBef>
+                <a:defRPr kumimoji="1">
+                  <a:solidFill>
+                    <a:schemeClr val="tx1"/>
+                  </a:solidFill>
+                  <a:latin typeface="굴림" charset="-127"/>
+                  <a:ea typeface="굴림" charset="-127"/>
+                </a:defRPr>
+              </a:lvl1pPr>
+              <a:lvl2pPr algn="l">
+                <a:spcBef>
+                  <a:spcPct val="0"/>
+                </a:spcBef>
+                <a:defRPr kumimoji="1">
+                  <a:solidFill>
+                    <a:schemeClr val="tx1"/>
+                  </a:solidFill>
+                  <a:latin typeface="굴림" charset="-127"/>
+                  <a:ea typeface="굴림" charset="-127"/>
+                </a:defRPr>
+              </a:lvl2pPr>
+              <a:lvl3pPr algn="l">
+                <a:spcBef>
+                  <a:spcPct val="0"/>
+                </a:spcBef>
+                <a:defRPr kumimoji="1">
+                  <a:solidFill>
+                    <a:schemeClr val="tx1"/>
+                  </a:solidFill>
+                  <a:latin typeface="굴림" charset="-127"/>
+                  <a:ea typeface="굴림" charset="-127"/>
+                </a:defRPr>
+              </a:lvl3pPr>
+              <a:lvl4pPr algn="l">
+                <a:spcBef>
+                  <a:spcPct val="0"/>
+                </a:spcBef>
+                <a:defRPr kumimoji="1">
+                  <a:solidFill>
+                    <a:schemeClr val="tx1"/>
+                  </a:solidFill>
+                  <a:latin typeface="굴림" charset="-127"/>
+                  <a:ea typeface="굴림" charset="-127"/>
+                </a:defRPr>
+              </a:lvl4pPr>
+              <a:lvl5pPr algn="l">
+                <a:spcBef>
+                  <a:spcPct val="0"/>
+                </a:spcBef>
+                <a:defRPr kumimoji="1">
+                  <a:solidFill>
+                    <a:schemeClr val="tx1"/>
+                  </a:solidFill>
+                  <a:latin typeface="굴림" charset="-127"/>
+                  <a:ea typeface="굴림" charset="-127"/>
+                </a:defRPr>
+              </a:lvl5pPr>
+              <a:lvl6pPr fontAlgn="base" latinLnBrk="1">
+                <a:spcBef>
+                  <a:spcPct val="0"/>
+                </a:spcBef>
+                <a:spcAft>
+                  <a:spcPct val="0"/>
+                </a:spcAft>
+                <a:defRPr kumimoji="1">
+                  <a:solidFill>
+                    <a:schemeClr val="tx1"/>
+                  </a:solidFill>
+                  <a:latin typeface="굴림" charset="-127"/>
+                  <a:ea typeface="굴림" charset="-127"/>
+                </a:defRPr>
+              </a:lvl6pPr>
+              <a:lvl7pPr fontAlgn="base" latinLnBrk="1">
+                <a:spcBef>
+                  <a:spcPct val="0"/>
+                </a:spcBef>
+                <a:spcAft>
+                  <a:spcPct val="0"/>
+                </a:spcAft>
+                <a:defRPr kumimoji="1">
+                  <a:solidFill>
+                    <a:schemeClr val="tx1"/>
+                  </a:solidFill>
+                  <a:latin typeface="굴림" charset="-127"/>
+                  <a:ea typeface="굴림" charset="-127"/>
+                </a:defRPr>
+              </a:lvl7pPr>
+              <a:lvl8pPr fontAlgn="base" latinLnBrk="1">
+                <a:spcBef>
+                  <a:spcPct val="0"/>
+                </a:spcBef>
+                <a:spcAft>
+                  <a:spcPct val="0"/>
+                </a:spcAft>
+                <a:defRPr kumimoji="1">
+                  <a:solidFill>
+                    <a:schemeClr val="tx1"/>
+                  </a:solidFill>
+                  <a:latin typeface="굴림" charset="-127"/>
+                  <a:ea typeface="굴림" charset="-127"/>
+                </a:defRPr>
+              </a:lvl8pPr>
+              <a:lvl9pPr fontAlgn="base" latinLnBrk="1">
+                <a:spcBef>
+                  <a:spcPct val="0"/>
+                </a:spcBef>
+                <a:spcAft>
+                  <a:spcPct val="0"/>
+                </a:spcAft>
+                <a:defRPr kumimoji="1">
+                  <a:solidFill>
+                    <a:schemeClr val="tx1"/>
+                  </a:solidFill>
+                  <a:latin typeface="굴림" charset="-127"/>
+                  <a:ea typeface="굴림" charset="-127"/>
+                </a:defRPr>
+              </a:lvl9pPr>
+            </a:lstStyle>
+            <a:p>
+              <a:pPr fontAlgn="base">
+                <a:spcBef>
+                  <a:spcPct val="50000"/>
+                </a:spcBef>
+                <a:spcAft>
+                  <a:spcPct val="0"/>
+                </a:spcAft>
+                <a:buFont typeface="Wingdings" pitchFamily="2" charset="2"/>
+                <a:buNone/>
+              </a:pPr>
+              <a:r>
+                <a:rPr lang="en-US" altLang="ko-KR" sz="1600" dirty="0">
+                  <a:solidFill>
+                    <a:srgbClr val="000000"/>
+                  </a:solidFill>
+                  <a:effectLst>
+                    <a:outerShdw blurRad="38100" dist="38100" dir="2700000" algn="tl">
+                      <a:srgbClr val="C0C0C0"/>
+                    </a:outerShdw>
+                  </a:effectLst>
+                  <a:latin typeface="Verdana" panose="020B0604030504040204" pitchFamily="34" charset="0"/>
+                  <a:ea typeface="Verdana" panose="020B0604030504040204" pitchFamily="34" charset="0"/>
+                  <a:cs typeface="Verdana" panose="020B0604030504040204" pitchFamily="34" charset="0"/>
+                </a:rPr>
+                <a:t>Serverless UI Service</a:t>
+              </a:r>
+              <a:endParaRPr lang="ko-KR" altLang="en-US" sz="1600" dirty="0">
+                <a:solidFill>
+                  <a:srgbClr val="000000"/>
+                </a:solidFill>
+                <a:effectLst>
+                  <a:outerShdw blurRad="38100" dist="38100" dir="2700000" algn="tl">
+                    <a:srgbClr val="C0C0C0"/>
+                  </a:outerShdw>
+                </a:effectLst>
+                <a:latin typeface="Verdana" panose="020B0604030504040204" pitchFamily="34" charset="0"/>
+                <a:ea typeface="HY견고딕" pitchFamily="18" charset="-127"/>
+                <a:cs typeface="Verdana" panose="020B0604030504040204" pitchFamily="34" charset="0"/>
+              </a:endParaRPr>
+            </a:p>
+          </p:txBody>
+        </p:sp>
+      </p:grpSp>
+      <p:sp>
+        <p:nvSpPr>
+          <p:cNvPr id="3" name="직사각형 363">
+            <a:extLst>
+              <a:ext uri="{FF2B5EF4-FFF2-40B4-BE49-F238E27FC236}">
+                <a16:creationId xmlns:a16="http://schemas.microsoft.com/office/drawing/2014/main" id="{35B8564C-DBD7-7A8F-5F0D-0B474A211CB4}"/>
+              </a:ext>
+            </a:extLst>
+          </p:cNvPr>
+          <p:cNvSpPr/>
+          <p:nvPr/>
+        </p:nvSpPr>
+        <p:spPr>
+          <a:xfrm rot="16200000">
+            <a:off x="5436669" y="1376903"/>
+            <a:ext cx="1318661" cy="4551770"/>
+          </a:xfrm>
+          <a:prstGeom prst="rect">
+            <a:avLst/>
+          </a:prstGeom>
+          <a:noFill/>
+          <a:ln w="25400" cap="flat" cmpd="sng" algn="ctr">
+            <a:solidFill>
+              <a:schemeClr val="accent6"/>
+            </a:solidFill>
+            <a:prstDash val="solid"/>
+            <a:miter lim="800000"/>
+          </a:ln>
+          <a:effectLst/>
+        </p:spPr>
+        <p:txBody>
+          <a:bodyPr vert="vert" lIns="0" tIns="0" rIns="0" bIns="0" rtlCol="0" anchor="t" anchorCtr="0"/>
+          <a:lstStyle/>
+          <a:p>
+            <a:pPr algn="ctr">
+              <a:lnSpc>
+                <a:spcPct val="80000"/>
+              </a:lnSpc>
+            </a:pPr>
+            <a:endParaRPr lang="en-US" altLang="ko-KR" sz="1200" kern="0" dirty="0">
+              <a:solidFill>
+                <a:schemeClr val="bg1">
+                  <a:lumMod val="65000"/>
+                </a:schemeClr>
+              </a:solidFill>
+              <a:latin typeface="Calibri" panose="020F0502020204030204" pitchFamily="34" charset="0"/>
+              <a:ea typeface="맑은 고딕"/>
+            </a:endParaRPr>
+          </a:p>
+          <a:p>
+            <a:pPr algn="ctr">
+              <a:lnSpc>
+                <a:spcPct val="80000"/>
+              </a:lnSpc>
+            </a:pPr>
+            <a:r>
+              <a:rPr lang="en-US" altLang="ko-KR" sz="1200" kern="0" dirty="0">
+                <a:latin typeface="Calibri" panose="020F0502020204030204" pitchFamily="34" charset="0"/>
+                <a:ea typeface="맑은 고딕"/>
+              </a:rPr>
+              <a:t>UI Service</a:t>
+            </a:r>
+            <a:endParaRPr lang="ko-KR" altLang="en-US" sz="1200" kern="0" dirty="0">
+              <a:latin typeface="Calibri" panose="020F0502020204030204" pitchFamily="34" charset="0"/>
+              <a:ea typeface="맑은 고딕"/>
+            </a:endParaRPr>
+          </a:p>
+        </p:txBody>
+      </p:sp>
+      <p:sp>
+        <p:nvSpPr>
+          <p:cNvPr id="5" name="직사각형 363">
+            <a:extLst>
+              <a:ext uri="{FF2B5EF4-FFF2-40B4-BE49-F238E27FC236}">
+                <a16:creationId xmlns:a16="http://schemas.microsoft.com/office/drawing/2014/main" id="{79D0BA44-C93A-FCA8-9C7D-D949BB1F4CA9}"/>
+              </a:ext>
+            </a:extLst>
+          </p:cNvPr>
+          <p:cNvSpPr/>
+          <p:nvPr/>
+        </p:nvSpPr>
+        <p:spPr>
+          <a:xfrm rot="16200000">
+            <a:off x="4586186" y="3259655"/>
+            <a:ext cx="341314" cy="1154908"/>
+          </a:xfrm>
+          <a:prstGeom prst="rect">
+            <a:avLst/>
+          </a:prstGeom>
+          <a:noFill/>
+          <a:ln w="3175" cap="flat" cmpd="sng" algn="ctr">
+            <a:solidFill>
+              <a:schemeClr val="tx1">
+                <a:lumMod val="50000"/>
+                <a:lumOff val="50000"/>
+              </a:schemeClr>
+            </a:solidFill>
+            <a:prstDash val="dash"/>
+            <a:miter lim="800000"/>
+          </a:ln>
+          <a:effectLst/>
+        </p:spPr>
+        <p:txBody>
+          <a:bodyPr vert="vert" lIns="0" tIns="0" rIns="0" bIns="0" rtlCol="0" anchor="ctr"/>
+          <a:lstStyle/>
+          <a:p>
+            <a:pPr algn="ctr">
+              <a:lnSpc>
+                <a:spcPct val="80000"/>
+              </a:lnSpc>
+            </a:pPr>
+            <a:r>
+              <a:rPr lang="en-US" altLang="ko-KR" sz="1200" kern="0" dirty="0">
+                <a:latin typeface="Calibri" panose="020F0502020204030204" pitchFamily="34" charset="0"/>
+                <a:ea typeface="맑은 고딕"/>
+              </a:rPr>
+              <a:t>/</a:t>
+            </a:r>
+            <a:r>
+              <a:rPr lang="en-US" altLang="ko-KR" sz="1200" kern="0" dirty="0" err="1">
+                <a:latin typeface="Calibri" panose="020F0502020204030204" pitchFamily="34" charset="0"/>
+                <a:ea typeface="맑은 고딕"/>
+              </a:rPr>
+              <a:t>urls</a:t>
+            </a:r>
+            <a:endParaRPr lang="ko-KR" altLang="en-US" sz="1200" kern="0" dirty="0">
+              <a:latin typeface="Calibri" panose="020F0502020204030204" pitchFamily="34" charset="0"/>
+              <a:ea typeface="맑은 고딕"/>
+            </a:endParaRPr>
+          </a:p>
+        </p:txBody>
+      </p:sp>
+      <p:pic>
+        <p:nvPicPr>
+          <p:cNvPr id="305" name="Picture 304" descr="Image result for AWS Lambda">
+            <a:extLst>
+              <a:ext uri="{FF2B5EF4-FFF2-40B4-BE49-F238E27FC236}">
+                <a16:creationId xmlns:a16="http://schemas.microsoft.com/office/drawing/2014/main" id="{A9615E2F-B3A0-A486-1493-C6911DBE7104}"/>
+              </a:ext>
+            </a:extLst>
+          </p:cNvPr>
+          <p:cNvPicPr>
+            <a:picLocks noChangeAspect="1" noChangeArrowheads="1"/>
+          </p:cNvPicPr>
+          <p:nvPr/>
+        </p:nvPicPr>
+        <p:blipFill>
+          <a:blip r:embed="rId4">
+            <a:duotone>
+              <a:schemeClr val="accent2">
+                <a:shade val="45000"/>
+                <a:satMod val="135000"/>
+              </a:schemeClr>
+              <a:prstClr val="white"/>
+            </a:duotone>
+            <a:extLst>
+              <a:ext uri="{28A0092B-C50C-407E-A947-70E740481C1C}">
+                <a14:useLocalDpi xmlns:a14="http://schemas.microsoft.com/office/drawing/2010/main" val="0"/>
+              </a:ext>
+            </a:extLst>
+          </a:blip>
+          <a:srcRect/>
+          <a:stretch>
+            <a:fillRect/>
+          </a:stretch>
+        </p:blipFill>
+        <p:spPr bwMode="auto">
+          <a:xfrm>
+            <a:off x="3921741" y="3155784"/>
+            <a:ext cx="257648" cy="257648"/>
+          </a:xfrm>
+          <a:prstGeom prst="roundRect">
+            <a:avLst>
+              <a:gd name="adj" fmla="val 8594"/>
+            </a:avLst>
+          </a:prstGeom>
+          <a:solidFill>
+            <a:srgbClr val="FFFFFF">
+              <a:shade val="85000"/>
+            </a:srgbClr>
+          </a:solidFill>
+          <a:ln>
+            <a:noFill/>
+          </a:ln>
+          <a:effectLst>
+            <a:reflection blurRad="12700" stA="38000" endPos="28000" dist="5000" dir="5400000" sy="-100000" algn="bl" rotWithShape="0"/>
+          </a:effectLst>
+        </p:spPr>
+      </p:pic>
+      <p:pic>
+        <p:nvPicPr>
+          <p:cNvPr id="8" name="Picture 7" descr="Image result for nginx">
+            <a:extLst>
+              <a:ext uri="{FF2B5EF4-FFF2-40B4-BE49-F238E27FC236}">
+                <a16:creationId xmlns:a16="http://schemas.microsoft.com/office/drawing/2014/main" id="{E57D83EB-EFED-971A-C6C0-A9917650EB93}"/>
+              </a:ext>
+            </a:extLst>
+          </p:cNvPr>
+          <p:cNvPicPr>
+            <a:picLocks noChangeAspect="1" noChangeArrowheads="1"/>
+          </p:cNvPicPr>
+          <p:nvPr/>
+        </p:nvPicPr>
+        <p:blipFill>
+          <a:blip r:embed="rId5">
+            <a:extLst>
+              <a:ext uri="{28A0092B-C50C-407E-A947-70E740481C1C}">
+                <a14:useLocalDpi xmlns:a14="http://schemas.microsoft.com/office/drawing/2010/main" val="0"/>
+              </a:ext>
+            </a:extLst>
+          </a:blip>
+          <a:srcRect/>
+          <a:stretch>
+            <a:fillRect/>
+          </a:stretch>
+        </p:blipFill>
+        <p:spPr bwMode="auto">
+          <a:xfrm>
+            <a:off x="5839668" y="1717681"/>
+            <a:ext cx="512661" cy="595968"/>
+          </a:xfrm>
+          <a:prstGeom prst="rect">
+            <a:avLst/>
+          </a:prstGeom>
+          <a:noFill/>
+          <a:extLst>
+            <a:ext uri="{909E8E84-426E-40DD-AFC4-6F175D3DCCD1}">
+              <a14:hiddenFill xmlns:a14="http://schemas.microsoft.com/office/drawing/2010/main">
+                <a:solidFill>
+                  <a:srgbClr val="FFFFFF"/>
+                </a:solidFill>
+              </a14:hiddenFill>
+            </a:ext>
+          </a:extLst>
+        </p:spPr>
+      </p:pic>
+      <p:sp>
+        <p:nvSpPr>
+          <p:cNvPr id="13" name="직사각형 256">
+            <a:extLst>
+              <a:ext uri="{FF2B5EF4-FFF2-40B4-BE49-F238E27FC236}">
+                <a16:creationId xmlns:a16="http://schemas.microsoft.com/office/drawing/2014/main" id="{25DC8E18-D255-9372-126C-E4840E3EEA85}"/>
+              </a:ext>
+            </a:extLst>
+          </p:cNvPr>
+          <p:cNvSpPr/>
+          <p:nvPr/>
+        </p:nvSpPr>
+        <p:spPr>
+          <a:xfrm>
+            <a:off x="5823711" y="2347776"/>
+            <a:ext cx="544573" cy="299121"/>
+          </a:xfrm>
+          <a:prstGeom prst="rect">
+            <a:avLst/>
+          </a:prstGeom>
+        </p:spPr>
+        <p:txBody>
+          <a:bodyPr wrap="square" lIns="0" tIns="0" rIns="0" bIns="0">
+            <a:spAutoFit/>
+          </a:bodyPr>
+          <a:lstStyle/>
+          <a:p>
+            <a:pPr algn="ctr">
+              <a:lnSpc>
+                <a:spcPct val="80000"/>
+              </a:lnSpc>
+            </a:pPr>
+            <a:r>
+              <a:rPr lang="en-US" altLang="ko-KR" sz="1200" dirty="0">
+                <a:solidFill>
+                  <a:prstClr val="black"/>
+                </a:solidFill>
+                <a:latin typeface="Calibri" panose="020F0502020204030204" pitchFamily="34" charset="0"/>
+              </a:rPr>
+              <a:t>Lambda</a:t>
+            </a:r>
+          </a:p>
+          <a:p>
+            <a:pPr algn="ctr">
+              <a:lnSpc>
+                <a:spcPct val="80000"/>
+              </a:lnSpc>
+            </a:pPr>
+            <a:r>
+              <a:rPr lang="en-US" altLang="ko-KR" sz="1200" dirty="0">
+                <a:solidFill>
+                  <a:prstClr val="black"/>
+                </a:solidFill>
+                <a:latin typeface="Calibri" panose="020F0502020204030204" pitchFamily="34" charset="0"/>
+              </a:rPr>
+              <a:t>Gateway</a:t>
+            </a:r>
+          </a:p>
+        </p:txBody>
+      </p:sp>
+      <p:sp>
+        <p:nvSpPr>
+          <p:cNvPr id="35" name="직사각형 363">
+            <a:extLst>
+              <a:ext uri="{FF2B5EF4-FFF2-40B4-BE49-F238E27FC236}">
+                <a16:creationId xmlns:a16="http://schemas.microsoft.com/office/drawing/2014/main" id="{908247F6-94EE-7390-7383-005E2EADEE7A}"/>
+              </a:ext>
+            </a:extLst>
+          </p:cNvPr>
+          <p:cNvSpPr/>
+          <p:nvPr/>
+        </p:nvSpPr>
+        <p:spPr>
+          <a:xfrm rot="16200000">
+            <a:off x="6023287" y="3259654"/>
+            <a:ext cx="341314" cy="1154909"/>
+          </a:xfrm>
+          <a:prstGeom prst="rect">
+            <a:avLst/>
+          </a:prstGeom>
+          <a:noFill/>
+          <a:ln w="3175" cap="flat" cmpd="sng" algn="ctr">
+            <a:solidFill>
+              <a:schemeClr val="tx1">
+                <a:lumMod val="50000"/>
+                <a:lumOff val="50000"/>
+              </a:schemeClr>
+            </a:solidFill>
+            <a:prstDash val="dash"/>
+            <a:miter lim="800000"/>
+          </a:ln>
+          <a:effectLst/>
+        </p:spPr>
+        <p:txBody>
+          <a:bodyPr vert="vert" lIns="0" tIns="0" rIns="0" bIns="0" rtlCol="0" anchor="ctr"/>
+          <a:lstStyle/>
+          <a:p>
+            <a:pPr algn="ctr">
+              <a:lnSpc>
+                <a:spcPct val="80000"/>
+              </a:lnSpc>
+            </a:pPr>
+            <a:r>
+              <a:rPr lang="en-US" altLang="ko-KR" sz="1200" kern="0" dirty="0">
+                <a:latin typeface="Calibri" panose="020F0502020204030204" pitchFamily="34" charset="0"/>
+                <a:ea typeface="맑은 고딕"/>
+              </a:rPr>
+              <a:t>/images</a:t>
+            </a:r>
+            <a:endParaRPr lang="ko-KR" altLang="en-US" sz="1200" kern="0" dirty="0">
+              <a:latin typeface="Calibri" panose="020F0502020204030204" pitchFamily="34" charset="0"/>
+              <a:ea typeface="맑은 고딕"/>
+            </a:endParaRPr>
+          </a:p>
+        </p:txBody>
+      </p:sp>
+      <p:sp>
+        <p:nvSpPr>
+          <p:cNvPr id="36" name="직사각형 363">
+            <a:extLst>
+              <a:ext uri="{FF2B5EF4-FFF2-40B4-BE49-F238E27FC236}">
+                <a16:creationId xmlns:a16="http://schemas.microsoft.com/office/drawing/2014/main" id="{3484CCE9-77B5-CD7C-7C25-5EBBF8C6CBE5}"/>
+              </a:ext>
+            </a:extLst>
+          </p:cNvPr>
+          <p:cNvSpPr/>
+          <p:nvPr/>
+        </p:nvSpPr>
+        <p:spPr>
+          <a:xfrm rot="16200000">
+            <a:off x="7339675" y="3259653"/>
+            <a:ext cx="341314" cy="1154910"/>
+          </a:xfrm>
+          <a:prstGeom prst="rect">
+            <a:avLst/>
+          </a:prstGeom>
+          <a:noFill/>
+          <a:ln w="3175" cap="flat" cmpd="sng" algn="ctr">
+            <a:solidFill>
+              <a:schemeClr val="tx1">
+                <a:lumMod val="50000"/>
+                <a:lumOff val="50000"/>
+              </a:schemeClr>
+            </a:solidFill>
+            <a:prstDash val="dash"/>
+            <a:miter lim="800000"/>
+          </a:ln>
+          <a:effectLst/>
+        </p:spPr>
+        <p:txBody>
+          <a:bodyPr vert="vert" lIns="0" tIns="0" rIns="0" bIns="0" rtlCol="0" anchor="ctr"/>
+          <a:lstStyle/>
+          <a:p>
+            <a:pPr algn="ctr">
+              <a:lnSpc>
+                <a:spcPct val="80000"/>
+              </a:lnSpc>
+            </a:pPr>
+            <a:r>
+              <a:rPr lang="en-US" altLang="ko-KR" sz="1200" kern="0" dirty="0">
+                <a:latin typeface="Calibri" panose="020F0502020204030204" pitchFamily="34" charset="0"/>
+                <a:ea typeface="맑은 고딕"/>
+              </a:rPr>
+              <a:t>/</a:t>
+            </a:r>
+            <a:r>
+              <a:rPr lang="en-US" altLang="ko-KR" sz="1200" kern="0" dirty="0" err="1">
+                <a:latin typeface="Calibri" panose="020F0502020204030204" pitchFamily="34" charset="0"/>
+                <a:ea typeface="맑은 고딕"/>
+              </a:rPr>
+              <a:t>urls</a:t>
+            </a:r>
+            <a:r>
+              <a:rPr lang="en-US" altLang="ko-KR" sz="1200" kern="0" dirty="0">
+                <a:latin typeface="Calibri" panose="020F0502020204030204" pitchFamily="34" charset="0"/>
+                <a:ea typeface="맑은 고딕"/>
+              </a:rPr>
+              <a:t>/analysis</a:t>
+            </a:r>
+            <a:endParaRPr lang="ko-KR" altLang="en-US" sz="1200" kern="0" dirty="0">
+              <a:latin typeface="Calibri" panose="020F0502020204030204" pitchFamily="34" charset="0"/>
+              <a:ea typeface="맑은 고딕"/>
+            </a:endParaRPr>
+          </a:p>
+        </p:txBody>
+      </p:sp>
+      <p:cxnSp>
+        <p:nvCxnSpPr>
+          <p:cNvPr id="42" name="Straight Arrow Connector 41">
+            <a:extLst>
+              <a:ext uri="{FF2B5EF4-FFF2-40B4-BE49-F238E27FC236}">
+                <a16:creationId xmlns:a16="http://schemas.microsoft.com/office/drawing/2014/main" id="{6E7B06AD-863C-0791-0609-F1A079E08BDB}"/>
+              </a:ext>
+            </a:extLst>
+          </p:cNvPr>
+          <p:cNvCxnSpPr>
+            <a:endCxn id="8" idx="0"/>
+          </p:cNvCxnSpPr>
+          <p:nvPr/>
+        </p:nvCxnSpPr>
+        <p:spPr>
+          <a:xfrm>
+            <a:off x="6095998" y="1318661"/>
+            <a:ext cx="1" cy="399020"/>
+          </a:xfrm>
+          <a:prstGeom prst="straightConnector1">
+            <a:avLst/>
+          </a:prstGeom>
+          <a:ln>
+            <a:solidFill>
+              <a:schemeClr val="accent6"/>
+            </a:solidFill>
+            <a:tailEnd type="triangle"/>
+          </a:ln>
+        </p:spPr>
+        <p:style>
+          <a:lnRef idx="1">
+            <a:schemeClr val="accent1"/>
+          </a:lnRef>
+          <a:fillRef idx="0">
+            <a:schemeClr val="accent1"/>
+          </a:fillRef>
+          <a:effectRef idx="0">
+            <a:schemeClr val="accent1"/>
+          </a:effectRef>
+          <a:fontRef idx="minor">
+            <a:schemeClr val="tx1"/>
+          </a:fontRef>
+        </p:style>
+      </p:cxnSp>
+      <p:cxnSp>
+        <p:nvCxnSpPr>
+          <p:cNvPr id="43" name="Straight Arrow Connector 42">
+            <a:extLst>
+              <a:ext uri="{FF2B5EF4-FFF2-40B4-BE49-F238E27FC236}">
+                <a16:creationId xmlns:a16="http://schemas.microsoft.com/office/drawing/2014/main" id="{866050D9-5C0D-3A03-2ECC-66928814E859}"/>
+              </a:ext>
+            </a:extLst>
+          </p:cNvPr>
+          <p:cNvCxnSpPr>
+            <a:cxnSpLocks/>
+            <a:stCxn id="13" idx="2"/>
+            <a:endCxn id="3" idx="3"/>
+          </p:cNvCxnSpPr>
+          <p:nvPr/>
+        </p:nvCxnSpPr>
+        <p:spPr>
+          <a:xfrm>
+            <a:off x="6095998" y="2646897"/>
+            <a:ext cx="2" cy="346560"/>
+          </a:xfrm>
+          <a:prstGeom prst="straightConnector1">
+            <a:avLst/>
+          </a:prstGeom>
+          <a:ln>
+            <a:solidFill>
+              <a:schemeClr val="accent6"/>
+            </a:solidFill>
+            <a:tailEnd type="triangle"/>
+          </a:ln>
+        </p:spPr>
+        <p:style>
+          <a:lnRef idx="1">
+            <a:schemeClr val="accent1"/>
+          </a:lnRef>
+          <a:fillRef idx="0">
+            <a:schemeClr val="accent1"/>
+          </a:fillRef>
+          <a:effectRef idx="0">
+            <a:schemeClr val="accent1"/>
+          </a:effectRef>
+          <a:fontRef idx="minor">
+            <a:schemeClr val="tx1"/>
+          </a:fontRef>
+        </p:style>
+      </p:cxnSp>
+      <p:sp>
+        <p:nvSpPr>
+          <p:cNvPr id="49" name="직사각형 363">
+            <a:extLst>
+              <a:ext uri="{FF2B5EF4-FFF2-40B4-BE49-F238E27FC236}">
+                <a16:creationId xmlns:a16="http://schemas.microsoft.com/office/drawing/2014/main" id="{69502664-E75F-B3A8-4DD6-D19AE642C1F4}"/>
+              </a:ext>
+            </a:extLst>
+          </p:cNvPr>
+          <p:cNvSpPr/>
+          <p:nvPr/>
+        </p:nvSpPr>
+        <p:spPr>
+          <a:xfrm rot="16200000">
+            <a:off x="4636427" y="4066579"/>
+            <a:ext cx="1318661" cy="2951285"/>
+          </a:xfrm>
+          <a:prstGeom prst="rect">
+            <a:avLst/>
+          </a:prstGeom>
+          <a:noFill/>
+          <a:ln w="3175" cap="flat" cmpd="sng" algn="ctr">
+            <a:solidFill>
+              <a:schemeClr val="bg1">
+                <a:lumMod val="85000"/>
+              </a:schemeClr>
+            </a:solidFill>
+            <a:prstDash val="dash"/>
+            <a:miter lim="800000"/>
+          </a:ln>
+          <a:effectLst/>
+        </p:spPr>
+        <p:txBody>
+          <a:bodyPr vert="vert" lIns="0" tIns="0" rIns="0" bIns="0" rtlCol="0" anchor="t" anchorCtr="0"/>
+          <a:lstStyle/>
+          <a:p>
+            <a:pPr algn="ctr">
+              <a:lnSpc>
+                <a:spcPct val="80000"/>
+              </a:lnSpc>
+            </a:pPr>
+            <a:endParaRPr lang="en-US" altLang="ko-KR" sz="1000" kern="0" dirty="0">
+              <a:solidFill>
+                <a:schemeClr val="bg1">
+                  <a:lumMod val="65000"/>
+                </a:schemeClr>
+              </a:solidFill>
+              <a:latin typeface="Calibri" panose="020F0502020204030204" pitchFamily="34" charset="0"/>
+              <a:ea typeface="맑은 고딕"/>
+            </a:endParaRPr>
+          </a:p>
+          <a:p>
+            <a:pPr algn="ctr">
+              <a:lnSpc>
+                <a:spcPct val="80000"/>
+              </a:lnSpc>
+            </a:pPr>
+            <a:r>
+              <a:rPr lang="en-US" altLang="ko-KR" sz="1000" kern="0" dirty="0">
+                <a:solidFill>
+                  <a:schemeClr val="bg1">
+                    <a:lumMod val="65000"/>
+                  </a:schemeClr>
+                </a:solidFill>
+                <a:latin typeface="Calibri" panose="020F0502020204030204" pitchFamily="34" charset="0"/>
+                <a:ea typeface="맑은 고딕"/>
+              </a:rPr>
+              <a:t>Data Service</a:t>
+            </a:r>
+            <a:endParaRPr lang="ko-KR" altLang="en-US" sz="1000" kern="0" dirty="0">
+              <a:solidFill>
+                <a:schemeClr val="bg1">
+                  <a:lumMod val="65000"/>
+                </a:schemeClr>
+              </a:solidFill>
+              <a:latin typeface="Calibri" panose="020F0502020204030204" pitchFamily="34" charset="0"/>
+              <a:ea typeface="맑은 고딕"/>
+            </a:endParaRPr>
+          </a:p>
+        </p:txBody>
+      </p:sp>
+      <p:pic>
+        <p:nvPicPr>
+          <p:cNvPr id="50" name="Picture 10" descr="S3 Bucket with Objects | AWS Storage">
+            <a:extLst>
+              <a:ext uri="{FF2B5EF4-FFF2-40B4-BE49-F238E27FC236}">
+                <a16:creationId xmlns:a16="http://schemas.microsoft.com/office/drawing/2014/main" id="{D9771BDF-E671-666A-19D8-74C370DF6437}"/>
+              </a:ext>
+            </a:extLst>
+          </p:cNvPr>
+          <p:cNvPicPr>
+            <a:picLocks noChangeAspect="1" noChangeArrowheads="1"/>
+          </p:cNvPicPr>
+          <p:nvPr/>
+        </p:nvPicPr>
+        <p:blipFill>
+          <a:blip r:embed="rId6">
+            <a:duotone>
+              <a:schemeClr val="accent2">
+                <a:shade val="45000"/>
+                <a:satMod val="135000"/>
+              </a:schemeClr>
+              <a:prstClr val="white"/>
+            </a:duotone>
+            <a:extLst>
+              <a:ext uri="{28A0092B-C50C-407E-A947-70E740481C1C}">
+                <a14:useLocalDpi xmlns:a14="http://schemas.microsoft.com/office/drawing/2010/main" val="0"/>
+              </a:ext>
+            </a:extLst>
+          </a:blip>
+          <a:srcRect/>
+          <a:stretch>
+            <a:fillRect/>
+          </a:stretch>
+        </p:blipFill>
+        <p:spPr bwMode="auto">
+          <a:xfrm>
+            <a:off x="4575071" y="5329571"/>
+            <a:ext cx="377604" cy="377604"/>
+          </a:xfrm>
+          <a:prstGeom prst="rect">
+            <a:avLst/>
+          </a:prstGeom>
+          <a:noFill/>
+          <a:extLst>
+            <a:ext uri="{909E8E84-426E-40DD-AFC4-6F175D3DCCD1}">
+              <a14:hiddenFill xmlns:a14="http://schemas.microsoft.com/office/drawing/2010/main">
+                <a:solidFill>
+                  <a:srgbClr val="FFFFFF"/>
+                </a:solidFill>
+              </a14:hiddenFill>
+            </a:ext>
+          </a:extLst>
+        </p:spPr>
+      </p:pic>
+      <p:sp>
+        <p:nvSpPr>
+          <p:cNvPr id="52" name="직사각형 363">
+            <a:extLst>
+              <a:ext uri="{FF2B5EF4-FFF2-40B4-BE49-F238E27FC236}">
+                <a16:creationId xmlns:a16="http://schemas.microsoft.com/office/drawing/2014/main" id="{13F512F5-5FC7-2532-3E18-0B3A202DB29B}"/>
+              </a:ext>
+            </a:extLst>
+          </p:cNvPr>
+          <p:cNvSpPr/>
+          <p:nvPr/>
+        </p:nvSpPr>
+        <p:spPr>
+          <a:xfrm rot="16200000">
+            <a:off x="6993051" y="4822717"/>
+            <a:ext cx="1318665" cy="1439011"/>
+          </a:xfrm>
+          <a:prstGeom prst="rect">
+            <a:avLst/>
+          </a:prstGeom>
+          <a:noFill/>
+          <a:ln w="3175" cap="flat" cmpd="sng" algn="ctr">
+            <a:solidFill>
+              <a:schemeClr val="bg1">
+                <a:lumMod val="85000"/>
+              </a:schemeClr>
+            </a:solidFill>
+            <a:prstDash val="dash"/>
+            <a:miter lim="800000"/>
+          </a:ln>
+          <a:effectLst/>
+        </p:spPr>
+        <p:txBody>
+          <a:bodyPr vert="vert" lIns="0" tIns="0" rIns="0" bIns="0" rtlCol="0" anchor="t" anchorCtr="0"/>
+          <a:lstStyle/>
+          <a:p>
+            <a:pPr algn="ctr">
+              <a:lnSpc>
+                <a:spcPct val="80000"/>
+              </a:lnSpc>
+            </a:pPr>
+            <a:endParaRPr lang="en-US" altLang="ko-KR" sz="1000" kern="0" dirty="0">
+              <a:solidFill>
+                <a:schemeClr val="bg1">
+                  <a:lumMod val="65000"/>
+                </a:schemeClr>
+              </a:solidFill>
+              <a:latin typeface="Calibri" panose="020F0502020204030204" pitchFamily="34" charset="0"/>
+              <a:ea typeface="맑은 고딕"/>
+            </a:endParaRPr>
+          </a:p>
+          <a:p>
+            <a:pPr algn="ctr">
+              <a:lnSpc>
+                <a:spcPct val="80000"/>
+              </a:lnSpc>
+            </a:pPr>
+            <a:r>
+              <a:rPr lang="en-US" altLang="ko-KR" sz="1000" kern="0" dirty="0">
+                <a:solidFill>
+                  <a:schemeClr val="bg1">
+                    <a:lumMod val="65000"/>
+                  </a:schemeClr>
+                </a:solidFill>
+                <a:latin typeface="Calibri" panose="020F0502020204030204" pitchFamily="34" charset="0"/>
+                <a:ea typeface="맑은 고딕"/>
+              </a:rPr>
+              <a:t>Communication Service</a:t>
+            </a:r>
+            <a:endParaRPr lang="ko-KR" altLang="en-US" sz="1000" kern="0" dirty="0">
+              <a:solidFill>
+                <a:schemeClr val="bg1">
+                  <a:lumMod val="65000"/>
+                </a:schemeClr>
+              </a:solidFill>
+              <a:latin typeface="Calibri" panose="020F0502020204030204" pitchFamily="34" charset="0"/>
+              <a:ea typeface="맑은 고딕"/>
+            </a:endParaRPr>
+          </a:p>
+        </p:txBody>
+      </p:sp>
+      <p:pic>
+        <p:nvPicPr>
+          <p:cNvPr id="53" name="Picture 6" descr="Amazon SQS | Slack App Directory">
+            <a:extLst>
+              <a:ext uri="{FF2B5EF4-FFF2-40B4-BE49-F238E27FC236}">
+                <a16:creationId xmlns:a16="http://schemas.microsoft.com/office/drawing/2014/main" id="{21099F81-4486-0D74-07B3-E00C0155E839}"/>
+              </a:ext>
+            </a:extLst>
+          </p:cNvPr>
+          <p:cNvPicPr>
+            <a:picLocks noChangeAspect="1" noChangeArrowheads="1"/>
+          </p:cNvPicPr>
+          <p:nvPr/>
+        </p:nvPicPr>
+        <p:blipFill>
+          <a:blip r:embed="rId7">
+            <a:duotone>
+              <a:schemeClr val="accent4">
+                <a:shade val="45000"/>
+                <a:satMod val="135000"/>
+              </a:schemeClr>
+              <a:prstClr val="white"/>
+            </a:duotone>
+            <a:extLst>
+              <a:ext uri="{28A0092B-C50C-407E-A947-70E740481C1C}">
+                <a14:useLocalDpi xmlns:a14="http://schemas.microsoft.com/office/drawing/2010/main" val="0"/>
+              </a:ext>
+            </a:extLst>
+          </a:blip>
+          <a:srcRect/>
+          <a:stretch>
+            <a:fillRect/>
+          </a:stretch>
+        </p:blipFill>
+        <p:spPr bwMode="auto">
+          <a:xfrm>
+            <a:off x="7355216" y="5181516"/>
+            <a:ext cx="594334" cy="594334"/>
+          </a:xfrm>
+          <a:prstGeom prst="rect">
+            <a:avLst/>
+          </a:prstGeom>
+          <a:noFill/>
+          <a:extLst>
+            <a:ext uri="{909E8E84-426E-40DD-AFC4-6F175D3DCCD1}">
+              <a14:hiddenFill xmlns:a14="http://schemas.microsoft.com/office/drawing/2010/main">
+                <a:solidFill>
+                  <a:srgbClr val="FFFFFF"/>
+                </a:solidFill>
+              </a14:hiddenFill>
+            </a:ext>
+          </a:extLst>
+        </p:spPr>
+      </p:pic>
+      <p:sp>
+        <p:nvSpPr>
+          <p:cNvPr id="54" name="직사각형 256">
+            <a:extLst>
+              <a:ext uri="{FF2B5EF4-FFF2-40B4-BE49-F238E27FC236}">
+                <a16:creationId xmlns:a16="http://schemas.microsoft.com/office/drawing/2014/main" id="{27515723-1C13-C29A-7B8E-D41E277EF4B6}"/>
+              </a:ext>
+            </a:extLst>
+          </p:cNvPr>
+          <p:cNvSpPr/>
+          <p:nvPr/>
+        </p:nvSpPr>
+        <p:spPr>
+          <a:xfrm>
+            <a:off x="7168386" y="5709066"/>
+            <a:ext cx="1006494" cy="299121"/>
+          </a:xfrm>
+          <a:prstGeom prst="rect">
+            <a:avLst/>
+          </a:prstGeom>
+        </p:spPr>
+        <p:txBody>
+          <a:bodyPr wrap="none" lIns="0" tIns="0" rIns="0" bIns="0">
+            <a:spAutoFit/>
+          </a:bodyPr>
+          <a:lstStyle/>
+          <a:p>
+            <a:pPr algn="ctr">
+              <a:lnSpc>
+                <a:spcPct val="80000"/>
+              </a:lnSpc>
+            </a:pPr>
+            <a:r>
+              <a:rPr lang="en-US" altLang="ko-KR" sz="1200" dirty="0">
+                <a:solidFill>
+                  <a:prstClr val="black"/>
+                </a:solidFill>
+                <a:latin typeface="Calibri" panose="020F0502020204030204" pitchFamily="34" charset="0"/>
+              </a:rPr>
+              <a:t>SQS</a:t>
+            </a:r>
+          </a:p>
+          <a:p>
+            <a:pPr algn="ctr">
+              <a:lnSpc>
+                <a:spcPct val="80000"/>
+              </a:lnSpc>
+            </a:pPr>
+            <a:r>
+              <a:rPr lang="en-US" altLang="ko-KR" sz="1200" dirty="0">
+                <a:solidFill>
+                  <a:prstClr val="black"/>
+                </a:solidFill>
+                <a:latin typeface="Calibri" panose="020F0502020204030204" pitchFamily="34" charset="0"/>
+              </a:rPr>
+              <a:t>(Worker Queue)</a:t>
+            </a:r>
+            <a:endParaRPr lang="ko-KR" altLang="en-US" sz="1200" dirty="0">
+              <a:solidFill>
+                <a:prstClr val="black"/>
+              </a:solidFill>
+              <a:latin typeface="Calibri" panose="020F0502020204030204" pitchFamily="34" charset="0"/>
+            </a:endParaRPr>
+          </a:p>
+        </p:txBody>
+      </p:sp>
+      <p:pic>
+        <p:nvPicPr>
+          <p:cNvPr id="61" name="Picture 10" descr="S3 Bucket with Objects | AWS Storage">
+            <a:extLst>
+              <a:ext uri="{FF2B5EF4-FFF2-40B4-BE49-F238E27FC236}">
+                <a16:creationId xmlns:a16="http://schemas.microsoft.com/office/drawing/2014/main" id="{CF898E28-3B17-55B2-5A0D-BC3931C7E03F}"/>
+              </a:ext>
+            </a:extLst>
+          </p:cNvPr>
+          <p:cNvPicPr>
+            <a:picLocks noChangeAspect="1" noChangeArrowheads="1"/>
+          </p:cNvPicPr>
+          <p:nvPr/>
+        </p:nvPicPr>
+        <p:blipFill>
+          <a:blip r:embed="rId6">
+            <a:duotone>
+              <a:schemeClr val="accent2">
+                <a:shade val="45000"/>
+                <a:satMod val="135000"/>
+              </a:schemeClr>
+              <a:prstClr val="white"/>
+            </a:duotone>
+            <a:extLst>
+              <a:ext uri="{28A0092B-C50C-407E-A947-70E740481C1C}">
+                <a14:useLocalDpi xmlns:a14="http://schemas.microsoft.com/office/drawing/2010/main" val="0"/>
+              </a:ext>
+            </a:extLst>
+          </a:blip>
+          <a:srcRect/>
+          <a:stretch>
+            <a:fillRect/>
+          </a:stretch>
+        </p:blipFill>
+        <p:spPr bwMode="auto">
+          <a:xfrm>
+            <a:off x="5904496" y="5329571"/>
+            <a:ext cx="377604" cy="377604"/>
+          </a:xfrm>
+          <a:prstGeom prst="rect">
+            <a:avLst/>
+          </a:prstGeom>
+          <a:noFill/>
+          <a:extLst>
+            <a:ext uri="{909E8E84-426E-40DD-AFC4-6F175D3DCCD1}">
+              <a14:hiddenFill xmlns:a14="http://schemas.microsoft.com/office/drawing/2010/main">
+                <a:solidFill>
+                  <a:srgbClr val="FFFFFF"/>
+                </a:solidFill>
+              </a14:hiddenFill>
+            </a:ext>
+          </a:extLst>
+        </p:spPr>
+      </p:pic>
+      <p:sp>
+        <p:nvSpPr>
+          <p:cNvPr id="62" name="직사각형 256">
+            <a:extLst>
+              <a:ext uri="{FF2B5EF4-FFF2-40B4-BE49-F238E27FC236}">
+                <a16:creationId xmlns:a16="http://schemas.microsoft.com/office/drawing/2014/main" id="{A9DC646D-EDC5-7140-107E-5FC8B8B49C3A}"/>
+              </a:ext>
+            </a:extLst>
+          </p:cNvPr>
+          <p:cNvSpPr/>
+          <p:nvPr/>
+        </p:nvSpPr>
+        <p:spPr>
+          <a:xfrm>
+            <a:off x="5187012" y="5709034"/>
+            <a:ext cx="483146" cy="299184"/>
+          </a:xfrm>
+          <a:prstGeom prst="rect">
+            <a:avLst/>
+          </a:prstGeom>
+        </p:spPr>
+        <p:txBody>
+          <a:bodyPr wrap="none" lIns="0" tIns="0" rIns="0" bIns="0">
+            <a:spAutoFit/>
+          </a:bodyPr>
+          <a:lstStyle/>
+          <a:p>
+            <a:pPr algn="ctr">
+              <a:lnSpc>
+                <a:spcPct val="80000"/>
+              </a:lnSpc>
+            </a:pPr>
+            <a:r>
+              <a:rPr lang="en-US" altLang="ko-KR" sz="1200" dirty="0">
+                <a:solidFill>
+                  <a:prstClr val="black"/>
+                </a:solidFill>
+                <a:latin typeface="Calibri" panose="020F0502020204030204" pitchFamily="34" charset="0"/>
+              </a:rPr>
+              <a:t>S3 </a:t>
+            </a:r>
+          </a:p>
+          <a:p>
+            <a:pPr algn="ctr">
+              <a:lnSpc>
+                <a:spcPct val="80000"/>
+              </a:lnSpc>
+            </a:pPr>
+            <a:r>
+              <a:rPr lang="en-US" altLang="ko-KR" sz="1200" dirty="0">
+                <a:solidFill>
+                  <a:prstClr val="black"/>
+                </a:solidFill>
+                <a:latin typeface="Calibri" panose="020F0502020204030204" pitchFamily="34" charset="0"/>
+              </a:rPr>
+              <a:t>Buckets</a:t>
+            </a:r>
+            <a:endParaRPr lang="ko-KR" altLang="en-US" sz="1200" dirty="0">
+              <a:solidFill>
+                <a:prstClr val="black"/>
+              </a:solidFill>
+              <a:latin typeface="Calibri" panose="020F0502020204030204" pitchFamily="34" charset="0"/>
+            </a:endParaRPr>
+          </a:p>
+        </p:txBody>
+      </p:sp>
+      <p:cxnSp>
+        <p:nvCxnSpPr>
+          <p:cNvPr id="63" name="Straight Arrow Connector 62">
+            <a:extLst>
+              <a:ext uri="{FF2B5EF4-FFF2-40B4-BE49-F238E27FC236}">
+                <a16:creationId xmlns:a16="http://schemas.microsoft.com/office/drawing/2014/main" id="{DC2B8138-17C4-FC20-49B8-055FC0902007}"/>
+              </a:ext>
+            </a:extLst>
+          </p:cNvPr>
+          <p:cNvCxnSpPr>
+            <a:cxnSpLocks/>
+          </p:cNvCxnSpPr>
+          <p:nvPr/>
+        </p:nvCxnSpPr>
+        <p:spPr>
+          <a:xfrm>
+            <a:off x="4756841" y="3998142"/>
+            <a:ext cx="0" cy="884747"/>
+          </a:xfrm>
+          <a:prstGeom prst="straightConnector1">
+            <a:avLst/>
+          </a:prstGeom>
+          <a:ln>
+            <a:solidFill>
+              <a:schemeClr val="accent2"/>
+            </a:solidFill>
+            <a:tailEnd type="triangle"/>
+          </a:ln>
+        </p:spPr>
+        <p:style>
+          <a:lnRef idx="1">
+            <a:schemeClr val="accent1"/>
+          </a:lnRef>
+          <a:fillRef idx="0">
+            <a:schemeClr val="accent1"/>
+          </a:fillRef>
+          <a:effectRef idx="0">
+            <a:schemeClr val="accent1"/>
+          </a:effectRef>
+          <a:fontRef idx="minor">
+            <a:schemeClr val="tx1"/>
+          </a:fontRef>
+        </p:style>
+      </p:cxnSp>
+      <p:cxnSp>
+        <p:nvCxnSpPr>
+          <p:cNvPr id="132" name="Straight Arrow Connector 131">
+            <a:extLst>
+              <a:ext uri="{FF2B5EF4-FFF2-40B4-BE49-F238E27FC236}">
+                <a16:creationId xmlns:a16="http://schemas.microsoft.com/office/drawing/2014/main" id="{F8BC4F1B-0FDA-959F-664A-D2C673856643}"/>
+              </a:ext>
+            </a:extLst>
+          </p:cNvPr>
+          <p:cNvCxnSpPr>
+            <a:cxnSpLocks/>
+            <a:stCxn id="35" idx="1"/>
+          </p:cNvCxnSpPr>
+          <p:nvPr/>
+        </p:nvCxnSpPr>
+        <p:spPr>
+          <a:xfrm>
+            <a:off x="6193945" y="4007766"/>
+            <a:ext cx="0" cy="875123"/>
+          </a:xfrm>
+          <a:prstGeom prst="straightConnector1">
+            <a:avLst/>
+          </a:prstGeom>
+          <a:ln>
+            <a:solidFill>
+              <a:schemeClr val="accent2"/>
+            </a:solidFill>
+            <a:tailEnd type="triangle"/>
+          </a:ln>
+        </p:spPr>
+        <p:style>
+          <a:lnRef idx="1">
+            <a:schemeClr val="accent1"/>
+          </a:lnRef>
+          <a:fillRef idx="0">
+            <a:schemeClr val="accent1"/>
+          </a:fillRef>
+          <a:effectRef idx="0">
+            <a:schemeClr val="accent1"/>
+          </a:effectRef>
+          <a:fontRef idx="minor">
+            <a:schemeClr val="tx1"/>
+          </a:fontRef>
+        </p:style>
+      </p:cxnSp>
+      <p:cxnSp>
+        <p:nvCxnSpPr>
+          <p:cNvPr id="150" name="Straight Arrow Connector 149">
+            <a:extLst>
+              <a:ext uri="{FF2B5EF4-FFF2-40B4-BE49-F238E27FC236}">
+                <a16:creationId xmlns:a16="http://schemas.microsoft.com/office/drawing/2014/main" id="{E580E376-9CB3-2BEF-F312-BF7D0C734CE3}"/>
+              </a:ext>
+            </a:extLst>
+          </p:cNvPr>
+          <p:cNvCxnSpPr>
+            <a:cxnSpLocks/>
+            <a:stCxn id="36" idx="1"/>
+          </p:cNvCxnSpPr>
+          <p:nvPr/>
+        </p:nvCxnSpPr>
+        <p:spPr>
+          <a:xfrm>
+            <a:off x="7510332" y="4007765"/>
+            <a:ext cx="0" cy="875124"/>
+          </a:xfrm>
+          <a:prstGeom prst="straightConnector1">
+            <a:avLst/>
+          </a:prstGeom>
+          <a:ln>
+            <a:solidFill>
+              <a:schemeClr val="accent2"/>
+            </a:solidFill>
+            <a:tailEnd type="triangle"/>
+          </a:ln>
+        </p:spPr>
+        <p:style>
+          <a:lnRef idx="1">
+            <a:schemeClr val="accent1"/>
+          </a:lnRef>
+          <a:fillRef idx="0">
+            <a:schemeClr val="accent1"/>
+          </a:fillRef>
+          <a:effectRef idx="0">
+            <a:schemeClr val="accent1"/>
+          </a:effectRef>
+          <a:fontRef idx="minor">
+            <a:schemeClr val="tx1"/>
+          </a:fontRef>
+        </p:style>
+      </p:cxnSp>
+      <p:sp>
+        <p:nvSpPr>
+          <p:cNvPr id="154" name="직사각형 256">
+            <a:extLst>
+              <a:ext uri="{FF2B5EF4-FFF2-40B4-BE49-F238E27FC236}">
+                <a16:creationId xmlns:a16="http://schemas.microsoft.com/office/drawing/2014/main" id="{3A1D2803-90E0-C6E9-3FB0-D80CDA132E6C}"/>
+              </a:ext>
+            </a:extLst>
+          </p:cNvPr>
+          <p:cNvSpPr/>
+          <p:nvPr/>
+        </p:nvSpPr>
+        <p:spPr>
+          <a:xfrm>
+            <a:off x="5716776" y="1152539"/>
+            <a:ext cx="753044" cy="151452"/>
+          </a:xfrm>
+          <a:prstGeom prst="rect">
+            <a:avLst/>
+          </a:prstGeom>
+        </p:spPr>
+        <p:txBody>
+          <a:bodyPr wrap="square" lIns="0" tIns="0" rIns="0" bIns="0">
+            <a:spAutoFit/>
+          </a:bodyPr>
+          <a:lstStyle/>
+          <a:p>
+            <a:pPr algn="ctr">
+              <a:lnSpc>
+                <a:spcPct val="80000"/>
+              </a:lnSpc>
+            </a:pPr>
+            <a:r>
+              <a:rPr lang="en-US" altLang="ko-KR" sz="1200" dirty="0">
+                <a:solidFill>
+                  <a:prstClr val="black"/>
+                </a:solidFill>
+                <a:latin typeface="Calibri" panose="020F0502020204030204" pitchFamily="34" charset="0"/>
+              </a:rPr>
+              <a:t>Frontend</a:t>
+            </a:r>
+          </a:p>
+        </p:txBody>
+      </p:sp>
+      <p:sp>
+        <p:nvSpPr>
+          <p:cNvPr id="155" name="직사각형 256">
+            <a:extLst>
+              <a:ext uri="{FF2B5EF4-FFF2-40B4-BE49-F238E27FC236}">
+                <a16:creationId xmlns:a16="http://schemas.microsoft.com/office/drawing/2014/main" id="{23D0B66C-8730-994C-BD5E-FF18A5E924CC}"/>
+              </a:ext>
+            </a:extLst>
+          </p:cNvPr>
+          <p:cNvSpPr/>
+          <p:nvPr/>
+        </p:nvSpPr>
+        <p:spPr>
+          <a:xfrm>
+            <a:off x="6193944" y="1423413"/>
+            <a:ext cx="838371" cy="126188"/>
+          </a:xfrm>
+          <a:prstGeom prst="rect">
+            <a:avLst/>
+          </a:prstGeom>
+        </p:spPr>
+        <p:txBody>
+          <a:bodyPr wrap="none" lIns="0" tIns="0" rIns="0" bIns="0">
+            <a:spAutoFit/>
+          </a:bodyPr>
+          <a:lstStyle/>
+          <a:p>
+            <a:pPr>
+              <a:lnSpc>
+                <a:spcPct val="80000"/>
+              </a:lnSpc>
+            </a:pPr>
+            <a:r>
+              <a:rPr lang="en-US" altLang="ko-KR" sz="1000" i="1" dirty="0">
+                <a:solidFill>
+                  <a:schemeClr val="bg1">
+                    <a:lumMod val="65000"/>
+                  </a:schemeClr>
+                </a:solidFill>
+                <a:latin typeface="Calibri" panose="020F0502020204030204" pitchFamily="34" charset="0"/>
+              </a:rPr>
+              <a:t>Call Lambda API</a:t>
+            </a:r>
+            <a:endParaRPr lang="ko-KR" altLang="en-US" sz="1000" i="1" dirty="0">
+              <a:solidFill>
+                <a:schemeClr val="bg1">
+                  <a:lumMod val="65000"/>
+                </a:schemeClr>
+              </a:solidFill>
+              <a:latin typeface="Calibri" panose="020F0502020204030204" pitchFamily="34" charset="0"/>
+            </a:endParaRPr>
+          </a:p>
+        </p:txBody>
+      </p:sp>
+      <p:sp>
+        <p:nvSpPr>
+          <p:cNvPr id="156" name="Oval 155">
+            <a:extLst>
+              <a:ext uri="{FF2B5EF4-FFF2-40B4-BE49-F238E27FC236}">
+                <a16:creationId xmlns:a16="http://schemas.microsoft.com/office/drawing/2014/main" id="{AA98C46E-A3F3-9766-FEC9-53F3E732B27D}"/>
+              </a:ext>
+            </a:extLst>
+          </p:cNvPr>
+          <p:cNvSpPr/>
+          <p:nvPr/>
+        </p:nvSpPr>
+        <p:spPr>
+          <a:xfrm>
+            <a:off x="6054798" y="1438073"/>
+            <a:ext cx="83127" cy="91440"/>
+          </a:xfrm>
+          <a:prstGeom prst="ellipse">
+            <a:avLst/>
+          </a:prstGeom>
+          <a:solidFill>
+            <a:schemeClr val="accent6">
+              <a:lumMod val="75000"/>
+            </a:schemeClr>
+          </a:solidFill>
+          <a:ln>
+            <a:solidFill>
+              <a:schemeClr val="accent6">
+                <a:lumMod val="50000"/>
+              </a:schemeClr>
+            </a:solidFill>
+          </a:ln>
+        </p:spPr>
+        <p:style>
+          <a:lnRef idx="2">
+            <a:schemeClr val="accent1">
+              <a:shade val="50000"/>
+            </a:schemeClr>
+          </a:lnRef>
+          <a:fillRef idx="1">
+            <a:schemeClr val="accent1"/>
+          </a:fillRef>
+          <a:effectRef idx="0">
+            <a:schemeClr val="accent1"/>
+          </a:effectRef>
+          <a:fontRef idx="minor">
+            <a:schemeClr val="lt1"/>
+          </a:fontRef>
+        </p:style>
+        <p:txBody>
+          <a:bodyPr lIns="0" tIns="0" rIns="0" bIns="0" rtlCol="0" anchor="ctr"/>
+          <a:lstStyle/>
+          <a:p>
+            <a:pPr algn="ctr"/>
+            <a:r>
+              <a:rPr lang="en-US" sz="800" dirty="0">
+                <a:solidFill>
+                  <a:schemeClr val="bg1"/>
+                </a:solidFill>
+              </a:rPr>
+              <a:t>1</a:t>
+            </a:r>
+          </a:p>
+        </p:txBody>
+      </p:sp>
+      <p:sp>
+        <p:nvSpPr>
+          <p:cNvPr id="157" name="직사각형 256">
+            <a:extLst>
+              <a:ext uri="{FF2B5EF4-FFF2-40B4-BE49-F238E27FC236}">
+                <a16:creationId xmlns:a16="http://schemas.microsoft.com/office/drawing/2014/main" id="{67173A7E-D303-88AD-CAE2-A188107F2C9C}"/>
+              </a:ext>
+            </a:extLst>
+          </p:cNvPr>
+          <p:cNvSpPr/>
+          <p:nvPr/>
+        </p:nvSpPr>
+        <p:spPr>
+          <a:xfrm>
+            <a:off x="4859903" y="4413429"/>
+            <a:ext cx="495328" cy="249299"/>
+          </a:xfrm>
+          <a:prstGeom prst="rect">
+            <a:avLst/>
+          </a:prstGeom>
+        </p:spPr>
+        <p:txBody>
+          <a:bodyPr wrap="none" lIns="0" tIns="0" rIns="0" bIns="0">
+            <a:spAutoFit/>
+          </a:bodyPr>
+          <a:lstStyle/>
+          <a:p>
+            <a:pPr>
+              <a:lnSpc>
+                <a:spcPct val="80000"/>
+              </a:lnSpc>
+            </a:pPr>
+            <a:r>
+              <a:rPr lang="en-US" altLang="ko-KR" sz="1000" i="1" dirty="0">
+                <a:solidFill>
+                  <a:schemeClr val="bg1">
+                    <a:lumMod val="65000"/>
+                  </a:schemeClr>
+                </a:solidFill>
+                <a:latin typeface="Calibri" panose="020F0502020204030204" pitchFamily="34" charset="0"/>
+              </a:rPr>
+              <a:t>Read URL</a:t>
+            </a:r>
+          </a:p>
+          <a:p>
+            <a:pPr>
+              <a:lnSpc>
+                <a:spcPct val="80000"/>
+              </a:lnSpc>
+            </a:pPr>
+            <a:r>
+              <a:rPr lang="en-US" altLang="ko-KR" sz="1000" i="1" dirty="0">
+                <a:solidFill>
+                  <a:schemeClr val="bg1">
+                    <a:lumMod val="65000"/>
+                  </a:schemeClr>
+                </a:solidFill>
+                <a:latin typeface="Calibri" panose="020F0502020204030204" pitchFamily="34" charset="0"/>
+              </a:rPr>
+              <a:t>from s3</a:t>
+            </a:r>
+            <a:endParaRPr lang="ko-KR" altLang="en-US" sz="1000" i="1" dirty="0">
+              <a:solidFill>
+                <a:schemeClr val="bg1">
+                  <a:lumMod val="65000"/>
+                </a:schemeClr>
+              </a:solidFill>
+              <a:latin typeface="Calibri" panose="020F0502020204030204" pitchFamily="34" charset="0"/>
+            </a:endParaRPr>
+          </a:p>
+        </p:txBody>
+      </p:sp>
+      <p:sp>
+        <p:nvSpPr>
+          <p:cNvPr id="158" name="Oval 157">
+            <a:extLst>
+              <a:ext uri="{FF2B5EF4-FFF2-40B4-BE49-F238E27FC236}">
+                <a16:creationId xmlns:a16="http://schemas.microsoft.com/office/drawing/2014/main" id="{AFEB9247-217C-A1C3-4703-29970FE57F47}"/>
+              </a:ext>
+            </a:extLst>
+          </p:cNvPr>
+          <p:cNvSpPr/>
+          <p:nvPr/>
+        </p:nvSpPr>
+        <p:spPr>
+          <a:xfrm>
+            <a:off x="4720757" y="4428089"/>
+            <a:ext cx="83127" cy="91440"/>
+          </a:xfrm>
+          <a:prstGeom prst="ellipse">
+            <a:avLst/>
+          </a:prstGeom>
+          <a:solidFill>
+            <a:schemeClr val="accent6">
+              <a:lumMod val="75000"/>
+            </a:schemeClr>
+          </a:solidFill>
+          <a:ln>
+            <a:solidFill>
+              <a:schemeClr val="accent6">
+                <a:lumMod val="50000"/>
+              </a:schemeClr>
+            </a:solidFill>
+          </a:ln>
+        </p:spPr>
+        <p:style>
+          <a:lnRef idx="2">
+            <a:schemeClr val="accent1">
+              <a:shade val="50000"/>
+            </a:schemeClr>
+          </a:lnRef>
+          <a:fillRef idx="1">
+            <a:schemeClr val="accent1"/>
+          </a:fillRef>
+          <a:effectRef idx="0">
+            <a:schemeClr val="accent1"/>
+          </a:effectRef>
+          <a:fontRef idx="minor">
+            <a:schemeClr val="lt1"/>
+          </a:fontRef>
+        </p:style>
+        <p:txBody>
+          <a:bodyPr lIns="0" tIns="0" rIns="0" bIns="0" rtlCol="0" anchor="ctr"/>
+          <a:lstStyle/>
+          <a:p>
+            <a:pPr algn="ctr"/>
+            <a:r>
+              <a:rPr lang="en-US" sz="800" dirty="0">
+                <a:solidFill>
+                  <a:schemeClr val="bg1"/>
+                </a:solidFill>
+              </a:rPr>
+              <a:t>2</a:t>
+            </a:r>
+          </a:p>
+        </p:txBody>
+      </p:sp>
+      <p:sp>
+        <p:nvSpPr>
+          <p:cNvPr id="162" name="직사각형 256">
+            <a:extLst>
+              <a:ext uri="{FF2B5EF4-FFF2-40B4-BE49-F238E27FC236}">
+                <a16:creationId xmlns:a16="http://schemas.microsoft.com/office/drawing/2014/main" id="{1B8C07EA-089B-C635-C948-1C7177C0D6CE}"/>
+              </a:ext>
+            </a:extLst>
+          </p:cNvPr>
+          <p:cNvSpPr/>
+          <p:nvPr/>
+        </p:nvSpPr>
+        <p:spPr>
+          <a:xfrm>
+            <a:off x="6303010" y="4411033"/>
+            <a:ext cx="662041" cy="249299"/>
+          </a:xfrm>
+          <a:prstGeom prst="rect">
+            <a:avLst/>
+          </a:prstGeom>
+        </p:spPr>
+        <p:txBody>
+          <a:bodyPr wrap="none" lIns="0" tIns="0" rIns="0" bIns="0">
+            <a:spAutoFit/>
+          </a:bodyPr>
+          <a:lstStyle/>
+          <a:p>
+            <a:pPr>
+              <a:lnSpc>
+                <a:spcPct val="80000"/>
+              </a:lnSpc>
+            </a:pPr>
+            <a:r>
+              <a:rPr lang="en-US" altLang="ko-KR" sz="1000" i="1" dirty="0">
+                <a:solidFill>
+                  <a:schemeClr val="bg1">
+                    <a:lumMod val="65000"/>
+                  </a:schemeClr>
+                </a:solidFill>
+                <a:latin typeface="Calibri" panose="020F0502020204030204" pitchFamily="34" charset="0"/>
+              </a:rPr>
+              <a:t>Read images</a:t>
+            </a:r>
+          </a:p>
+          <a:p>
+            <a:pPr>
+              <a:lnSpc>
+                <a:spcPct val="80000"/>
+              </a:lnSpc>
+            </a:pPr>
+            <a:r>
+              <a:rPr lang="en-US" altLang="ko-KR" sz="1000" i="1" dirty="0">
+                <a:solidFill>
+                  <a:schemeClr val="bg1">
+                    <a:lumMod val="65000"/>
+                  </a:schemeClr>
+                </a:solidFill>
+                <a:latin typeface="Calibri" panose="020F0502020204030204" pitchFamily="34" charset="0"/>
+              </a:rPr>
+              <a:t>from s3</a:t>
+            </a:r>
+            <a:endParaRPr lang="ko-KR" altLang="en-US" sz="1000" i="1" dirty="0">
+              <a:solidFill>
+                <a:schemeClr val="bg1">
+                  <a:lumMod val="65000"/>
+                </a:schemeClr>
+              </a:solidFill>
+              <a:latin typeface="Calibri" panose="020F0502020204030204" pitchFamily="34" charset="0"/>
+            </a:endParaRPr>
+          </a:p>
+        </p:txBody>
+      </p:sp>
+      <p:sp>
+        <p:nvSpPr>
+          <p:cNvPr id="163" name="Oval 162">
+            <a:extLst>
+              <a:ext uri="{FF2B5EF4-FFF2-40B4-BE49-F238E27FC236}">
+                <a16:creationId xmlns:a16="http://schemas.microsoft.com/office/drawing/2014/main" id="{18B95D11-ACA3-E095-AB04-7A156F3DE64F}"/>
+              </a:ext>
+            </a:extLst>
+          </p:cNvPr>
+          <p:cNvSpPr/>
+          <p:nvPr/>
+        </p:nvSpPr>
+        <p:spPr>
+          <a:xfrm>
+            <a:off x="6163864" y="4425693"/>
+            <a:ext cx="83127" cy="91440"/>
+          </a:xfrm>
+          <a:prstGeom prst="ellipse">
+            <a:avLst/>
+          </a:prstGeom>
+          <a:solidFill>
+            <a:schemeClr val="accent6">
+              <a:lumMod val="75000"/>
+            </a:schemeClr>
+          </a:solidFill>
+          <a:ln>
+            <a:solidFill>
+              <a:schemeClr val="accent6">
+                <a:lumMod val="50000"/>
+              </a:schemeClr>
+            </a:solidFill>
+          </a:ln>
+        </p:spPr>
+        <p:style>
+          <a:lnRef idx="2">
+            <a:schemeClr val="accent1">
+              <a:shade val="50000"/>
+            </a:schemeClr>
+          </a:lnRef>
+          <a:fillRef idx="1">
+            <a:schemeClr val="accent1"/>
+          </a:fillRef>
+          <a:effectRef idx="0">
+            <a:schemeClr val="accent1"/>
+          </a:effectRef>
+          <a:fontRef idx="minor">
+            <a:schemeClr val="lt1"/>
+          </a:fontRef>
+        </p:style>
+        <p:txBody>
+          <a:bodyPr lIns="0" tIns="0" rIns="0" bIns="0" rtlCol="0" anchor="ctr"/>
+          <a:lstStyle/>
+          <a:p>
+            <a:pPr algn="ctr"/>
+            <a:r>
+              <a:rPr lang="en-US" sz="800" dirty="0">
+                <a:solidFill>
+                  <a:schemeClr val="bg1"/>
+                </a:solidFill>
+              </a:rPr>
+              <a:t>3</a:t>
+            </a:r>
+          </a:p>
+        </p:txBody>
+      </p:sp>
+      <p:sp>
+        <p:nvSpPr>
+          <p:cNvPr id="164" name="직사각형 256">
+            <a:extLst>
+              <a:ext uri="{FF2B5EF4-FFF2-40B4-BE49-F238E27FC236}">
+                <a16:creationId xmlns:a16="http://schemas.microsoft.com/office/drawing/2014/main" id="{C6CDE444-BDB7-8F65-5318-7BF9A5308A11}"/>
+              </a:ext>
+            </a:extLst>
+          </p:cNvPr>
+          <p:cNvSpPr/>
+          <p:nvPr/>
+        </p:nvSpPr>
+        <p:spPr>
+          <a:xfrm>
+            <a:off x="7608904" y="4418262"/>
+            <a:ext cx="875240" cy="372410"/>
+          </a:xfrm>
+          <a:prstGeom prst="rect">
+            <a:avLst/>
+          </a:prstGeom>
+        </p:spPr>
+        <p:txBody>
+          <a:bodyPr wrap="none" lIns="0" tIns="0" rIns="0" bIns="0">
+            <a:spAutoFit/>
+          </a:bodyPr>
+          <a:lstStyle/>
+          <a:p>
+            <a:pPr>
+              <a:lnSpc>
+                <a:spcPct val="80000"/>
+              </a:lnSpc>
+            </a:pPr>
+            <a:r>
+              <a:rPr lang="en-US" altLang="ko-KR" sz="1000" i="1" dirty="0">
+                <a:solidFill>
+                  <a:schemeClr val="bg1">
+                    <a:lumMod val="65000"/>
+                  </a:schemeClr>
+                </a:solidFill>
+                <a:latin typeface="Calibri" panose="020F0502020204030204" pitchFamily="34" charset="0"/>
+              </a:rPr>
+              <a:t>Send a message</a:t>
+            </a:r>
+          </a:p>
+          <a:p>
+            <a:pPr>
+              <a:lnSpc>
+                <a:spcPct val="80000"/>
+              </a:lnSpc>
+            </a:pPr>
+            <a:r>
+              <a:rPr lang="en-US" altLang="ko-KR" sz="1000" i="1" dirty="0">
+                <a:solidFill>
+                  <a:schemeClr val="bg1">
+                    <a:lumMod val="65000"/>
+                  </a:schemeClr>
+                </a:solidFill>
+                <a:latin typeface="Calibri" panose="020F0502020204030204" pitchFamily="34" charset="0"/>
+              </a:rPr>
+              <a:t>To SQS to trigger</a:t>
+            </a:r>
+          </a:p>
+          <a:p>
+            <a:pPr>
+              <a:lnSpc>
+                <a:spcPct val="80000"/>
+              </a:lnSpc>
+            </a:pPr>
+            <a:r>
+              <a:rPr lang="en-US" altLang="ko-KR" sz="1000" i="1" dirty="0">
+                <a:solidFill>
+                  <a:schemeClr val="bg1">
+                    <a:lumMod val="65000"/>
+                  </a:schemeClr>
+                </a:solidFill>
+                <a:latin typeface="Calibri" panose="020F0502020204030204" pitchFamily="34" charset="0"/>
+              </a:rPr>
+              <a:t>async process</a:t>
+            </a:r>
+            <a:endParaRPr lang="ko-KR" altLang="en-US" sz="1000" i="1" dirty="0">
+              <a:solidFill>
+                <a:schemeClr val="bg1">
+                  <a:lumMod val="65000"/>
+                </a:schemeClr>
+              </a:solidFill>
+              <a:latin typeface="Calibri" panose="020F0502020204030204" pitchFamily="34" charset="0"/>
+            </a:endParaRPr>
+          </a:p>
+        </p:txBody>
+      </p:sp>
+      <p:sp>
+        <p:nvSpPr>
+          <p:cNvPr id="165" name="Oval 164">
+            <a:extLst>
+              <a:ext uri="{FF2B5EF4-FFF2-40B4-BE49-F238E27FC236}">
+                <a16:creationId xmlns:a16="http://schemas.microsoft.com/office/drawing/2014/main" id="{B6AFA23E-4BDA-F7D2-328F-F0A77E0732B3}"/>
+              </a:ext>
+            </a:extLst>
+          </p:cNvPr>
+          <p:cNvSpPr/>
+          <p:nvPr/>
+        </p:nvSpPr>
+        <p:spPr>
+          <a:xfrm>
+            <a:off x="7469758" y="4432922"/>
+            <a:ext cx="83127" cy="91440"/>
+          </a:xfrm>
+          <a:prstGeom prst="ellipse">
+            <a:avLst/>
+          </a:prstGeom>
+          <a:solidFill>
+            <a:schemeClr val="accent6">
+              <a:lumMod val="75000"/>
+            </a:schemeClr>
+          </a:solidFill>
+          <a:ln>
+            <a:solidFill>
+              <a:schemeClr val="accent6">
+                <a:lumMod val="50000"/>
+              </a:schemeClr>
+            </a:solidFill>
+          </a:ln>
+        </p:spPr>
+        <p:style>
+          <a:lnRef idx="2">
+            <a:schemeClr val="accent1">
+              <a:shade val="50000"/>
+            </a:schemeClr>
+          </a:lnRef>
+          <a:fillRef idx="1">
+            <a:schemeClr val="accent1"/>
+          </a:fillRef>
+          <a:effectRef idx="0">
+            <a:schemeClr val="accent1"/>
+          </a:effectRef>
+          <a:fontRef idx="minor">
+            <a:schemeClr val="lt1"/>
+          </a:fontRef>
+        </p:style>
+        <p:txBody>
+          <a:bodyPr lIns="0" tIns="0" rIns="0" bIns="0" rtlCol="0" anchor="ctr"/>
+          <a:lstStyle/>
+          <a:p>
+            <a:pPr algn="ctr"/>
+            <a:r>
+              <a:rPr lang="en-US" sz="800" dirty="0">
+                <a:solidFill>
+                  <a:schemeClr val="bg1"/>
+                </a:solidFill>
+              </a:rPr>
+              <a:t>4</a:t>
+            </a:r>
+          </a:p>
+        </p:txBody>
+      </p:sp>
+    </p:spTree>
+    <p:extLst>
+      <p:ext uri="{BB962C8B-B14F-4D97-AF65-F5344CB8AC3E}">
+        <p14:creationId xmlns:p14="http://schemas.microsoft.com/office/powerpoint/2010/main" val="4260369027"/>
+      </p:ext>
+    </p:extLst>
+  </p:cSld>
+  <p:clrMapOvr>
+    <a:masterClrMapping/>
+  </p:clrMapOvr>
+</p:sld>
+</file>
+
+<file path=ppt/slides/slide9.xml><?xml version="1.0" encoding="utf-8"?>
 <p:sld xmlns:a="http://schemas.openxmlformats.org/drawingml/2006/main" xmlns:r="http://schemas.openxmlformats.org/officeDocument/2006/relationships" xmlns:p="http://schemas.openxmlformats.org/presentationml/2006/main">
   <p:cSld>
     <p:spTree>
